--- a/kr/250541_Бобрик_ВЮ_КР_ИиУВМ.pptx
+++ b/kr/250541_Бобрик_ВЮ_КР_ИиУВМ.pptx
@@ -5,16 +5,36 @@
     <p:sldMasterId id="2147483648" r:id="rId4"/>
   </p:sldMasterIdLst>
   <p:notesMasterIdLst>
-    <p:notesMasterId r:id="rId9"/>
+    <p:notesMasterId r:id="rId29"/>
   </p:notesMasterIdLst>
   <p:handoutMasterIdLst>
-    <p:handoutMasterId r:id="rId10"/>
+    <p:handoutMasterId r:id="rId30"/>
   </p:handoutMasterIdLst>
   <p:sldIdLst>
     <p:sldId id="260" r:id="rId5"/>
     <p:sldId id="261" r:id="rId6"/>
     <p:sldId id="262" r:id="rId7"/>
-    <p:sldId id="257" r:id="rId8"/>
+    <p:sldId id="263" r:id="rId8"/>
+    <p:sldId id="265" r:id="rId9"/>
+    <p:sldId id="264" r:id="rId10"/>
+    <p:sldId id="266" r:id="rId11"/>
+    <p:sldId id="267" r:id="rId12"/>
+    <p:sldId id="268" r:id="rId13"/>
+    <p:sldId id="269" r:id="rId14"/>
+    <p:sldId id="270" r:id="rId15"/>
+    <p:sldId id="271" r:id="rId16"/>
+    <p:sldId id="272" r:id="rId17"/>
+    <p:sldId id="273" r:id="rId18"/>
+    <p:sldId id="274" r:id="rId19"/>
+    <p:sldId id="275" r:id="rId20"/>
+    <p:sldId id="276" r:id="rId21"/>
+    <p:sldId id="277" r:id="rId22"/>
+    <p:sldId id="278" r:id="rId23"/>
+    <p:sldId id="279" r:id="rId24"/>
+    <p:sldId id="280" r:id="rId25"/>
+    <p:sldId id="281" r:id="rId26"/>
+    <p:sldId id="283" r:id="rId27"/>
+    <p:sldId id="257" r:id="rId28"/>
   </p:sldIdLst>
   <p:sldSz cx="12192000" cy="6858000"/>
   <p:notesSz cx="6858000" cy="9144000"/>
@@ -953,10 +973,14 @@
         <a:lstStyle/>
         <a:p>
           <a:r>
-            <a:rPr lang="ru-RU" sz="2800" dirty="0" smtClean="0"/>
+            <a:rPr lang="ru-RU" sz="2800" dirty="0" smtClean="0">
+              <a:latin typeface="Bebas Neue Pro Exp Rg" panose="020B0506020202050201" pitchFamily="34" charset="-52"/>
+            </a:rPr>
             <a:t>По способу организации</a:t>
           </a:r>
-          <a:endParaRPr lang="ru-RU" sz="2800" dirty="0"/>
+          <a:endParaRPr lang="ru-RU" sz="2800" dirty="0">
+            <a:latin typeface="Bebas Neue Pro Exp Rg" panose="020B0506020202050201" pitchFamily="34" charset="-52"/>
+          </a:endParaRPr>
         </a:p>
       </dgm:t>
     </dgm:pt>
@@ -990,10 +1014,14 @@
         <a:lstStyle/>
         <a:p>
           <a:r>
-            <a:rPr lang="en-US" sz="2800" dirty="0" smtClean="0"/>
+            <a:rPr lang="en-US" sz="2800" dirty="0" smtClean="0">
+              <a:latin typeface="Bebas Neue Pro Exp Rg" panose="020B0506020202050201" pitchFamily="34" charset="-52"/>
+            </a:rPr>
             <a:t>JBOD</a:t>
           </a:r>
-          <a:endParaRPr lang="ru-RU" sz="2800" dirty="0"/>
+          <a:endParaRPr lang="ru-RU" sz="2800" dirty="0">
+            <a:latin typeface="Bebas Neue Pro Exp Rg" panose="020B0506020202050201" pitchFamily="34" charset="-52"/>
+          </a:endParaRPr>
         </a:p>
       </dgm:t>
     </dgm:pt>
@@ -1027,10 +1055,14 @@
         <a:lstStyle/>
         <a:p>
           <a:r>
-            <a:rPr lang="ru-RU" dirty="0" smtClean="0"/>
+            <a:rPr lang="ru-RU" dirty="0" smtClean="0">
+              <a:latin typeface="Bebas Neue Pro Exp Rg" panose="020B0506020202050201" pitchFamily="34" charset="-52"/>
+            </a:rPr>
             <a:t>Дисковые массивы</a:t>
           </a:r>
-          <a:endParaRPr lang="ru-RU" dirty="0"/>
+          <a:endParaRPr lang="ru-RU" dirty="0">
+            <a:latin typeface="Bebas Neue Pro Exp Rg" panose="020B0506020202050201" pitchFamily="34" charset="-52"/>
+          </a:endParaRPr>
         </a:p>
       </dgm:t>
     </dgm:pt>
@@ -1064,10 +1096,14 @@
         <a:lstStyle/>
         <a:p>
           <a:r>
-            <a:rPr lang="ru-RU" sz="2800" dirty="0" smtClean="0"/>
+            <a:rPr lang="ru-RU" sz="2800" dirty="0" smtClean="0">
+              <a:latin typeface="Bebas Neue Pro Exp Rg" panose="020B0506020202050201" pitchFamily="34" charset="-52"/>
+            </a:rPr>
             <a:t>По способу реализации</a:t>
           </a:r>
-          <a:endParaRPr lang="ru-RU" sz="2800" dirty="0"/>
+          <a:endParaRPr lang="ru-RU" sz="2800" dirty="0">
+            <a:latin typeface="Bebas Neue Pro Exp Rg" panose="020B0506020202050201" pitchFamily="34" charset="-52"/>
+          </a:endParaRPr>
         </a:p>
       </dgm:t>
     </dgm:pt>
@@ -1101,18 +1137,26 @@
         <a:lstStyle/>
         <a:p>
           <a:r>
-            <a:rPr lang="ru-RU" sz="2800" dirty="0" smtClean="0"/>
+            <a:rPr lang="ru-RU" sz="2800" dirty="0" smtClean="0">
+              <a:latin typeface="Bebas Neue Pro Exp Rg" panose="020B0506020202050201" pitchFamily="34" charset="-52"/>
+            </a:rPr>
             <a:t>По</a:t>
           </a:r>
           <a:r>
-            <a:rPr lang="ru-RU" sz="3600" dirty="0" smtClean="0"/>
+            <a:rPr lang="ru-RU" sz="3600" dirty="0" smtClean="0">
+              <a:latin typeface="Bebas Neue Pro Exp Rg" panose="020B0506020202050201" pitchFamily="34" charset="-52"/>
+            </a:rPr>
             <a:t> </a:t>
           </a:r>
           <a:r>
-            <a:rPr lang="ru-RU" sz="2800" dirty="0" smtClean="0"/>
+            <a:rPr lang="ru-RU" sz="2800" dirty="0" smtClean="0">
+              <a:latin typeface="Bebas Neue Pro Exp Rg" panose="020B0506020202050201" pitchFamily="34" charset="-52"/>
+            </a:rPr>
             <a:t>назначению</a:t>
           </a:r>
-          <a:endParaRPr lang="ru-RU" sz="3600" dirty="0"/>
+          <a:endParaRPr lang="ru-RU" sz="3600" dirty="0">
+            <a:latin typeface="Bebas Neue Pro Exp Rg" panose="020B0506020202050201" pitchFamily="34" charset="-52"/>
+          </a:endParaRPr>
         </a:p>
       </dgm:t>
     </dgm:pt>
@@ -1146,10 +1190,14 @@
         <a:lstStyle/>
         <a:p>
           <a:r>
-            <a:rPr lang="en-US" sz="2800" dirty="0" smtClean="0"/>
+            <a:rPr lang="en-US" sz="2800" dirty="0" smtClean="0">
+              <a:latin typeface="Bebas Neue Pro Exp Rg" panose="020B0506020202050201" pitchFamily="34" charset="-52"/>
+            </a:rPr>
             <a:t>RAID</a:t>
           </a:r>
-          <a:endParaRPr lang="ru-RU" sz="2800" dirty="0"/>
+          <a:endParaRPr lang="ru-RU" sz="2800" dirty="0">
+            <a:latin typeface="Bebas Neue Pro Exp Rg" panose="020B0506020202050201" pitchFamily="34" charset="-52"/>
+          </a:endParaRPr>
         </a:p>
       </dgm:t>
     </dgm:pt>
@@ -1183,10 +1231,14 @@
         <a:lstStyle/>
         <a:p>
           <a:r>
-            <a:rPr lang="ru-RU" sz="2800" dirty="0" smtClean="0"/>
+            <a:rPr lang="ru-RU" sz="2800" dirty="0" smtClean="0">
+              <a:latin typeface="Bebas Neue Pro Exp Rg" panose="020B0506020202050201" pitchFamily="34" charset="-52"/>
+            </a:rPr>
             <a:t>Программные</a:t>
           </a:r>
-          <a:endParaRPr lang="ru-RU" sz="2800" dirty="0"/>
+          <a:endParaRPr lang="ru-RU" sz="2800" dirty="0">
+            <a:latin typeface="Bebas Neue Pro Exp Rg" panose="020B0506020202050201" pitchFamily="34" charset="-52"/>
+          </a:endParaRPr>
         </a:p>
       </dgm:t>
     </dgm:pt>
@@ -1220,10 +1272,14 @@
         <a:lstStyle/>
         <a:p>
           <a:r>
-            <a:rPr lang="ru-RU" sz="2800" dirty="0" smtClean="0"/>
+            <a:rPr lang="ru-RU" sz="2800" dirty="0" smtClean="0">
+              <a:latin typeface="Bebas Neue Pro Exp Rg" panose="020B0506020202050201" pitchFamily="34" charset="-52"/>
+            </a:rPr>
             <a:t>Аппаратные</a:t>
           </a:r>
-          <a:endParaRPr lang="ru-RU" sz="2800" dirty="0"/>
+          <a:endParaRPr lang="ru-RU" sz="2800" dirty="0">
+            <a:latin typeface="Bebas Neue Pro Exp Rg" panose="020B0506020202050201" pitchFamily="34" charset="-52"/>
+          </a:endParaRPr>
         </a:p>
       </dgm:t>
     </dgm:pt>
@@ -1257,10 +1313,14 @@
         <a:lstStyle/>
         <a:p>
           <a:r>
-            <a:rPr lang="ru-RU" sz="2000" dirty="0" smtClean="0"/>
+            <a:rPr lang="ru-RU" sz="2000" dirty="0" smtClean="0">
+              <a:latin typeface="Bebas Neue Pro Exp Rg" panose="020B0506020202050201" pitchFamily="34" charset="-52"/>
+            </a:rPr>
             <a:t>Для повышения производительности</a:t>
           </a:r>
-          <a:endParaRPr lang="ru-RU" sz="2000" dirty="0"/>
+          <a:endParaRPr lang="ru-RU" sz="2000" dirty="0">
+            <a:latin typeface="Bebas Neue Pro Exp Rg" panose="020B0506020202050201" pitchFamily="34" charset="-52"/>
+          </a:endParaRPr>
         </a:p>
       </dgm:t>
     </dgm:pt>
@@ -1294,10 +1354,14 @@
         <a:lstStyle/>
         <a:p>
           <a:r>
-            <a:rPr lang="ru-RU" sz="2000" dirty="0" smtClean="0"/>
+            <a:rPr lang="ru-RU" sz="2000" dirty="0" smtClean="0">
+              <a:latin typeface="Bebas Neue Pro Exp Rg" panose="020B0506020202050201" pitchFamily="34" charset="-52"/>
+            </a:rPr>
             <a:t>Для повышения надежности</a:t>
           </a:r>
-          <a:endParaRPr lang="ru-RU" sz="2000" dirty="0"/>
+          <a:endParaRPr lang="ru-RU" sz="2000" dirty="0">
+            <a:latin typeface="Bebas Neue Pro Exp Rg" panose="020B0506020202050201" pitchFamily="34" charset="-52"/>
+          </a:endParaRPr>
         </a:p>
       </dgm:t>
     </dgm:pt>
@@ -1331,10 +1395,14 @@
         <a:lstStyle/>
         <a:p>
           <a:r>
-            <a:rPr lang="ru-RU" sz="2000" dirty="0" smtClean="0"/>
+            <a:rPr lang="ru-RU" sz="2000" dirty="0" smtClean="0">
+              <a:latin typeface="Bebas Neue Pro Exp Rg" panose="020B0506020202050201" pitchFamily="34" charset="-52"/>
+            </a:rPr>
             <a:t>Комбинированные</a:t>
           </a:r>
-          <a:endParaRPr lang="ru-RU" sz="2000" dirty="0"/>
+          <a:endParaRPr lang="ru-RU" sz="2000" dirty="0">
+            <a:latin typeface="Bebas Neue Pro Exp Rg" panose="020B0506020202050201" pitchFamily="34" charset="-52"/>
+          </a:endParaRPr>
         </a:p>
       </dgm:t>
     </dgm:pt>
@@ -1369,6 +1437,13 @@
         </dgm:presLayoutVars>
       </dgm:prSet>
       <dgm:spPr/>
+      <dgm:t>
+        <a:bodyPr/>
+        <a:lstStyle/>
+        <a:p>
+          <a:endParaRPr lang="ru-RU"/>
+        </a:p>
+      </dgm:t>
     </dgm:pt>
     <dgm:pt modelId="{15BDBCF9-34FA-4110-BDDE-83BE11878611}" type="pres">
       <dgm:prSet presAssocID="{20CDA2CC-460A-426A-985D-3CC052DB9ADA}" presName="thickLine" presStyleLbl="alignNode1" presStyleIdx="0" presStyleCnt="1"/>
@@ -1381,6 +1456,13 @@
     <dgm:pt modelId="{B40C73D7-E8E3-4AF0-AE27-8088B535B154}" type="pres">
       <dgm:prSet presAssocID="{20CDA2CC-460A-426A-985D-3CC052DB9ADA}" presName="tx1" presStyleLbl="revTx" presStyleIdx="0" presStyleCnt="11"/>
       <dgm:spPr/>
+      <dgm:t>
+        <a:bodyPr/>
+        <a:lstStyle/>
+        <a:p>
+          <a:endParaRPr lang="ru-RU"/>
+        </a:p>
+      </dgm:t>
     </dgm:pt>
     <dgm:pt modelId="{174ACA58-3A05-4655-B4F6-680D39618655}" type="pres">
       <dgm:prSet presAssocID="{20CDA2CC-460A-426A-985D-3CC052DB9ADA}" presName="vert1" presStyleCnt="0"/>
@@ -1401,6 +1483,13 @@
     <dgm:pt modelId="{3F49DBA6-93BC-4E0D-995A-0A1D2C4B39B0}" type="pres">
       <dgm:prSet presAssocID="{B5015ABB-19EE-4A41-9B01-DE636BFE75F0}" presName="tx2" presStyleLbl="revTx" presStyleIdx="1" presStyleCnt="11" custScaleX="78030"/>
       <dgm:spPr/>
+      <dgm:t>
+        <a:bodyPr/>
+        <a:lstStyle/>
+        <a:p>
+          <a:endParaRPr lang="ru-RU"/>
+        </a:p>
+      </dgm:t>
     </dgm:pt>
     <dgm:pt modelId="{5B43EEAE-3BC0-4306-823F-023294C2918A}" type="pres">
       <dgm:prSet presAssocID="{B5015ABB-19EE-4A41-9B01-DE636BFE75F0}" presName="vert2" presStyleCnt="0"/>
@@ -1475,6 +1564,13 @@
     <dgm:pt modelId="{E61E8762-479C-4552-93BE-009625D5ED24}" type="pres">
       <dgm:prSet presAssocID="{F88FC55C-B36A-40F4-9259-7D8A8A622211}" presName="tx2" presStyleLbl="revTx" presStyleIdx="4" presStyleCnt="11" custScaleX="78030"/>
       <dgm:spPr/>
+      <dgm:t>
+        <a:bodyPr/>
+        <a:lstStyle/>
+        <a:p>
+          <a:endParaRPr lang="ru-RU"/>
+        </a:p>
+      </dgm:t>
     </dgm:pt>
     <dgm:pt modelId="{E77795A1-CF9C-4F4F-B933-1769A211BAAC}" type="pres">
       <dgm:prSet presAssocID="{F88FC55C-B36A-40F4-9259-7D8A8A622211}" presName="vert2" presStyleCnt="0"/>
@@ -1549,6 +1645,13 @@
     <dgm:pt modelId="{BB679798-8927-47C6-816A-1D67B1F4FF4F}" type="pres">
       <dgm:prSet presAssocID="{C057395B-B238-40ED-B906-94E434D8F5E6}" presName="tx2" presStyleLbl="revTx" presStyleIdx="7" presStyleCnt="11" custScaleX="78030"/>
       <dgm:spPr/>
+      <dgm:t>
+        <a:bodyPr/>
+        <a:lstStyle/>
+        <a:p>
+          <a:endParaRPr lang="ru-RU"/>
+        </a:p>
+      </dgm:t>
     </dgm:pt>
     <dgm:pt modelId="{A1BE00BC-9318-4D9A-804E-2DAF87116FEA}" type="pres">
       <dgm:prSet presAssocID="{C057395B-B238-40ED-B906-94E434D8F5E6}" presName="vert2" presStyleCnt="0"/>
@@ -1565,6 +1668,13 @@
     <dgm:pt modelId="{CA8055AA-B417-4C98-AB62-B44028E500AB}" type="pres">
       <dgm:prSet presAssocID="{89B997D6-2FBA-4B2D-AD80-AB94F1911EE7}" presName="tx3" presStyleLbl="revTx" presStyleIdx="8" presStyleCnt="11" custScaleX="121922"/>
       <dgm:spPr/>
+      <dgm:t>
+        <a:bodyPr/>
+        <a:lstStyle/>
+        <a:p>
+          <a:endParaRPr lang="ru-RU"/>
+        </a:p>
+      </dgm:t>
     </dgm:pt>
     <dgm:pt modelId="{77CF03D0-657B-4A44-A938-C534BAE36A42}" type="pres">
       <dgm:prSet presAssocID="{89B997D6-2FBA-4B2D-AD80-AB94F1911EE7}" presName="vert3" presStyleCnt="0"/>
@@ -1585,6 +1695,13 @@
     <dgm:pt modelId="{4D414898-8ADC-4114-B53B-C6D832E1D4BE}" type="pres">
       <dgm:prSet presAssocID="{2D3C56FA-CFD6-493F-ACDC-1EDF4FF45F1A}" presName="tx3" presStyleLbl="revTx" presStyleIdx="9" presStyleCnt="11" custScaleX="121922"/>
       <dgm:spPr/>
+      <dgm:t>
+        <a:bodyPr/>
+        <a:lstStyle/>
+        <a:p>
+          <a:endParaRPr lang="ru-RU"/>
+        </a:p>
+      </dgm:t>
     </dgm:pt>
     <dgm:pt modelId="{8CB52768-40FD-4954-8ABE-F790D57C41A0}" type="pres">
       <dgm:prSet presAssocID="{2D3C56FA-CFD6-493F-ACDC-1EDF4FF45F1A}" presName="vert3" presStyleCnt="0"/>
@@ -1605,6 +1722,13 @@
     <dgm:pt modelId="{8946520E-27A4-44E6-A651-4ED7367725F4}" type="pres">
       <dgm:prSet presAssocID="{193F9052-C023-4F40-A35E-FE21A1AD2C3F}" presName="tx3" presStyleLbl="revTx" presStyleIdx="10" presStyleCnt="11" custScaleX="121922"/>
       <dgm:spPr/>
+      <dgm:t>
+        <a:bodyPr/>
+        <a:lstStyle/>
+        <a:p>
+          <a:endParaRPr lang="ru-RU"/>
+        </a:p>
+      </dgm:t>
     </dgm:pt>
     <dgm:pt modelId="{4849B329-4C4A-48AE-AE0B-FD913A074322}" type="pres">
       <dgm:prSet presAssocID="{193F9052-C023-4F40-A35E-FE21A1AD2C3F}" presName="vert3" presStyleCnt="0"/>
@@ -1620,28 +1744,28 @@
     </dgm:pt>
   </dgm:ptLst>
   <dgm:cxnLst>
-    <dgm:cxn modelId="{9F34A778-27AE-49E3-BC3D-246F91810433}" type="presOf" srcId="{3197CF8C-9C3C-4BE4-93E2-5500FF1A2F96}" destId="{B983512C-54DD-4C08-A24E-757BABE652A2}" srcOrd="0" destOrd="0" presId="urn:microsoft.com/office/officeart/2008/layout/LinedList"/>
-    <dgm:cxn modelId="{2BE8E8E0-6557-49F9-B51B-9124714E2B52}" type="presOf" srcId="{C057395B-B238-40ED-B906-94E434D8F5E6}" destId="{BB679798-8927-47C6-816A-1D67B1F4FF4F}" srcOrd="0" destOrd="0" presId="urn:microsoft.com/office/officeart/2008/layout/LinedList"/>
+    <dgm:cxn modelId="{DF0EFA28-237A-4A40-A30B-0D5BCAE0C982}" srcId="{B5015ABB-19EE-4A41-9B01-DE636BFE75F0}" destId="{29BDACD6-6A55-4370-B3FC-839F49D00063}" srcOrd="0" destOrd="0" parTransId="{DF85E289-48A0-4711-B80B-D97FFADE569A}" sibTransId="{08F5556B-D08A-4C2A-B0F4-C51FDFB7D506}"/>
+    <dgm:cxn modelId="{B4322153-19B7-456A-8032-0F97D67BFE3B}" srcId="{20CDA2CC-460A-426A-985D-3CC052DB9ADA}" destId="{F88FC55C-B36A-40F4-9259-7D8A8A622211}" srcOrd="1" destOrd="0" parTransId="{B96A4E54-4931-4E3B-A16C-CC5B4A63DF34}" sibTransId="{C04ACB8D-A33D-42A7-A25F-C588F74726E0}"/>
+    <dgm:cxn modelId="{FCF2C248-0AD2-4E32-8594-C891E8874A8F}" type="presOf" srcId="{20CDA2CC-460A-426A-985D-3CC052DB9ADA}" destId="{B40C73D7-E8E3-4AF0-AE27-8088B535B154}" srcOrd="0" destOrd="0" presId="urn:microsoft.com/office/officeart/2008/layout/LinedList"/>
+    <dgm:cxn modelId="{5FC0F825-95B9-425C-ACAD-42BBB357EC3B}" srcId="{20CDA2CC-460A-426A-985D-3CC052DB9ADA}" destId="{B5015ABB-19EE-4A41-9B01-DE636BFE75F0}" srcOrd="0" destOrd="0" parTransId="{9C5F2F7E-121D-4497-89DD-5004AD505FF8}" sibTransId="{95B5EBB2-223C-4C05-AF68-A58B62E3AAED}"/>
+    <dgm:cxn modelId="{48352946-9F8A-4963-9FC6-6E2FEABD1027}" type="presOf" srcId="{29BDACD6-6A55-4370-B3FC-839F49D00063}" destId="{588A0A36-B028-444C-8CD0-FFE02A02DE68}" srcOrd="0" destOrd="0" presId="urn:microsoft.com/office/officeart/2008/layout/LinedList"/>
     <dgm:cxn modelId="{18CF979D-D1F6-44C3-B9F3-8A2F681FE999}" type="presOf" srcId="{17FA7751-A82D-4D91-9CCF-2C3A7F0BE9D8}" destId="{56A28411-A82D-44E0-8C01-ADFE01595CC6}" srcOrd="0" destOrd="0" presId="urn:microsoft.com/office/officeart/2008/layout/LinedList"/>
-    <dgm:cxn modelId="{0A3794C1-E3A3-4461-A94A-05F2D8C8B6B3}" srcId="{B5015ABB-19EE-4A41-9B01-DE636BFE75F0}" destId="{3197CF8C-9C3C-4BE4-93E2-5500FF1A2F96}" srcOrd="1" destOrd="0" parTransId="{27D39A64-E738-473F-B5D2-2385E89E84C8}" sibTransId="{4712D426-BAD5-4DD1-A4DF-0DFAB9564E9B}"/>
-    <dgm:cxn modelId="{D805DB17-A8D6-46FA-8089-826E2A79CDA2}" srcId="{C057395B-B238-40ED-B906-94E434D8F5E6}" destId="{2D3C56FA-CFD6-493F-ACDC-1EDF4FF45F1A}" srcOrd="1" destOrd="0" parTransId="{55DACCEE-CF06-46DF-B36C-264D0664BD53}" sibTransId="{47CC2261-22F6-4B08-AD7A-93EBD57FDAAB}"/>
-    <dgm:cxn modelId="{BAE16137-5BC9-480F-9B84-A99504FF4035}" type="presOf" srcId="{305D2384-1372-4A04-BA55-95B7EC4BC7BD}" destId="{74ADCCFC-9632-4BC5-9C52-88BDD128A57E}" srcOrd="0" destOrd="0" presId="urn:microsoft.com/office/officeart/2008/layout/LinedList"/>
-    <dgm:cxn modelId="{EB8CEAC6-96C4-4EB3-BE81-020E5BDB3DCF}" srcId="{F88FC55C-B36A-40F4-9259-7D8A8A622211}" destId="{305D2384-1372-4A04-BA55-95B7EC4BC7BD}" srcOrd="1" destOrd="0" parTransId="{681F21C4-0543-4ECF-8080-81FC07065444}" sibTransId="{01158B72-4764-43DD-A1D8-DF1A7DB5587E}"/>
-    <dgm:cxn modelId="{B0A15F6E-ABAC-407F-B5E7-6377D52FD2D2}" type="presOf" srcId="{2D3C56FA-CFD6-493F-ACDC-1EDF4FF45F1A}" destId="{4D414898-8ADC-4114-B53B-C6D832E1D4BE}" srcOrd="0" destOrd="0" presId="urn:microsoft.com/office/officeart/2008/layout/LinedList"/>
     <dgm:cxn modelId="{5BC8E68C-7556-4FCD-9719-7DA5F1694189}" srcId="{0638BF43-6368-4C1A-AAB4-6EDC557A414A}" destId="{20CDA2CC-460A-426A-985D-3CC052DB9ADA}" srcOrd="0" destOrd="0" parTransId="{C3A3CB4B-C009-4480-A06F-5B420712C4E6}" sibTransId="{9F399EB0-4633-423D-92C1-44620D8D97B1}"/>
-    <dgm:cxn modelId="{FCF2C248-0AD2-4E32-8594-C891E8874A8F}" type="presOf" srcId="{20CDA2CC-460A-426A-985D-3CC052DB9ADA}" destId="{B40C73D7-E8E3-4AF0-AE27-8088B535B154}" srcOrd="0" destOrd="0" presId="urn:microsoft.com/office/officeart/2008/layout/LinedList"/>
-    <dgm:cxn modelId="{7D7AC258-F967-41C5-8E24-DEB6956135E4}" type="presOf" srcId="{F88FC55C-B36A-40F4-9259-7D8A8A622211}" destId="{E61E8762-479C-4552-93BE-009625D5ED24}" srcOrd="0" destOrd="0" presId="urn:microsoft.com/office/officeart/2008/layout/LinedList"/>
-    <dgm:cxn modelId="{62A59B9A-898E-471E-AF07-261B783908CE}" type="presOf" srcId="{193F9052-C023-4F40-A35E-FE21A1AD2C3F}" destId="{8946520E-27A4-44E6-A651-4ED7367725F4}" srcOrd="0" destOrd="0" presId="urn:microsoft.com/office/officeart/2008/layout/LinedList"/>
-    <dgm:cxn modelId="{AFD591FD-19F4-401F-BEE1-0306572E2F19}" type="presOf" srcId="{B5015ABB-19EE-4A41-9B01-DE636BFE75F0}" destId="{3F49DBA6-93BC-4E0D-995A-0A1D2C4B39B0}" srcOrd="0" destOrd="0" presId="urn:microsoft.com/office/officeart/2008/layout/LinedList"/>
-    <dgm:cxn modelId="{48352946-9F8A-4963-9FC6-6E2FEABD1027}" type="presOf" srcId="{29BDACD6-6A55-4370-B3FC-839F49D00063}" destId="{588A0A36-B028-444C-8CD0-FFE02A02DE68}" srcOrd="0" destOrd="0" presId="urn:microsoft.com/office/officeart/2008/layout/LinedList"/>
-    <dgm:cxn modelId="{B4322153-19B7-456A-8032-0F97D67BFE3B}" srcId="{20CDA2CC-460A-426A-985D-3CC052DB9ADA}" destId="{F88FC55C-B36A-40F4-9259-7D8A8A622211}" srcOrd="1" destOrd="0" parTransId="{B96A4E54-4931-4E3B-A16C-CC5B4A63DF34}" sibTransId="{C04ACB8D-A33D-42A7-A25F-C588F74726E0}"/>
-    <dgm:cxn modelId="{9AA65E40-A54F-4C14-9C3A-6AC76AD10A4E}" srcId="{F88FC55C-B36A-40F4-9259-7D8A8A622211}" destId="{17FA7751-A82D-4D91-9CCF-2C3A7F0BE9D8}" srcOrd="0" destOrd="0" parTransId="{78627DEE-6B83-4BD3-B9F6-EE3538ACFBCD}" sibTransId="{FA9FBB32-7764-4433-9DE3-573B5E24B81C}"/>
-    <dgm:cxn modelId="{4A445A6B-A1D0-44E5-A385-2DB2E0DE61D3}" type="presOf" srcId="{0638BF43-6368-4C1A-AAB4-6EDC557A414A}" destId="{BC78CF2E-1585-4FEA-B0F8-25E18EE58BA1}" srcOrd="0" destOrd="0" presId="urn:microsoft.com/office/officeart/2008/layout/LinedList"/>
-    <dgm:cxn modelId="{5FC0F825-95B9-425C-ACAD-42BBB357EC3B}" srcId="{20CDA2CC-460A-426A-985D-3CC052DB9ADA}" destId="{B5015ABB-19EE-4A41-9B01-DE636BFE75F0}" srcOrd="0" destOrd="0" parTransId="{9C5F2F7E-121D-4497-89DD-5004AD505FF8}" sibTransId="{95B5EBB2-223C-4C05-AF68-A58B62E3AAED}"/>
-    <dgm:cxn modelId="{DF0EFA28-237A-4A40-A30B-0D5BCAE0C982}" srcId="{B5015ABB-19EE-4A41-9B01-DE636BFE75F0}" destId="{29BDACD6-6A55-4370-B3FC-839F49D00063}" srcOrd="0" destOrd="0" parTransId="{DF85E289-48A0-4711-B80B-D97FFADE569A}" sibTransId="{08F5556B-D08A-4C2A-B0F4-C51FDFB7D506}"/>
     <dgm:cxn modelId="{EC0EB238-CB46-4970-967E-AD18B89C8AE4}" type="presOf" srcId="{89B997D6-2FBA-4B2D-AD80-AB94F1911EE7}" destId="{CA8055AA-B417-4C98-AB62-B44028E500AB}" srcOrd="0" destOrd="0" presId="urn:microsoft.com/office/officeart/2008/layout/LinedList"/>
     <dgm:cxn modelId="{F06D594D-E439-47DE-81AC-5FA0C3030105}" srcId="{C057395B-B238-40ED-B906-94E434D8F5E6}" destId="{193F9052-C023-4F40-A35E-FE21A1AD2C3F}" srcOrd="2" destOrd="0" parTransId="{45BE2B65-E873-4646-9834-C4AEEA7780A5}" sibTransId="{6742589F-C48A-4C9A-B5B3-9544ADE36509}"/>
+    <dgm:cxn modelId="{9F34A778-27AE-49E3-BC3D-246F91810433}" type="presOf" srcId="{3197CF8C-9C3C-4BE4-93E2-5500FF1A2F96}" destId="{B983512C-54DD-4C08-A24E-757BABE652A2}" srcOrd="0" destOrd="0" presId="urn:microsoft.com/office/officeart/2008/layout/LinedList"/>
+    <dgm:cxn modelId="{EB8CEAC6-96C4-4EB3-BE81-020E5BDB3DCF}" srcId="{F88FC55C-B36A-40F4-9259-7D8A8A622211}" destId="{305D2384-1372-4A04-BA55-95B7EC4BC7BD}" srcOrd="1" destOrd="0" parTransId="{681F21C4-0543-4ECF-8080-81FC07065444}" sibTransId="{01158B72-4764-43DD-A1D8-DF1A7DB5587E}"/>
+    <dgm:cxn modelId="{BAE16137-5BC9-480F-9B84-A99504FF4035}" type="presOf" srcId="{305D2384-1372-4A04-BA55-95B7EC4BC7BD}" destId="{74ADCCFC-9632-4BC5-9C52-88BDD128A57E}" srcOrd="0" destOrd="0" presId="urn:microsoft.com/office/officeart/2008/layout/LinedList"/>
+    <dgm:cxn modelId="{D805DB17-A8D6-46FA-8089-826E2A79CDA2}" srcId="{C057395B-B238-40ED-B906-94E434D8F5E6}" destId="{2D3C56FA-CFD6-493F-ACDC-1EDF4FF45F1A}" srcOrd="1" destOrd="0" parTransId="{55DACCEE-CF06-46DF-B36C-264D0664BD53}" sibTransId="{47CC2261-22F6-4B08-AD7A-93EBD57FDAAB}"/>
+    <dgm:cxn modelId="{9AA65E40-A54F-4C14-9C3A-6AC76AD10A4E}" srcId="{F88FC55C-B36A-40F4-9259-7D8A8A622211}" destId="{17FA7751-A82D-4D91-9CCF-2C3A7F0BE9D8}" srcOrd="0" destOrd="0" parTransId="{78627DEE-6B83-4BD3-B9F6-EE3538ACFBCD}" sibTransId="{FA9FBB32-7764-4433-9DE3-573B5E24B81C}"/>
+    <dgm:cxn modelId="{2BE8E8E0-6557-49F9-B51B-9124714E2B52}" type="presOf" srcId="{C057395B-B238-40ED-B906-94E434D8F5E6}" destId="{BB679798-8927-47C6-816A-1D67B1F4FF4F}" srcOrd="0" destOrd="0" presId="urn:microsoft.com/office/officeart/2008/layout/LinedList"/>
+    <dgm:cxn modelId="{7D7AC258-F967-41C5-8E24-DEB6956135E4}" type="presOf" srcId="{F88FC55C-B36A-40F4-9259-7D8A8A622211}" destId="{E61E8762-479C-4552-93BE-009625D5ED24}" srcOrd="0" destOrd="0" presId="urn:microsoft.com/office/officeart/2008/layout/LinedList"/>
+    <dgm:cxn modelId="{0A3794C1-E3A3-4461-A94A-05F2D8C8B6B3}" srcId="{B5015ABB-19EE-4A41-9B01-DE636BFE75F0}" destId="{3197CF8C-9C3C-4BE4-93E2-5500FF1A2F96}" srcOrd="1" destOrd="0" parTransId="{27D39A64-E738-473F-B5D2-2385E89E84C8}" sibTransId="{4712D426-BAD5-4DD1-A4DF-0DFAB9564E9B}"/>
+    <dgm:cxn modelId="{AFD591FD-19F4-401F-BEE1-0306572E2F19}" type="presOf" srcId="{B5015ABB-19EE-4A41-9B01-DE636BFE75F0}" destId="{3F49DBA6-93BC-4E0D-995A-0A1D2C4B39B0}" srcOrd="0" destOrd="0" presId="urn:microsoft.com/office/officeart/2008/layout/LinedList"/>
+    <dgm:cxn modelId="{62A59B9A-898E-471E-AF07-261B783908CE}" type="presOf" srcId="{193F9052-C023-4F40-A35E-FE21A1AD2C3F}" destId="{8946520E-27A4-44E6-A651-4ED7367725F4}" srcOrd="0" destOrd="0" presId="urn:microsoft.com/office/officeart/2008/layout/LinedList"/>
+    <dgm:cxn modelId="{4A445A6B-A1D0-44E5-A385-2DB2E0DE61D3}" type="presOf" srcId="{0638BF43-6368-4C1A-AAB4-6EDC557A414A}" destId="{BC78CF2E-1585-4FEA-B0F8-25E18EE58BA1}" srcOrd="0" destOrd="0" presId="urn:microsoft.com/office/officeart/2008/layout/LinedList"/>
     <dgm:cxn modelId="{ED144CC6-1EB5-4896-A0A1-AA8AC739DA51}" srcId="{C057395B-B238-40ED-B906-94E434D8F5E6}" destId="{89B997D6-2FBA-4B2D-AD80-AB94F1911EE7}" srcOrd="0" destOrd="0" parTransId="{CD2B18AB-60FB-4CC2-8C03-5BA60EBB4F9E}" sibTransId="{F0085FEA-5186-46BB-8A3E-47D7DD70A283}"/>
+    <dgm:cxn modelId="{B0A15F6E-ABAC-407F-B5E7-6377D52FD2D2}" type="presOf" srcId="{2D3C56FA-CFD6-493F-ACDC-1EDF4FF45F1A}" destId="{4D414898-8ADC-4114-B53B-C6D832E1D4BE}" srcOrd="0" destOrd="0" presId="urn:microsoft.com/office/officeart/2008/layout/LinedList"/>
     <dgm:cxn modelId="{67E4705D-69CA-4B66-A7FD-A0EC73AB4DCA}" srcId="{20CDA2CC-460A-426A-985D-3CC052DB9ADA}" destId="{C057395B-B238-40ED-B906-94E434D8F5E6}" srcOrd="2" destOrd="0" parTransId="{3B3834FA-BE1A-4957-A021-9793474BE38E}" sibTransId="{88D5F5FF-A458-4704-8C2C-6EAD9C3CF01A}"/>
     <dgm:cxn modelId="{A9FE3C24-033F-4D79-9C5A-9A3B39C2BA0E}" type="presParOf" srcId="{BC78CF2E-1585-4FEA-B0F8-25E18EE58BA1}" destId="{15BDBCF9-34FA-4110-BDDE-83BE11878611}" srcOrd="0" destOrd="0" presId="urn:microsoft.com/office/officeart/2008/layout/LinedList"/>
     <dgm:cxn modelId="{4B496660-3C35-4564-9D9D-5B71CD832DA5}" type="presParOf" srcId="{BC78CF2E-1585-4FEA-B0F8-25E18EE58BA1}" destId="{323FE217-4066-4AB0-B708-36A19AB8C158}" srcOrd="1" destOrd="0" presId="urn:microsoft.com/office/officeart/2008/layout/LinedList"/>
@@ -1799,12 +1923,12 @@
         <a:fontRef idx="minor"/>
       </dsp:style>
       <dsp:txBody>
-        <a:bodyPr spcFirstLastPara="0" vert="horz" wrap="square" lIns="114300" tIns="114300" rIns="114300" bIns="114300" numCol="1" spcCol="1270" anchor="t" anchorCtr="0">
+        <a:bodyPr spcFirstLastPara="0" vert="horz" wrap="square" lIns="118110" tIns="118110" rIns="118110" bIns="118110" numCol="1" spcCol="1270" anchor="t" anchorCtr="0">
           <a:noAutofit/>
         </a:bodyPr>
         <a:lstStyle/>
         <a:p>
-          <a:pPr lvl="0" algn="l" defTabSz="1333500">
+          <a:pPr lvl="0" algn="l" defTabSz="1377950">
             <a:lnSpc>
               <a:spcPct val="90000"/>
             </a:lnSpc>
@@ -1816,10 +1940,14 @@
             </a:spcAft>
           </a:pPr>
           <a:r>
-            <a:rPr lang="ru-RU" sz="3000" kern="1200" dirty="0" smtClean="0"/>
+            <a:rPr lang="ru-RU" sz="3100" kern="1200" dirty="0" smtClean="0">
+              <a:latin typeface="Bebas Neue Pro Exp Rg" panose="020B0506020202050201" pitchFamily="34" charset="-52"/>
+            </a:rPr>
             <a:t>Дисковые массивы</a:t>
           </a:r>
-          <a:endParaRPr lang="ru-RU" sz="3000" kern="1200" dirty="0"/>
+          <a:endParaRPr lang="ru-RU" sz="3100" kern="1200" dirty="0">
+            <a:latin typeface="Bebas Neue Pro Exp Rg" panose="020B0506020202050201" pitchFamily="34" charset="-52"/>
+          </a:endParaRPr>
         </a:p>
       </dsp:txBody>
       <dsp:txXfrm>
@@ -1876,10 +2004,14 @@
             </a:spcAft>
           </a:pPr>
           <a:r>
-            <a:rPr lang="ru-RU" sz="2800" kern="1200" dirty="0" smtClean="0"/>
+            <a:rPr lang="ru-RU" sz="2800" kern="1200" dirty="0" smtClean="0">
+              <a:latin typeface="Bebas Neue Pro Exp Rg" panose="020B0506020202050201" pitchFamily="34" charset="-52"/>
+            </a:rPr>
             <a:t>По способу организации</a:t>
           </a:r>
-          <a:endParaRPr lang="ru-RU" sz="2800" kern="1200" dirty="0"/>
+          <a:endParaRPr lang="ru-RU" sz="2800" kern="1200" dirty="0">
+            <a:latin typeface="Bebas Neue Pro Exp Rg" panose="020B0506020202050201" pitchFamily="34" charset="-52"/>
+          </a:endParaRPr>
         </a:p>
       </dsp:txBody>
       <dsp:txXfrm>
@@ -1936,10 +2068,14 @@
             </a:spcAft>
           </a:pPr>
           <a:r>
-            <a:rPr lang="en-US" sz="2800" kern="1200" dirty="0" smtClean="0"/>
+            <a:rPr lang="en-US" sz="2800" kern="1200" dirty="0" smtClean="0">
+              <a:latin typeface="Bebas Neue Pro Exp Rg" panose="020B0506020202050201" pitchFamily="34" charset="-52"/>
+            </a:rPr>
             <a:t>JBOD</a:t>
           </a:r>
-          <a:endParaRPr lang="ru-RU" sz="2800" kern="1200" dirty="0"/>
+          <a:endParaRPr lang="ru-RU" sz="2800" kern="1200" dirty="0">
+            <a:latin typeface="Bebas Neue Pro Exp Rg" panose="020B0506020202050201" pitchFamily="34" charset="-52"/>
+          </a:endParaRPr>
         </a:p>
       </dsp:txBody>
       <dsp:txXfrm>
@@ -2043,10 +2179,14 @@
             </a:spcAft>
           </a:pPr>
           <a:r>
-            <a:rPr lang="en-US" sz="2800" kern="1200" dirty="0" smtClean="0"/>
+            <a:rPr lang="en-US" sz="2800" kern="1200" dirty="0" smtClean="0">
+              <a:latin typeface="Bebas Neue Pro Exp Rg" panose="020B0506020202050201" pitchFamily="34" charset="-52"/>
+            </a:rPr>
             <a:t>RAID</a:t>
           </a:r>
-          <a:endParaRPr lang="ru-RU" sz="2800" kern="1200" dirty="0"/>
+          <a:endParaRPr lang="ru-RU" sz="2800" kern="1200" dirty="0">
+            <a:latin typeface="Bebas Neue Pro Exp Rg" panose="020B0506020202050201" pitchFamily="34" charset="-52"/>
+          </a:endParaRPr>
         </a:p>
       </dsp:txBody>
       <dsp:txXfrm>
@@ -2150,10 +2290,14 @@
             </a:spcAft>
           </a:pPr>
           <a:r>
-            <a:rPr lang="ru-RU" sz="2800" kern="1200" dirty="0" smtClean="0"/>
+            <a:rPr lang="ru-RU" sz="2800" kern="1200" dirty="0" smtClean="0">
+              <a:latin typeface="Bebas Neue Pro Exp Rg" panose="020B0506020202050201" pitchFamily="34" charset="-52"/>
+            </a:rPr>
             <a:t>По способу реализации</a:t>
           </a:r>
-          <a:endParaRPr lang="ru-RU" sz="2800" kern="1200" dirty="0"/>
+          <a:endParaRPr lang="ru-RU" sz="2800" kern="1200" dirty="0">
+            <a:latin typeface="Bebas Neue Pro Exp Rg" panose="020B0506020202050201" pitchFamily="34" charset="-52"/>
+          </a:endParaRPr>
         </a:p>
       </dsp:txBody>
       <dsp:txXfrm>
@@ -2210,10 +2354,14 @@
             </a:spcAft>
           </a:pPr>
           <a:r>
-            <a:rPr lang="ru-RU" sz="2800" kern="1200" dirty="0" smtClean="0"/>
+            <a:rPr lang="ru-RU" sz="2800" kern="1200" dirty="0" smtClean="0">
+              <a:latin typeface="Bebas Neue Pro Exp Rg" panose="020B0506020202050201" pitchFamily="34" charset="-52"/>
+            </a:rPr>
             <a:t>Аппаратные</a:t>
           </a:r>
-          <a:endParaRPr lang="ru-RU" sz="2800" kern="1200" dirty="0"/>
+          <a:endParaRPr lang="ru-RU" sz="2800" kern="1200" dirty="0">
+            <a:latin typeface="Bebas Neue Pro Exp Rg" panose="020B0506020202050201" pitchFamily="34" charset="-52"/>
+          </a:endParaRPr>
         </a:p>
       </dsp:txBody>
       <dsp:txXfrm>
@@ -2317,10 +2465,14 @@
             </a:spcAft>
           </a:pPr>
           <a:r>
-            <a:rPr lang="ru-RU" sz="2800" kern="1200" dirty="0" smtClean="0"/>
+            <a:rPr lang="ru-RU" sz="2800" kern="1200" dirty="0" smtClean="0">
+              <a:latin typeface="Bebas Neue Pro Exp Rg" panose="020B0506020202050201" pitchFamily="34" charset="-52"/>
+            </a:rPr>
             <a:t>Программные</a:t>
           </a:r>
-          <a:endParaRPr lang="ru-RU" sz="2800" kern="1200" dirty="0"/>
+          <a:endParaRPr lang="ru-RU" sz="2800" kern="1200" dirty="0">
+            <a:latin typeface="Bebas Neue Pro Exp Rg" panose="020B0506020202050201" pitchFamily="34" charset="-52"/>
+          </a:endParaRPr>
         </a:p>
       </dsp:txBody>
       <dsp:txXfrm>
@@ -2424,18 +2576,26 @@
             </a:spcAft>
           </a:pPr>
           <a:r>
-            <a:rPr lang="ru-RU" sz="2800" kern="1200" dirty="0" smtClean="0"/>
+            <a:rPr lang="ru-RU" sz="2800" kern="1200" dirty="0" smtClean="0">
+              <a:latin typeface="Bebas Neue Pro Exp Rg" panose="020B0506020202050201" pitchFamily="34" charset="-52"/>
+            </a:rPr>
             <a:t>По</a:t>
           </a:r>
           <a:r>
-            <a:rPr lang="ru-RU" sz="3600" kern="1200" dirty="0" smtClean="0"/>
+            <a:rPr lang="ru-RU" sz="3600" kern="1200" dirty="0" smtClean="0">
+              <a:latin typeface="Bebas Neue Pro Exp Rg" panose="020B0506020202050201" pitchFamily="34" charset="-52"/>
+            </a:rPr>
             <a:t> </a:t>
           </a:r>
           <a:r>
-            <a:rPr lang="ru-RU" sz="2800" kern="1200" dirty="0" smtClean="0"/>
+            <a:rPr lang="ru-RU" sz="2800" kern="1200" dirty="0" smtClean="0">
+              <a:latin typeface="Bebas Neue Pro Exp Rg" panose="020B0506020202050201" pitchFamily="34" charset="-52"/>
+            </a:rPr>
             <a:t>назначению</a:t>
           </a:r>
-          <a:endParaRPr lang="ru-RU" sz="3600" kern="1200" dirty="0"/>
+          <a:endParaRPr lang="ru-RU" sz="3600" kern="1200" dirty="0">
+            <a:latin typeface="Bebas Neue Pro Exp Rg" panose="020B0506020202050201" pitchFamily="34" charset="-52"/>
+          </a:endParaRPr>
         </a:p>
       </dsp:txBody>
       <dsp:txXfrm>
@@ -2492,10 +2652,14 @@
             </a:spcAft>
           </a:pPr>
           <a:r>
-            <a:rPr lang="ru-RU" sz="2000" kern="1200" dirty="0" smtClean="0"/>
+            <a:rPr lang="ru-RU" sz="2000" kern="1200" dirty="0" smtClean="0">
+              <a:latin typeface="Bebas Neue Pro Exp Rg" panose="020B0506020202050201" pitchFamily="34" charset="-52"/>
+            </a:rPr>
             <a:t>Для повышения производительности</a:t>
           </a:r>
-          <a:endParaRPr lang="ru-RU" sz="2000" kern="1200" dirty="0"/>
+          <a:endParaRPr lang="ru-RU" sz="2000" kern="1200" dirty="0">
+            <a:latin typeface="Bebas Neue Pro Exp Rg" panose="020B0506020202050201" pitchFamily="34" charset="-52"/>
+          </a:endParaRPr>
         </a:p>
       </dsp:txBody>
       <dsp:txXfrm>
@@ -2599,10 +2763,14 @@
             </a:spcAft>
           </a:pPr>
           <a:r>
-            <a:rPr lang="ru-RU" sz="2000" kern="1200" dirty="0" smtClean="0"/>
+            <a:rPr lang="ru-RU" sz="2000" kern="1200" dirty="0" smtClean="0">
+              <a:latin typeface="Bebas Neue Pro Exp Rg" panose="020B0506020202050201" pitchFamily="34" charset="-52"/>
+            </a:rPr>
             <a:t>Для повышения надежности</a:t>
           </a:r>
-          <a:endParaRPr lang="ru-RU" sz="2000" kern="1200" dirty="0"/>
+          <a:endParaRPr lang="ru-RU" sz="2000" kern="1200" dirty="0">
+            <a:latin typeface="Bebas Neue Pro Exp Rg" panose="020B0506020202050201" pitchFamily="34" charset="-52"/>
+          </a:endParaRPr>
         </a:p>
       </dsp:txBody>
       <dsp:txXfrm>
@@ -2706,10 +2874,14 @@
             </a:spcAft>
           </a:pPr>
           <a:r>
-            <a:rPr lang="ru-RU" sz="2000" kern="1200" dirty="0" smtClean="0"/>
+            <a:rPr lang="ru-RU" sz="2000" kern="1200" dirty="0" smtClean="0">
+              <a:latin typeface="Bebas Neue Pro Exp Rg" panose="020B0506020202050201" pitchFamily="34" charset="-52"/>
+            </a:rPr>
             <a:t>Комбинированные</a:t>
           </a:r>
-          <a:endParaRPr lang="ru-RU" sz="2000" kern="1200" dirty="0"/>
+          <a:endParaRPr lang="ru-RU" sz="2000" kern="1200" dirty="0">
+            <a:latin typeface="Bebas Neue Pro Exp Rg" panose="020B0506020202050201" pitchFamily="34" charset="-52"/>
+          </a:endParaRPr>
         </a:p>
       </dsp:txBody>
       <dsp:txXfrm>
@@ -4352,7 +4524,7 @@
             <a:pPr rtl="0"/>
             <a:fld id="{0E749AC1-8D5E-4EB5-87AD-0760D45420E8}" type="datetime1">
               <a:rPr lang="ru-RU" noProof="1" smtClean="0"/>
-              <a:t>29.10.2025</a:t>
+              <a:t>30.10.2025</a:t>
             </a:fld>
             <a:endParaRPr lang="ru-RU" noProof="1"/>
           </a:p>
@@ -4522,7 +4694,7 @@
             <a:pPr rtl="0"/>
             <a:fld id="{0FC47C68-5B2F-42B5-95FE-C3031574EEB1}" type="datetime1">
               <a:rPr lang="ru-RU" noProof="1" smtClean="0"/>
-              <a:t>29.10.2025</a:t>
+              <a:t>30.10.2025</a:t>
             </a:fld>
             <a:endParaRPr lang="ru-RU" noProof="1"/>
           </a:p>
@@ -4946,7 +5118,7 @@
             <a:pPr rtl="0"/>
             <a:fld id="{B524A772-5D94-4F12-8B86-44D4FB26368F}" type="slidenum">
               <a:rPr lang="ru-RU" noProof="1" smtClean="0"/>
-              <a:t>4</a:t>
+              <a:t>24</a:t>
             </a:fld>
             <a:endParaRPr lang="ru-RU" noProof="1"/>
           </a:p>
@@ -5470,7 +5642,7 @@
             <a:pPr rtl="0"/>
             <a:fld id="{29DF47DE-273E-488A-93E0-A11ADEA9B9C9}" type="datetime1">
               <a:rPr lang="ru-RU" noProof="1" dirty="0" smtClean="0"/>
-              <a:t>29.10.2025</a:t>
+              <a:t>30.10.2025</a:t>
             </a:fld>
             <a:endParaRPr lang="ru-RU" noProof="1"/>
           </a:p>
@@ -5766,7 +5938,7 @@
             <a:pPr rtl="0"/>
             <a:fld id="{A8853DAC-4AF5-4288-9253-BF40FCA4C3DA}" type="datetime1">
               <a:rPr lang="ru-RU" noProof="1" smtClean="0"/>
-              <a:t>29.10.2025</a:t>
+              <a:t>30.10.2025</a:t>
             </a:fld>
             <a:endParaRPr lang="ru-RU" noProof="1"/>
           </a:p>
@@ -6014,7 +6186,7 @@
             <a:pPr rtl="0"/>
             <a:fld id="{72FF79C8-D3F6-4B0D-9805-10EDB1C5EE9C}" type="datetime1">
               <a:rPr lang="ru-RU" noProof="1" smtClean="0"/>
-              <a:t>29.10.2025</a:t>
+              <a:t>30.10.2025</a:t>
             </a:fld>
             <a:endParaRPr lang="ru-RU" noProof="1"/>
           </a:p>
@@ -6554,7 +6726,7 @@
             <a:pPr rtl="0"/>
             <a:fld id="{01A6AD39-F790-4AE9-A3C0-EDD83650A5A1}" type="datetime1">
               <a:rPr lang="ru-RU" noProof="1" smtClean="0"/>
-              <a:t>29.10.2025</a:t>
+              <a:t>30.10.2025</a:t>
             </a:fld>
             <a:endParaRPr lang="ru-RU" noProof="1"/>
           </a:p>
@@ -6802,7 +6974,7 @@
             <a:pPr rtl="0"/>
             <a:fld id="{7B79C875-68A5-416C-953F-6060E3FF922E}" type="datetime1">
               <a:rPr lang="ru-RU" noProof="1" smtClean="0"/>
-              <a:t>29.10.2025</a:t>
+              <a:t>30.10.2025</a:t>
             </a:fld>
             <a:endParaRPr lang="ru-RU" noProof="1"/>
           </a:p>
@@ -7334,7 +7506,7 @@
             <a:pPr rtl="0"/>
             <a:fld id="{25177B04-ADE3-4D48-9249-8F6469DAAEB4}" type="datetime1">
               <a:rPr lang="ru-RU" noProof="1" smtClean="0"/>
-              <a:t>29.10.2025</a:t>
+              <a:t>30.10.2025</a:t>
             </a:fld>
             <a:endParaRPr lang="ru-RU" noProof="1"/>
           </a:p>
@@ -7630,7 +7802,7 @@
             <a:pPr rtl="0"/>
             <a:fld id="{9CB7D222-3BB8-4073-BC98-464DC2B015F1}" type="datetime1">
               <a:rPr lang="ru-RU" noProof="1" smtClean="0"/>
-              <a:t>29.10.2025</a:t>
+              <a:t>30.10.2025</a:t>
             </a:fld>
             <a:endParaRPr lang="ru-RU" noProof="1"/>
           </a:p>
@@ -7803,7 +7975,7 @@
             <a:pPr rtl="0"/>
             <a:fld id="{983A6F1E-4417-474E-8283-614818F2A4DB}" type="datetime1">
               <a:rPr lang="ru-RU" noProof="1" smtClean="0"/>
-              <a:t>29.10.2025</a:t>
+              <a:t>30.10.2025</a:t>
             </a:fld>
             <a:endParaRPr lang="ru-RU" noProof="1"/>
           </a:p>
@@ -7982,7 +8154,7 @@
             <a:pPr rtl="0"/>
             <a:fld id="{6CE311C0-3E11-41B8-89EC-2FF5859D4CFC}" type="datetime1">
               <a:rPr lang="ru-RU" noProof="1" smtClean="0"/>
-              <a:t>29.10.2025</a:t>
+              <a:t>30.10.2025</a:t>
             </a:fld>
             <a:endParaRPr lang="ru-RU" noProof="1"/>
           </a:p>
@@ -8151,7 +8323,7 @@
             <a:pPr rtl="0"/>
             <a:fld id="{42370B76-9E69-4F47-AA69-EACE3D52D2E7}" type="datetime1">
               <a:rPr lang="ru-RU" noProof="1" dirty="0" smtClean="0"/>
-              <a:t>29.10.2025</a:t>
+              <a:t>30.10.2025</a:t>
             </a:fld>
             <a:endParaRPr lang="ru-RU" noProof="1"/>
           </a:p>
@@ -8402,7 +8574,7 @@
             <a:pPr rtl="0"/>
             <a:fld id="{7DD5ABB4-2D0E-4613-A5D0-676E93A46986}" type="datetime1">
               <a:rPr lang="ru-RU" noProof="1" dirty="0" smtClean="0"/>
-              <a:t>29.10.2025</a:t>
+              <a:t>30.10.2025</a:t>
             </a:fld>
             <a:endParaRPr lang="ru-RU" noProof="1"/>
           </a:p>
@@ -8697,7 +8869,7 @@
             <a:pPr rtl="0"/>
             <a:fld id="{1A600C73-E6E6-4667-B4A9-574C1A31D491}" type="datetime1">
               <a:rPr lang="ru-RU" noProof="1" dirty="0" smtClean="0"/>
-              <a:t>29.10.2025</a:t>
+              <a:t>30.10.2025</a:t>
             </a:fld>
             <a:endParaRPr lang="ru-RU" noProof="1"/>
           </a:p>
@@ -9137,7 +9309,7 @@
             <a:pPr rtl="0"/>
             <a:fld id="{ABD6C61B-4BC7-450B-B521-067888A271A6}" type="datetime1">
               <a:rPr lang="ru-RU" noProof="1" smtClean="0"/>
-              <a:t>29.10.2025</a:t>
+              <a:t>30.10.2025</a:t>
             </a:fld>
             <a:endParaRPr lang="ru-RU" noProof="1"/>
           </a:p>
@@ -9255,7 +9427,7 @@
             <a:pPr rtl="0"/>
             <a:fld id="{A7369D23-9ED2-4009-8E40-364295259D64}" type="datetime1">
               <a:rPr lang="ru-RU" noProof="1" smtClean="0"/>
-              <a:t>29.10.2025</a:t>
+              <a:t>30.10.2025</a:t>
             </a:fld>
             <a:endParaRPr lang="ru-RU" noProof="1"/>
           </a:p>
@@ -9349,7 +9521,7 @@
             <a:pPr rtl="0"/>
             <a:fld id="{5B259CA2-169F-4CFE-965D-8D91E640A109}" type="datetime1">
               <a:rPr lang="ru-RU" noProof="1" smtClean="0"/>
-              <a:t>29.10.2025</a:t>
+              <a:t>30.10.2025</a:t>
             </a:fld>
             <a:endParaRPr lang="ru-RU" noProof="1"/>
           </a:p>
@@ -9631,7 +9803,7 @@
             <a:pPr rtl="0"/>
             <a:fld id="{52509601-BFB2-4950-8529-7030D9D2783A}" type="datetime1">
               <a:rPr lang="ru-RU" noProof="1" smtClean="0"/>
-              <a:t>29.10.2025</a:t>
+              <a:t>30.10.2025</a:t>
             </a:fld>
             <a:endParaRPr lang="ru-RU" noProof="1"/>
           </a:p>
@@ -9922,7 +10094,7 @@
             <a:pPr rtl="0"/>
             <a:fld id="{66AD2D47-3985-403D-BB64-6B05FCF3CD18}" type="datetime1">
               <a:rPr lang="ru-RU" noProof="1" smtClean="0"/>
-              <a:t>29.10.2025</a:t>
+              <a:t>30.10.2025</a:t>
             </a:fld>
             <a:endParaRPr lang="ru-RU" noProof="1"/>
           </a:p>
@@ -10450,7 +10622,7 @@
             <a:pPr rtl="0"/>
             <a:fld id="{802C4E0A-C8FF-40F8-8BC6-6C75382E8759}" type="datetime1">
               <a:rPr lang="ru-RU" noProof="1" dirty="0" smtClean="0"/>
-              <a:t>29.10.2025</a:t>
+              <a:t>30.10.2025</a:t>
             </a:fld>
             <a:endParaRPr lang="ru-RU" noProof="1"/>
           </a:p>
@@ -11489,10 +11661,14 @@
           <a:p>
             <a:pPr algn="l"/>
             <a:r>
-              <a:rPr lang="ru-RU" sz="6200" noProof="1" smtClean="0"/>
+              <a:rPr lang="ru-RU" sz="6200" noProof="1" smtClean="0">
+                <a:latin typeface="Bebas Neue Pro Exp Eb" panose="020B0706020202050201" pitchFamily="34" charset="-52"/>
+              </a:rPr>
               <a:t>Дисковые массивы</a:t>
             </a:r>
-            <a:endParaRPr lang="ru-RU" sz="6200" noProof="1"/>
+            <a:endParaRPr lang="ru-RU" sz="6200" noProof="1">
+              <a:latin typeface="Bebas Neue Pro Exp Eb" panose="020B0706020202050201" pitchFamily="34" charset="-52"/>
+            </a:endParaRPr>
           </a:p>
         </p:txBody>
       </p:sp>
@@ -11526,10 +11702,14 @@
           <a:p>
             <a:pPr algn="l" rtl="0"/>
             <a:r>
-              <a:rPr lang="ru-RU" noProof="1" smtClean="0"/>
+              <a:rPr lang="ru-RU" noProof="1" smtClean="0">
+                <a:latin typeface="Bebas Neue Pro Exp Rg" panose="020B0506020202050201" pitchFamily="34" charset="-52"/>
+              </a:rPr>
               <a:t>Подготовил: студент группы 250541 Бобрик Владимир</a:t>
             </a:r>
-            <a:endParaRPr lang="ru-RU" noProof="1"/>
+            <a:endParaRPr lang="ru-RU" noProof="1">
+              <a:latin typeface="Bebas Neue Pro Exp Rg" panose="020B0506020202050201" pitchFamily="34" charset="-52"/>
+            </a:endParaRPr>
           </a:p>
         </p:txBody>
       </p:sp>
@@ -11806,17 +11986,23 @@
           <a:p>
             <a:pPr algn="l"/>
             <a:r>
-              <a:rPr lang="ru-RU" noProof="1" smtClean="0"/>
+              <a:rPr lang="ru-RU" noProof="1" smtClean="0">
+                <a:latin typeface="Bebas Neue Pro Exp Rg" panose="020B0506020202050201" pitchFamily="34" charset="-52"/>
+              </a:rPr>
               <a:t>БГУИР, кафедра ЭВМ</a:t>
             </a:r>
           </a:p>
           <a:p>
             <a:pPr algn="l"/>
             <a:r>
-              <a:rPr lang="ru-RU" noProof="1" smtClean="0"/>
+              <a:rPr lang="ru-RU" noProof="1" smtClean="0">
+                <a:latin typeface="Bebas Neue Pro Exp Rg" panose="020B0506020202050201" pitchFamily="34" charset="-52"/>
+              </a:rPr>
               <a:t>Интерфейсы и устройства вычислительных машин</a:t>
             </a:r>
-            <a:endParaRPr lang="ru-RU" noProof="1"/>
+            <a:endParaRPr lang="ru-RU" noProof="1">
+              <a:latin typeface="Bebas Neue Pro Exp Rg" panose="020B0506020202050201" pitchFamily="34" charset="-52"/>
+            </a:endParaRPr>
           </a:p>
         </p:txBody>
       </p:sp>
@@ -11829,6 +12015,3331 @@
   </p:cSld>
   <p:clrMapOvr>
     <a:overrideClrMapping bg1="dk1" tx1="lt1" bg2="dk2" tx2="lt2" accent1="accent1" accent2="accent2" accent3="accent3" accent4="accent4" accent5="accent5" accent6="accent6" hlink="hlink" folHlink="folHlink"/>
+  </p:clrMapOvr>
+  <p:timing>
+    <p:tnLst>
+      <p:par>
+        <p:cTn id="1" dur="indefinite" restart="never" nodeType="tmRoot"/>
+      </p:par>
+    </p:tnLst>
+  </p:timing>
+</p:sld>
+</file>
+
+<file path=ppt/slides/slide10.xml><?xml version="1.0" encoding="utf-8"?>
+<p:sld xmlns:a="http://schemas.openxmlformats.org/drawingml/2006/main" xmlns:r="http://schemas.openxmlformats.org/officeDocument/2006/relationships" xmlns:p="http://schemas.openxmlformats.org/presentationml/2006/main">
+  <p:cSld>
+    <p:spTree>
+      <p:nvGrpSpPr>
+        <p:cNvPr id="1" name=""/>
+        <p:cNvGrpSpPr/>
+        <p:nvPr/>
+      </p:nvGrpSpPr>
+      <p:grpSpPr>
+        <a:xfrm>
+          <a:off x="0" y="0"/>
+          <a:ext cx="0" cy="0"/>
+          <a:chOff x="0" y="0"/>
+          <a:chExt cx="0" cy="0"/>
+        </a:xfrm>
+      </p:grpSpPr>
+      <p:sp>
+        <p:nvSpPr>
+          <p:cNvPr id="2" name="Заголовок 1"/>
+          <p:cNvSpPr>
+            <a:spLocks noGrp="1"/>
+          </p:cNvSpPr>
+          <p:nvPr>
+            <p:ph type="title"/>
+          </p:nvPr>
+        </p:nvSpPr>
+        <p:spPr>
+          <a:xfrm>
+            <a:off x="1484310" y="1809749"/>
+            <a:ext cx="4140000" cy="684000"/>
+          </a:xfrm>
+        </p:spPr>
+        <p:txBody>
+          <a:bodyPr>
+            <a:normAutofit/>
+          </a:bodyPr>
+          <a:lstStyle/>
+          <a:p>
+            <a:r>
+              <a:rPr lang="en-US" sz="3600" dirty="0" smtClean="0">
+                <a:latin typeface="Bebas Neue Pro Exp Eb" panose="020B0706020202050201" pitchFamily="34" charset="-52"/>
+              </a:rPr>
+              <a:t>RAID 2</a:t>
+            </a:r>
+            <a:endParaRPr lang="en-US" sz="3600" dirty="0">
+              <a:latin typeface="Bebas Neue Pro Exp Eb" panose="020B0706020202050201" pitchFamily="34" charset="-52"/>
+            </a:endParaRPr>
+          </a:p>
+        </p:txBody>
+      </p:sp>
+      <p:sp>
+        <p:nvSpPr>
+          <p:cNvPr id="4" name="Текст 3"/>
+          <p:cNvSpPr>
+            <a:spLocks noGrp="1"/>
+          </p:cNvSpPr>
+          <p:nvPr>
+            <p:ph type="body" sz="half" idx="2"/>
+          </p:nvPr>
+        </p:nvSpPr>
+        <p:spPr>
+          <a:xfrm>
+            <a:off x="1484311" y="2489533"/>
+            <a:ext cx="4140000" cy="3225600"/>
+          </a:xfrm>
+        </p:spPr>
+        <p:txBody>
+          <a:bodyPr vert="horz" lIns="91440" tIns="45720" rIns="91440" bIns="45720" rtlCol="0" anchor="ctr">
+            <a:normAutofit/>
+          </a:bodyPr>
+          <a:lstStyle/>
+          <a:p>
+            <a:pPr marL="285750" indent="-285750" algn="l">
+              <a:buFont typeface="Arial" panose="020B0604020202020204" pitchFamily="34" charset="0"/>
+              <a:buChar char="•"/>
+            </a:pPr>
+            <a:r>
+              <a:rPr lang="ru-RU" dirty="0" err="1" smtClean="0">
+                <a:latin typeface="Bebas Neue Pro Exp Rg" panose="020B0506020202050201" pitchFamily="34" charset="-52"/>
+              </a:rPr>
+              <a:t>Страйпинг</a:t>
+            </a:r>
+            <a:r>
+              <a:rPr lang="en-US" dirty="0" smtClean="0">
+                <a:latin typeface="Bebas Neue Pro Exp Rg" panose="020B0506020202050201" pitchFamily="34" charset="-52"/>
+              </a:rPr>
+              <a:t> </a:t>
+            </a:r>
+            <a:r>
+              <a:rPr lang="ru-RU" dirty="0" smtClean="0">
+                <a:latin typeface="Bebas Neue Pro Exp Rg" panose="020B0506020202050201" pitchFamily="34" charset="-52"/>
+              </a:rPr>
+              <a:t>на уровне битов</a:t>
+            </a:r>
+          </a:p>
+          <a:p>
+            <a:pPr marL="285750" indent="-285750" algn="l">
+              <a:buFont typeface="Arial" panose="020B0604020202020204" pitchFamily="34" charset="0"/>
+              <a:buChar char="•"/>
+            </a:pPr>
+            <a:r>
+              <a:rPr lang="ru-RU" dirty="0" smtClean="0">
+                <a:latin typeface="Bebas Neue Pro Exp Rg" panose="020B0506020202050201" pitchFamily="34" charset="-52"/>
+              </a:rPr>
+              <a:t>Использование кодов Хэмминга</a:t>
+            </a:r>
+          </a:p>
+          <a:p>
+            <a:pPr marL="285750" indent="-285750" algn="l">
+              <a:buFont typeface="Arial" panose="020B0604020202020204" pitchFamily="34" charset="0"/>
+              <a:buChar char="•"/>
+            </a:pPr>
+            <a:r>
+              <a:rPr lang="ru-RU" dirty="0" smtClean="0">
+                <a:latin typeface="Bebas Neue Pro Exp Rg" panose="020B0506020202050201" pitchFamily="34" charset="-52"/>
+              </a:rPr>
+              <a:t>Полезный </a:t>
+            </a:r>
+            <a:r>
+              <a:rPr lang="ru-RU" dirty="0">
+                <a:latin typeface="Bebas Neue Pro Exp Rg" panose="020B0506020202050201" pitchFamily="34" charset="-52"/>
+              </a:rPr>
+              <a:t>объем – </a:t>
+            </a:r>
+            <a:r>
+              <a:rPr lang="en-US" dirty="0" smtClean="0">
+                <a:latin typeface="Bebas Neue Pro Exp Rg" panose="020B0506020202050201" pitchFamily="34" charset="-52"/>
+              </a:rPr>
+              <a:t>N-k </a:t>
+            </a:r>
+            <a:r>
+              <a:rPr lang="ru-RU" dirty="0" smtClean="0">
+                <a:latin typeface="Bebas Neue Pro Exp Rg" panose="020B0506020202050201" pitchFamily="34" charset="-52"/>
+              </a:rPr>
+              <a:t>дисков</a:t>
+            </a:r>
+            <a:r>
+              <a:rPr lang="en-US" dirty="0" smtClean="0">
+                <a:latin typeface="Bebas Neue Pro Exp Rg" panose="020B0506020202050201" pitchFamily="34" charset="-52"/>
+              </a:rPr>
+              <a:t>, </a:t>
+            </a:r>
+            <a:r>
+              <a:rPr lang="ru-RU" dirty="0" smtClean="0">
+                <a:latin typeface="Bebas Neue Pro Exp Rg" panose="020B0506020202050201" pitchFamily="34" charset="-52"/>
+              </a:rPr>
+              <a:t/>
+            </a:r>
+            <a:br>
+              <a:rPr lang="ru-RU" dirty="0" smtClean="0">
+                <a:latin typeface="Bebas Neue Pro Exp Rg" panose="020B0506020202050201" pitchFamily="34" charset="-52"/>
+              </a:rPr>
+            </a:br>
+            <a:r>
+              <a:rPr lang="en-US" dirty="0" smtClean="0">
+                <a:latin typeface="Bebas Neue Pro Exp Rg" panose="020B0506020202050201" pitchFamily="34" charset="-52"/>
+              </a:rPr>
+              <a:t>k </a:t>
+            </a:r>
+            <a:r>
+              <a:rPr lang="en-US" dirty="0" smtClean="0">
+                <a:latin typeface="Bebas Neue Pro Exp Rg" panose="020B0506020202050201" pitchFamily="34" charset="-52"/>
+              </a:rPr>
+              <a:t>– </a:t>
+            </a:r>
+            <a:r>
+              <a:rPr lang="ru-RU" dirty="0" smtClean="0">
+                <a:latin typeface="Bebas Neue Pro Exp Rg" panose="020B0506020202050201" pitchFamily="34" charset="-52"/>
+              </a:rPr>
+              <a:t>количество дисков </a:t>
+            </a:r>
+            <a:r>
+              <a:rPr lang="en-US" dirty="0" smtClean="0">
+                <a:latin typeface="Bebas Neue Pro Exp Rg" panose="020B0506020202050201" pitchFamily="34" charset="-52"/>
+              </a:rPr>
+              <a:t>H</a:t>
+            </a:r>
+            <a:endParaRPr lang="en-US" dirty="0">
+              <a:latin typeface="Bebas Neue Pro Exp Rg" panose="020B0506020202050201" pitchFamily="34" charset="-52"/>
+            </a:endParaRPr>
+          </a:p>
+          <a:p>
+            <a:pPr marL="285750" indent="-285750" algn="l">
+              <a:buFont typeface="Arial" panose="020B0604020202020204" pitchFamily="34" charset="0"/>
+              <a:buChar char="•"/>
+            </a:pPr>
+            <a:r>
+              <a:rPr lang="ru-RU" dirty="0" smtClean="0">
+                <a:latin typeface="Bebas Neue Pro Exp Rg" panose="020B0506020202050201" pitchFamily="34" charset="-52"/>
+              </a:rPr>
+              <a:t>Скорость чтения и записи высокая</a:t>
+            </a:r>
+          </a:p>
+          <a:p>
+            <a:pPr marL="285750" indent="-285750" algn="l">
+              <a:buFont typeface="Arial" panose="020B0604020202020204" pitchFamily="34" charset="0"/>
+              <a:buChar char="•"/>
+            </a:pPr>
+            <a:r>
+              <a:rPr lang="ru-RU" dirty="0" smtClean="0">
+                <a:latin typeface="Bebas Neue Pro Exp Rg" panose="020B0506020202050201" pitchFamily="34" charset="-52"/>
+              </a:rPr>
+              <a:t>Выдерживает отказ </a:t>
+            </a:r>
+            <a:r>
+              <a:rPr lang="en-US" dirty="0" smtClean="0">
+                <a:latin typeface="Bebas Neue Pro Exp Rg" panose="020B0506020202050201" pitchFamily="34" charset="-52"/>
+              </a:rPr>
+              <a:t>1</a:t>
+            </a:r>
+            <a:r>
+              <a:rPr lang="ru-RU" dirty="0" smtClean="0">
+                <a:latin typeface="Bebas Neue Pro Exp Rg" panose="020B0506020202050201" pitchFamily="34" charset="-52"/>
+              </a:rPr>
+              <a:t> диска</a:t>
+            </a:r>
+          </a:p>
+          <a:p>
+            <a:pPr marL="285750" indent="-285750" algn="l">
+              <a:buFont typeface="Arial" panose="020B0604020202020204" pitchFamily="34" charset="0"/>
+              <a:buChar char="•"/>
+            </a:pPr>
+            <a:r>
+              <a:rPr lang="ru-RU" dirty="0" smtClean="0">
+                <a:latin typeface="Bebas Neue Pro Exp Rg" panose="020B0506020202050201" pitchFamily="34" charset="-52"/>
+              </a:rPr>
+              <a:t>Минимум 3 диска</a:t>
+            </a:r>
+          </a:p>
+          <a:p>
+            <a:pPr marL="285750" indent="-285750" algn="l">
+              <a:buFont typeface="Arial" panose="020B0604020202020204" pitchFamily="34" charset="0"/>
+              <a:buChar char="•"/>
+            </a:pPr>
+            <a:r>
+              <a:rPr lang="ru-RU" dirty="0" smtClean="0">
+                <a:latin typeface="Bebas Neue Pro Exp Rg" panose="020B0506020202050201" pitchFamily="34" charset="-52"/>
+              </a:rPr>
+              <a:t>Неэффективен по объему</a:t>
+            </a:r>
+            <a:endParaRPr lang="ru-RU" dirty="0">
+              <a:latin typeface="Bebas Neue Pro Exp Rg" panose="020B0506020202050201" pitchFamily="34" charset="-52"/>
+            </a:endParaRPr>
+          </a:p>
+          <a:p>
+            <a:pPr marL="285750" indent="-285750" algn="l">
+              <a:buFont typeface="Arial" panose="020B0604020202020204" pitchFamily="34" charset="0"/>
+              <a:buChar char="•"/>
+            </a:pPr>
+            <a:endParaRPr lang="en-US" dirty="0">
+              <a:latin typeface="Bebas Neue Pro Exp Rg" panose="020B0506020202050201" pitchFamily="34" charset="-52"/>
+            </a:endParaRPr>
+          </a:p>
+        </p:txBody>
+      </p:sp>
+      <p:pic>
+        <p:nvPicPr>
+          <p:cNvPr id="6" name="Объект 5"/>
+          <p:cNvPicPr>
+            <a:picLocks noGrp="1" noChangeAspect="1"/>
+          </p:cNvPicPr>
+          <p:nvPr>
+            <p:ph idx="1"/>
+          </p:nvPr>
+        </p:nvPicPr>
+        <p:blipFill>
+          <a:blip r:embed="rId2">
+            <a:extLst>
+              <a:ext uri="{28A0092B-C50C-407E-A947-70E740481C1C}">
+                <a14:useLocalDpi xmlns:a14="http://schemas.microsoft.com/office/drawing/2010/main" val="0"/>
+              </a:ext>
+            </a:extLst>
+          </a:blip>
+          <a:stretch>
+            <a:fillRect/>
+          </a:stretch>
+        </p:blipFill>
+        <p:spPr>
+          <a:xfrm>
+            <a:off x="6620669" y="1809750"/>
+            <a:ext cx="3524250" cy="2857500"/>
+          </a:xfrm>
+        </p:spPr>
+      </p:pic>
+    </p:spTree>
+    <p:extLst>
+      <p:ext uri="{BB962C8B-B14F-4D97-AF65-F5344CB8AC3E}">
+        <p14:creationId xmlns:p14="http://schemas.microsoft.com/office/powerpoint/2010/main" val="1865779512"/>
+      </p:ext>
+    </p:extLst>
+  </p:cSld>
+  <p:clrMapOvr>
+    <a:masterClrMapping/>
+  </p:clrMapOvr>
+  <p:timing>
+    <p:tnLst>
+      <p:par>
+        <p:cTn id="1" dur="indefinite" restart="never" nodeType="tmRoot"/>
+      </p:par>
+    </p:tnLst>
+  </p:timing>
+</p:sld>
+</file>
+
+<file path=ppt/slides/slide11.xml><?xml version="1.0" encoding="utf-8"?>
+<p:sld xmlns:a="http://schemas.openxmlformats.org/drawingml/2006/main" xmlns:r="http://schemas.openxmlformats.org/officeDocument/2006/relationships" xmlns:p="http://schemas.openxmlformats.org/presentationml/2006/main">
+  <p:cSld>
+    <p:spTree>
+      <p:nvGrpSpPr>
+        <p:cNvPr id="1" name=""/>
+        <p:cNvGrpSpPr/>
+        <p:nvPr/>
+      </p:nvGrpSpPr>
+      <p:grpSpPr>
+        <a:xfrm>
+          <a:off x="0" y="0"/>
+          <a:ext cx="0" cy="0"/>
+          <a:chOff x="0" y="0"/>
+          <a:chExt cx="0" cy="0"/>
+        </a:xfrm>
+      </p:grpSpPr>
+      <p:sp>
+        <p:nvSpPr>
+          <p:cNvPr id="2" name="Заголовок 1"/>
+          <p:cNvSpPr>
+            <a:spLocks noGrp="1"/>
+          </p:cNvSpPr>
+          <p:nvPr>
+            <p:ph type="title"/>
+          </p:nvPr>
+        </p:nvSpPr>
+        <p:spPr>
+          <a:xfrm>
+            <a:off x="1484310" y="1809749"/>
+            <a:ext cx="4140000" cy="684000"/>
+          </a:xfrm>
+        </p:spPr>
+        <p:txBody>
+          <a:bodyPr>
+            <a:normAutofit/>
+          </a:bodyPr>
+          <a:lstStyle/>
+          <a:p>
+            <a:r>
+              <a:rPr lang="en-US" sz="3600" dirty="0" smtClean="0">
+                <a:latin typeface="Bebas Neue Pro Exp Eb" panose="020B0706020202050201" pitchFamily="34" charset="-52"/>
+              </a:rPr>
+              <a:t>RAID 3</a:t>
+            </a:r>
+            <a:endParaRPr lang="en-US" sz="3600" dirty="0">
+              <a:latin typeface="Bebas Neue Pro Exp Eb" panose="020B0706020202050201" pitchFamily="34" charset="-52"/>
+            </a:endParaRPr>
+          </a:p>
+        </p:txBody>
+      </p:sp>
+      <p:sp>
+        <p:nvSpPr>
+          <p:cNvPr id="4" name="Текст 3"/>
+          <p:cNvSpPr>
+            <a:spLocks noGrp="1"/>
+          </p:cNvSpPr>
+          <p:nvPr>
+            <p:ph type="body" sz="half" idx="2"/>
+          </p:nvPr>
+        </p:nvSpPr>
+        <p:spPr>
+          <a:xfrm>
+            <a:off x="1484311" y="2489533"/>
+            <a:ext cx="4140000" cy="3225600"/>
+          </a:xfrm>
+        </p:spPr>
+        <p:txBody>
+          <a:bodyPr vert="horz" lIns="91440" tIns="45720" rIns="91440" bIns="45720" rtlCol="0" anchor="ctr">
+            <a:normAutofit/>
+          </a:bodyPr>
+          <a:lstStyle/>
+          <a:p>
+            <a:pPr marL="285750" indent="-285750" algn="l">
+              <a:buFont typeface="Arial" panose="020B0604020202020204" pitchFamily="34" charset="0"/>
+              <a:buChar char="•"/>
+            </a:pPr>
+            <a:r>
+              <a:rPr lang="ru-RU" dirty="0" err="1" smtClean="0">
+                <a:latin typeface="Bebas Neue Pro Exp Rg" panose="020B0506020202050201" pitchFamily="34" charset="-52"/>
+              </a:rPr>
+              <a:t>Страйпинг</a:t>
+            </a:r>
+            <a:r>
+              <a:rPr lang="en-US" dirty="0" smtClean="0">
+                <a:latin typeface="Bebas Neue Pro Exp Rg" panose="020B0506020202050201" pitchFamily="34" charset="-52"/>
+              </a:rPr>
+              <a:t> </a:t>
+            </a:r>
+            <a:r>
+              <a:rPr lang="ru-RU" dirty="0" smtClean="0">
+                <a:latin typeface="Bebas Neue Pro Exp Rg" panose="020B0506020202050201" pitchFamily="34" charset="-52"/>
+              </a:rPr>
+              <a:t>на уровне байтов</a:t>
+            </a:r>
+          </a:p>
+          <a:p>
+            <a:pPr marL="285750" indent="-285750" algn="l">
+              <a:buFont typeface="Arial" panose="020B0604020202020204" pitchFamily="34" charset="0"/>
+              <a:buChar char="•"/>
+            </a:pPr>
+            <a:r>
+              <a:rPr lang="ru-RU" dirty="0" smtClean="0">
+                <a:latin typeface="Bebas Neue Pro Exp Rg" panose="020B0506020202050201" pitchFamily="34" charset="-52"/>
+              </a:rPr>
+              <a:t>Выделенная четность</a:t>
+            </a:r>
+          </a:p>
+          <a:p>
+            <a:pPr marL="285750" indent="-285750" algn="l">
+              <a:buFont typeface="Arial" panose="020B0604020202020204" pitchFamily="34" charset="0"/>
+              <a:buChar char="•"/>
+            </a:pPr>
+            <a:r>
+              <a:rPr lang="ru-RU" dirty="0" smtClean="0">
+                <a:latin typeface="Bebas Neue Pro Exp Rg" panose="020B0506020202050201" pitchFamily="34" charset="-52"/>
+              </a:rPr>
+              <a:t>Полезный </a:t>
+            </a:r>
+            <a:r>
+              <a:rPr lang="ru-RU" dirty="0">
+                <a:latin typeface="Bebas Neue Pro Exp Rg" panose="020B0506020202050201" pitchFamily="34" charset="-52"/>
+              </a:rPr>
+              <a:t>объем – </a:t>
+            </a:r>
+            <a:r>
+              <a:rPr lang="en-US" dirty="0" smtClean="0">
+                <a:latin typeface="Bebas Neue Pro Exp Rg" panose="020B0506020202050201" pitchFamily="34" charset="-52"/>
+              </a:rPr>
+              <a:t>N-</a:t>
+            </a:r>
+            <a:r>
+              <a:rPr lang="ru-RU" dirty="0" smtClean="0">
+                <a:latin typeface="Bebas Neue Pro Exp Rg" panose="020B0506020202050201" pitchFamily="34" charset="-52"/>
+              </a:rPr>
+              <a:t>1</a:t>
+            </a:r>
+            <a:r>
+              <a:rPr lang="en-US" dirty="0" smtClean="0">
+                <a:latin typeface="Bebas Neue Pro Exp Rg" panose="020B0506020202050201" pitchFamily="34" charset="-52"/>
+              </a:rPr>
+              <a:t> </a:t>
+            </a:r>
+            <a:r>
+              <a:rPr lang="ru-RU" dirty="0" smtClean="0">
+                <a:latin typeface="Bebas Neue Pro Exp Rg" panose="020B0506020202050201" pitchFamily="34" charset="-52"/>
+              </a:rPr>
+              <a:t>дисков</a:t>
+            </a:r>
+            <a:endParaRPr lang="en-US" dirty="0">
+              <a:latin typeface="Bebas Neue Pro Exp Rg" panose="020B0506020202050201" pitchFamily="34" charset="-52"/>
+            </a:endParaRPr>
+          </a:p>
+          <a:p>
+            <a:pPr marL="285750" indent="-285750" algn="l">
+              <a:buFont typeface="Arial" panose="020B0604020202020204" pitchFamily="34" charset="0"/>
+              <a:buChar char="•"/>
+            </a:pPr>
+            <a:r>
+              <a:rPr lang="ru-RU" dirty="0" smtClean="0">
+                <a:latin typeface="Bebas Neue Pro Exp Rg" panose="020B0506020202050201" pitchFamily="34" charset="-52"/>
+              </a:rPr>
+              <a:t>Скорость чтения высокая, скорость записи снижена</a:t>
+            </a:r>
+          </a:p>
+          <a:p>
+            <a:pPr marL="285750" indent="-285750" algn="l">
+              <a:buFont typeface="Arial" panose="020B0604020202020204" pitchFamily="34" charset="0"/>
+              <a:buChar char="•"/>
+            </a:pPr>
+            <a:r>
+              <a:rPr lang="ru-RU" dirty="0" smtClean="0">
+                <a:latin typeface="Bebas Neue Pro Exp Rg" panose="020B0506020202050201" pitchFamily="34" charset="-52"/>
+              </a:rPr>
+              <a:t>Выдерживает отказ </a:t>
+            </a:r>
+            <a:r>
+              <a:rPr lang="en-US" dirty="0" smtClean="0">
+                <a:latin typeface="Bebas Neue Pro Exp Rg" panose="020B0506020202050201" pitchFamily="34" charset="-52"/>
+              </a:rPr>
+              <a:t>1</a:t>
+            </a:r>
+            <a:r>
+              <a:rPr lang="ru-RU" dirty="0" smtClean="0">
+                <a:latin typeface="Bebas Neue Pro Exp Rg" panose="020B0506020202050201" pitchFamily="34" charset="-52"/>
+              </a:rPr>
+              <a:t> диска</a:t>
+            </a:r>
+          </a:p>
+          <a:p>
+            <a:pPr marL="285750" indent="-285750" algn="l">
+              <a:buFont typeface="Arial" panose="020B0604020202020204" pitchFamily="34" charset="0"/>
+              <a:buChar char="•"/>
+            </a:pPr>
+            <a:r>
+              <a:rPr lang="ru-RU" dirty="0" smtClean="0">
+                <a:latin typeface="Bebas Neue Pro Exp Rg" panose="020B0506020202050201" pitchFamily="34" charset="-52"/>
+              </a:rPr>
+              <a:t>Минимум 3 диска</a:t>
+            </a:r>
+            <a:endParaRPr lang="ru-RU" dirty="0">
+              <a:latin typeface="Bebas Neue Pro Exp Rg" panose="020B0506020202050201" pitchFamily="34" charset="-52"/>
+            </a:endParaRPr>
+          </a:p>
+          <a:p>
+            <a:pPr marL="285750" indent="-285750" algn="l">
+              <a:buFont typeface="Arial" panose="020B0604020202020204" pitchFamily="34" charset="0"/>
+              <a:buChar char="•"/>
+            </a:pPr>
+            <a:r>
+              <a:rPr lang="ru-RU" dirty="0" smtClean="0">
+                <a:latin typeface="Bebas Neue Pro Exp Rg" panose="020B0506020202050201" pitchFamily="34" charset="-52"/>
+              </a:rPr>
+              <a:t>Повышенная нагрузка на диск четности</a:t>
+            </a:r>
+            <a:endParaRPr lang="en-US" dirty="0">
+              <a:latin typeface="Bebas Neue Pro Exp Rg" panose="020B0506020202050201" pitchFamily="34" charset="-52"/>
+            </a:endParaRPr>
+          </a:p>
+        </p:txBody>
+      </p:sp>
+      <p:pic>
+        <p:nvPicPr>
+          <p:cNvPr id="5" name="Объект 4"/>
+          <p:cNvPicPr>
+            <a:picLocks noGrp="1" noChangeAspect="1"/>
+          </p:cNvPicPr>
+          <p:nvPr>
+            <p:ph idx="1"/>
+          </p:nvPr>
+        </p:nvPicPr>
+        <p:blipFill>
+          <a:blip r:embed="rId2">
+            <a:extLst>
+              <a:ext uri="{28A0092B-C50C-407E-A947-70E740481C1C}">
+                <a14:useLocalDpi xmlns:a14="http://schemas.microsoft.com/office/drawing/2010/main" val="0"/>
+              </a:ext>
+            </a:extLst>
+          </a:blip>
+          <a:stretch>
+            <a:fillRect/>
+          </a:stretch>
+        </p:blipFill>
+        <p:spPr>
+          <a:xfrm>
+            <a:off x="6620669" y="1809750"/>
+            <a:ext cx="3524250" cy="2857500"/>
+          </a:xfrm>
+        </p:spPr>
+      </p:pic>
+    </p:spTree>
+    <p:extLst>
+      <p:ext uri="{BB962C8B-B14F-4D97-AF65-F5344CB8AC3E}">
+        <p14:creationId xmlns:p14="http://schemas.microsoft.com/office/powerpoint/2010/main" val="4131805227"/>
+      </p:ext>
+    </p:extLst>
+  </p:cSld>
+  <p:clrMapOvr>
+    <a:masterClrMapping/>
+  </p:clrMapOvr>
+  <p:timing>
+    <p:tnLst>
+      <p:par>
+        <p:cTn id="1" dur="indefinite" restart="never" nodeType="tmRoot"/>
+      </p:par>
+    </p:tnLst>
+  </p:timing>
+</p:sld>
+</file>
+
+<file path=ppt/slides/slide12.xml><?xml version="1.0" encoding="utf-8"?>
+<p:sld xmlns:a="http://schemas.openxmlformats.org/drawingml/2006/main" xmlns:r="http://schemas.openxmlformats.org/officeDocument/2006/relationships" xmlns:p="http://schemas.openxmlformats.org/presentationml/2006/main">
+  <p:cSld>
+    <p:spTree>
+      <p:nvGrpSpPr>
+        <p:cNvPr id="1" name=""/>
+        <p:cNvGrpSpPr/>
+        <p:nvPr/>
+      </p:nvGrpSpPr>
+      <p:grpSpPr>
+        <a:xfrm>
+          <a:off x="0" y="0"/>
+          <a:ext cx="0" cy="0"/>
+          <a:chOff x="0" y="0"/>
+          <a:chExt cx="0" cy="0"/>
+        </a:xfrm>
+      </p:grpSpPr>
+      <p:sp>
+        <p:nvSpPr>
+          <p:cNvPr id="2" name="Заголовок 1"/>
+          <p:cNvSpPr>
+            <a:spLocks noGrp="1"/>
+          </p:cNvSpPr>
+          <p:nvPr>
+            <p:ph type="title"/>
+          </p:nvPr>
+        </p:nvSpPr>
+        <p:spPr>
+          <a:xfrm>
+            <a:off x="1484310" y="1809749"/>
+            <a:ext cx="4140000" cy="684000"/>
+          </a:xfrm>
+        </p:spPr>
+        <p:txBody>
+          <a:bodyPr>
+            <a:normAutofit/>
+          </a:bodyPr>
+          <a:lstStyle/>
+          <a:p>
+            <a:r>
+              <a:rPr lang="en-US" sz="3600" dirty="0" smtClean="0">
+                <a:latin typeface="Bebas Neue Pro Exp Eb" panose="020B0706020202050201" pitchFamily="34" charset="-52"/>
+              </a:rPr>
+              <a:t>RAID </a:t>
+            </a:r>
+            <a:r>
+              <a:rPr lang="ru-RU" sz="3600" dirty="0">
+                <a:latin typeface="Bebas Neue Pro Exp Eb" panose="020B0706020202050201" pitchFamily="34" charset="-52"/>
+              </a:rPr>
+              <a:t>4</a:t>
+            </a:r>
+            <a:endParaRPr lang="en-US" sz="3600" dirty="0">
+              <a:latin typeface="Bebas Neue Pro Exp Eb" panose="020B0706020202050201" pitchFamily="34" charset="-52"/>
+            </a:endParaRPr>
+          </a:p>
+        </p:txBody>
+      </p:sp>
+      <p:sp>
+        <p:nvSpPr>
+          <p:cNvPr id="4" name="Текст 3"/>
+          <p:cNvSpPr>
+            <a:spLocks noGrp="1"/>
+          </p:cNvSpPr>
+          <p:nvPr>
+            <p:ph type="body" sz="half" idx="2"/>
+          </p:nvPr>
+        </p:nvSpPr>
+        <p:spPr>
+          <a:xfrm>
+            <a:off x="1484311" y="2489533"/>
+            <a:ext cx="4140000" cy="3225600"/>
+          </a:xfrm>
+        </p:spPr>
+        <p:txBody>
+          <a:bodyPr vert="horz" lIns="91440" tIns="45720" rIns="91440" bIns="45720" rtlCol="0" anchor="ctr">
+            <a:normAutofit/>
+          </a:bodyPr>
+          <a:lstStyle/>
+          <a:p>
+            <a:pPr marL="285750" indent="-285750" algn="l">
+              <a:buFont typeface="Arial" panose="020B0604020202020204" pitchFamily="34" charset="0"/>
+              <a:buChar char="•"/>
+            </a:pPr>
+            <a:r>
+              <a:rPr lang="ru-RU" dirty="0" err="1" smtClean="0">
+                <a:latin typeface="Bebas Neue Pro Exp Rg" panose="020B0506020202050201" pitchFamily="34" charset="-52"/>
+              </a:rPr>
+              <a:t>Страйпинг</a:t>
+            </a:r>
+            <a:r>
+              <a:rPr lang="en-US" dirty="0" smtClean="0">
+                <a:latin typeface="Bebas Neue Pro Exp Rg" panose="020B0506020202050201" pitchFamily="34" charset="-52"/>
+              </a:rPr>
+              <a:t> </a:t>
+            </a:r>
+            <a:r>
+              <a:rPr lang="ru-RU" dirty="0" smtClean="0">
+                <a:latin typeface="Bebas Neue Pro Exp Rg" panose="020B0506020202050201" pitchFamily="34" charset="-52"/>
+              </a:rPr>
+              <a:t>на уровне </a:t>
+            </a:r>
+            <a:r>
+              <a:rPr lang="ru-RU" dirty="0" err="1" smtClean="0">
+                <a:latin typeface="Bebas Neue Pro Exp Rg" panose="020B0506020202050201" pitchFamily="34" charset="-52"/>
+              </a:rPr>
+              <a:t>стрипов</a:t>
+            </a:r>
+            <a:endParaRPr lang="ru-RU" dirty="0" smtClean="0">
+              <a:latin typeface="Bebas Neue Pro Exp Rg" panose="020B0506020202050201" pitchFamily="34" charset="-52"/>
+            </a:endParaRPr>
+          </a:p>
+          <a:p>
+            <a:pPr marL="285750" indent="-285750" algn="l">
+              <a:buFont typeface="Arial" panose="020B0604020202020204" pitchFamily="34" charset="0"/>
+              <a:buChar char="•"/>
+            </a:pPr>
+            <a:r>
+              <a:rPr lang="ru-RU" dirty="0" smtClean="0">
+                <a:latin typeface="Bebas Neue Pro Exp Rg" panose="020B0506020202050201" pitchFamily="34" charset="-52"/>
+              </a:rPr>
+              <a:t>Выделенная четность</a:t>
+            </a:r>
+          </a:p>
+          <a:p>
+            <a:pPr marL="285750" indent="-285750" algn="l">
+              <a:buFont typeface="Arial" panose="020B0604020202020204" pitchFamily="34" charset="0"/>
+              <a:buChar char="•"/>
+            </a:pPr>
+            <a:r>
+              <a:rPr lang="ru-RU" dirty="0" smtClean="0">
+                <a:latin typeface="Bebas Neue Pro Exp Rg" panose="020B0506020202050201" pitchFamily="34" charset="-52"/>
+              </a:rPr>
+              <a:t>Полезный </a:t>
+            </a:r>
+            <a:r>
+              <a:rPr lang="ru-RU" dirty="0">
+                <a:latin typeface="Bebas Neue Pro Exp Rg" panose="020B0506020202050201" pitchFamily="34" charset="-52"/>
+              </a:rPr>
+              <a:t>объем – </a:t>
+            </a:r>
+            <a:r>
+              <a:rPr lang="en-US" dirty="0" smtClean="0">
+                <a:latin typeface="Bebas Neue Pro Exp Rg" panose="020B0506020202050201" pitchFamily="34" charset="-52"/>
+              </a:rPr>
+              <a:t>N-</a:t>
+            </a:r>
+            <a:r>
+              <a:rPr lang="ru-RU" dirty="0" smtClean="0">
+                <a:latin typeface="Bebas Neue Pro Exp Rg" panose="020B0506020202050201" pitchFamily="34" charset="-52"/>
+              </a:rPr>
+              <a:t>1</a:t>
+            </a:r>
+            <a:r>
+              <a:rPr lang="en-US" dirty="0" smtClean="0">
+                <a:latin typeface="Bebas Neue Pro Exp Rg" panose="020B0506020202050201" pitchFamily="34" charset="-52"/>
+              </a:rPr>
+              <a:t> </a:t>
+            </a:r>
+            <a:r>
+              <a:rPr lang="ru-RU" dirty="0" smtClean="0">
+                <a:latin typeface="Bebas Neue Pro Exp Rg" panose="020B0506020202050201" pitchFamily="34" charset="-52"/>
+              </a:rPr>
+              <a:t>дисков</a:t>
+            </a:r>
+            <a:endParaRPr lang="en-US" dirty="0">
+              <a:latin typeface="Bebas Neue Pro Exp Rg" panose="020B0506020202050201" pitchFamily="34" charset="-52"/>
+            </a:endParaRPr>
+          </a:p>
+          <a:p>
+            <a:pPr marL="285750" indent="-285750" algn="l">
+              <a:buFont typeface="Arial" panose="020B0604020202020204" pitchFamily="34" charset="0"/>
+              <a:buChar char="•"/>
+            </a:pPr>
+            <a:r>
+              <a:rPr lang="ru-RU" dirty="0" smtClean="0">
+                <a:latin typeface="Bebas Neue Pro Exp Rg" panose="020B0506020202050201" pitchFamily="34" charset="-52"/>
+              </a:rPr>
+              <a:t>Скорость чтения высокая, скорость записи снижена</a:t>
+            </a:r>
+          </a:p>
+          <a:p>
+            <a:pPr marL="285750" indent="-285750" algn="l">
+              <a:buFont typeface="Arial" panose="020B0604020202020204" pitchFamily="34" charset="0"/>
+              <a:buChar char="•"/>
+            </a:pPr>
+            <a:r>
+              <a:rPr lang="ru-RU" dirty="0" smtClean="0">
+                <a:latin typeface="Bebas Neue Pro Exp Rg" panose="020B0506020202050201" pitchFamily="34" charset="-52"/>
+              </a:rPr>
+              <a:t>Выдерживает отказ </a:t>
+            </a:r>
+            <a:r>
+              <a:rPr lang="en-US" dirty="0" smtClean="0">
+                <a:latin typeface="Bebas Neue Pro Exp Rg" panose="020B0506020202050201" pitchFamily="34" charset="-52"/>
+              </a:rPr>
+              <a:t>1</a:t>
+            </a:r>
+            <a:r>
+              <a:rPr lang="ru-RU" dirty="0" smtClean="0">
+                <a:latin typeface="Bebas Neue Pro Exp Rg" panose="020B0506020202050201" pitchFamily="34" charset="-52"/>
+              </a:rPr>
+              <a:t> диска</a:t>
+            </a:r>
+          </a:p>
+          <a:p>
+            <a:pPr marL="285750" indent="-285750" algn="l">
+              <a:buFont typeface="Arial" panose="020B0604020202020204" pitchFamily="34" charset="0"/>
+              <a:buChar char="•"/>
+            </a:pPr>
+            <a:r>
+              <a:rPr lang="ru-RU" dirty="0" smtClean="0">
+                <a:latin typeface="Bebas Neue Pro Exp Rg" panose="020B0506020202050201" pitchFamily="34" charset="-52"/>
+              </a:rPr>
+              <a:t>Минимум 3 диска</a:t>
+            </a:r>
+            <a:endParaRPr lang="ru-RU" dirty="0">
+              <a:latin typeface="Bebas Neue Pro Exp Rg" panose="020B0506020202050201" pitchFamily="34" charset="-52"/>
+            </a:endParaRPr>
+          </a:p>
+          <a:p>
+            <a:pPr marL="285750" indent="-285750" algn="l">
+              <a:buFont typeface="Arial" panose="020B0604020202020204" pitchFamily="34" charset="0"/>
+              <a:buChar char="•"/>
+            </a:pPr>
+            <a:r>
+              <a:rPr lang="ru-RU" dirty="0" smtClean="0">
+                <a:latin typeface="Bebas Neue Pro Exp Rg" panose="020B0506020202050201" pitchFamily="34" charset="-52"/>
+              </a:rPr>
+              <a:t>Повышенная нагрузка на диск четности</a:t>
+            </a:r>
+            <a:endParaRPr lang="en-US" dirty="0">
+              <a:latin typeface="Bebas Neue Pro Exp Rg" panose="020B0506020202050201" pitchFamily="34" charset="-52"/>
+            </a:endParaRPr>
+          </a:p>
+        </p:txBody>
+      </p:sp>
+      <p:pic>
+        <p:nvPicPr>
+          <p:cNvPr id="6" name="Объект 5"/>
+          <p:cNvPicPr>
+            <a:picLocks noGrp="1" noChangeAspect="1"/>
+          </p:cNvPicPr>
+          <p:nvPr>
+            <p:ph idx="1"/>
+          </p:nvPr>
+        </p:nvPicPr>
+        <p:blipFill>
+          <a:blip r:embed="rId2">
+            <a:extLst>
+              <a:ext uri="{28A0092B-C50C-407E-A947-70E740481C1C}">
+                <a14:useLocalDpi xmlns:a14="http://schemas.microsoft.com/office/drawing/2010/main" val="0"/>
+              </a:ext>
+            </a:extLst>
+          </a:blip>
+          <a:stretch>
+            <a:fillRect/>
+          </a:stretch>
+        </p:blipFill>
+        <p:spPr>
+          <a:xfrm>
+            <a:off x="6620669" y="1809750"/>
+            <a:ext cx="3524250" cy="2857500"/>
+          </a:xfrm>
+        </p:spPr>
+      </p:pic>
+    </p:spTree>
+    <p:extLst>
+      <p:ext uri="{BB962C8B-B14F-4D97-AF65-F5344CB8AC3E}">
+        <p14:creationId xmlns:p14="http://schemas.microsoft.com/office/powerpoint/2010/main" val="2642432079"/>
+      </p:ext>
+    </p:extLst>
+  </p:cSld>
+  <p:clrMapOvr>
+    <a:masterClrMapping/>
+  </p:clrMapOvr>
+  <p:timing>
+    <p:tnLst>
+      <p:par>
+        <p:cTn id="1" dur="indefinite" restart="never" nodeType="tmRoot"/>
+      </p:par>
+    </p:tnLst>
+  </p:timing>
+</p:sld>
+</file>
+
+<file path=ppt/slides/slide13.xml><?xml version="1.0" encoding="utf-8"?>
+<p:sld xmlns:a="http://schemas.openxmlformats.org/drawingml/2006/main" xmlns:r="http://schemas.openxmlformats.org/officeDocument/2006/relationships" xmlns:p="http://schemas.openxmlformats.org/presentationml/2006/main">
+  <p:cSld>
+    <p:spTree>
+      <p:nvGrpSpPr>
+        <p:cNvPr id="1" name=""/>
+        <p:cNvGrpSpPr/>
+        <p:nvPr/>
+      </p:nvGrpSpPr>
+      <p:grpSpPr>
+        <a:xfrm>
+          <a:off x="0" y="0"/>
+          <a:ext cx="0" cy="0"/>
+          <a:chOff x="0" y="0"/>
+          <a:chExt cx="0" cy="0"/>
+        </a:xfrm>
+      </p:grpSpPr>
+      <p:sp>
+        <p:nvSpPr>
+          <p:cNvPr id="2" name="Заголовок 1"/>
+          <p:cNvSpPr>
+            <a:spLocks noGrp="1"/>
+          </p:cNvSpPr>
+          <p:nvPr>
+            <p:ph type="title"/>
+          </p:nvPr>
+        </p:nvSpPr>
+        <p:spPr>
+          <a:xfrm>
+            <a:off x="1484310" y="1809749"/>
+            <a:ext cx="4140000" cy="684000"/>
+          </a:xfrm>
+        </p:spPr>
+        <p:txBody>
+          <a:bodyPr>
+            <a:normAutofit/>
+          </a:bodyPr>
+          <a:lstStyle/>
+          <a:p>
+            <a:r>
+              <a:rPr lang="en-US" sz="3600" dirty="0" smtClean="0">
+                <a:latin typeface="Bebas Neue Pro Exp Eb" panose="020B0706020202050201" pitchFamily="34" charset="-52"/>
+              </a:rPr>
+              <a:t>RAID 7</a:t>
+            </a:r>
+            <a:endParaRPr lang="en-US" sz="3600" dirty="0">
+              <a:latin typeface="Bebas Neue Pro Exp Eb" panose="020B0706020202050201" pitchFamily="34" charset="-52"/>
+            </a:endParaRPr>
+          </a:p>
+        </p:txBody>
+      </p:sp>
+      <p:sp>
+        <p:nvSpPr>
+          <p:cNvPr id="4" name="Текст 3"/>
+          <p:cNvSpPr>
+            <a:spLocks noGrp="1"/>
+          </p:cNvSpPr>
+          <p:nvPr>
+            <p:ph type="body" sz="half" idx="2"/>
+          </p:nvPr>
+        </p:nvSpPr>
+        <p:spPr>
+          <a:xfrm>
+            <a:off x="1484311" y="2489532"/>
+            <a:ext cx="4140000" cy="3682667"/>
+          </a:xfrm>
+        </p:spPr>
+        <p:txBody>
+          <a:bodyPr vert="horz" lIns="91440" tIns="45720" rIns="91440" bIns="45720" rtlCol="0" anchor="ctr">
+            <a:normAutofit fontScale="92500"/>
+          </a:bodyPr>
+          <a:lstStyle/>
+          <a:p>
+            <a:pPr marL="285750" indent="-285750" algn="l">
+              <a:buFont typeface="Arial" panose="020B0604020202020204" pitchFamily="34" charset="0"/>
+              <a:buChar char="•"/>
+            </a:pPr>
+            <a:r>
+              <a:rPr lang="ru-RU" dirty="0" err="1" smtClean="0">
+                <a:latin typeface="Bebas Neue Pro Exp Rg" panose="020B0506020202050201" pitchFamily="34" charset="-52"/>
+              </a:rPr>
+              <a:t>Страйпинг</a:t>
+            </a:r>
+            <a:r>
+              <a:rPr lang="en-US" dirty="0" smtClean="0">
+                <a:latin typeface="Bebas Neue Pro Exp Rg" panose="020B0506020202050201" pitchFamily="34" charset="-52"/>
+              </a:rPr>
+              <a:t> </a:t>
+            </a:r>
+            <a:r>
+              <a:rPr lang="ru-RU" dirty="0" smtClean="0">
+                <a:latin typeface="Bebas Neue Pro Exp Rg" panose="020B0506020202050201" pitchFamily="34" charset="-52"/>
+              </a:rPr>
+              <a:t>на уровне </a:t>
+            </a:r>
+            <a:r>
+              <a:rPr lang="ru-RU" dirty="0" err="1" smtClean="0">
+                <a:latin typeface="Bebas Neue Pro Exp Rg" panose="020B0506020202050201" pitchFamily="34" charset="-52"/>
+              </a:rPr>
+              <a:t>стрипов</a:t>
+            </a:r>
+            <a:endParaRPr lang="ru-RU" dirty="0" smtClean="0">
+              <a:latin typeface="Bebas Neue Pro Exp Rg" panose="020B0506020202050201" pitchFamily="34" charset="-52"/>
+            </a:endParaRPr>
+          </a:p>
+          <a:p>
+            <a:pPr marL="285750" indent="-285750" algn="l">
+              <a:buFont typeface="Arial" panose="020B0604020202020204" pitchFamily="34" charset="0"/>
+              <a:buChar char="•"/>
+            </a:pPr>
+            <a:r>
+              <a:rPr lang="ru-RU" dirty="0" smtClean="0">
+                <a:latin typeface="Bebas Neue Pro Exp Rg" panose="020B0506020202050201" pitchFamily="34" charset="-52"/>
+              </a:rPr>
+              <a:t>Выделенная четность</a:t>
+            </a:r>
+          </a:p>
+          <a:p>
+            <a:pPr marL="285750" indent="-285750" algn="l">
+              <a:buFont typeface="Arial" panose="020B0604020202020204" pitchFamily="34" charset="0"/>
+              <a:buChar char="•"/>
+            </a:pPr>
+            <a:r>
+              <a:rPr lang="ru-RU" dirty="0" smtClean="0">
+                <a:latin typeface="Bebas Neue Pro Exp Rg" panose="020B0506020202050201" pitchFamily="34" charset="-52"/>
+              </a:rPr>
+              <a:t>Специализированный </a:t>
+            </a:r>
+            <a:r>
+              <a:rPr lang="ru-RU" dirty="0" err="1" smtClean="0">
+                <a:latin typeface="Bebas Neue Pro Exp Rg" panose="020B0506020202050201" pitchFamily="34" charset="-52"/>
+              </a:rPr>
+              <a:t>проприетарный</a:t>
+            </a:r>
+            <a:r>
+              <a:rPr lang="ru-RU" dirty="0" smtClean="0">
+                <a:latin typeface="Bebas Neue Pro Exp Rg" panose="020B0506020202050201" pitchFamily="34" charset="-52"/>
+              </a:rPr>
+              <a:t> контроллер</a:t>
+            </a:r>
+          </a:p>
+          <a:p>
+            <a:pPr marL="285750" indent="-285750" algn="l">
+              <a:buFont typeface="Arial" panose="020B0604020202020204" pitchFamily="34" charset="0"/>
+              <a:buChar char="•"/>
+            </a:pPr>
+            <a:r>
+              <a:rPr lang="ru-RU" dirty="0" smtClean="0">
+                <a:latin typeface="Bebas Neue Pro Exp Rg" panose="020B0506020202050201" pitchFamily="34" charset="-52"/>
+              </a:rPr>
+              <a:t>Полезный </a:t>
+            </a:r>
+            <a:r>
+              <a:rPr lang="ru-RU" dirty="0">
+                <a:latin typeface="Bebas Neue Pro Exp Rg" panose="020B0506020202050201" pitchFamily="34" charset="-52"/>
+              </a:rPr>
+              <a:t>объем – </a:t>
+            </a:r>
+            <a:r>
+              <a:rPr lang="en-US" dirty="0" smtClean="0">
+                <a:latin typeface="Bebas Neue Pro Exp Rg" panose="020B0506020202050201" pitchFamily="34" charset="-52"/>
+              </a:rPr>
+              <a:t>N-</a:t>
+            </a:r>
+            <a:r>
+              <a:rPr lang="ru-RU" dirty="0" smtClean="0">
+                <a:latin typeface="Bebas Neue Pro Exp Rg" panose="020B0506020202050201" pitchFamily="34" charset="-52"/>
+              </a:rPr>
+              <a:t>1</a:t>
+            </a:r>
+            <a:r>
+              <a:rPr lang="en-US" dirty="0" smtClean="0">
+                <a:latin typeface="Bebas Neue Pro Exp Rg" panose="020B0506020202050201" pitchFamily="34" charset="-52"/>
+              </a:rPr>
+              <a:t> </a:t>
+            </a:r>
+            <a:r>
+              <a:rPr lang="ru-RU" dirty="0" smtClean="0">
+                <a:latin typeface="Bebas Neue Pro Exp Rg" panose="020B0506020202050201" pitchFamily="34" charset="-52"/>
+              </a:rPr>
+              <a:t>дисков</a:t>
+            </a:r>
+            <a:endParaRPr lang="en-US" dirty="0">
+              <a:latin typeface="Bebas Neue Pro Exp Rg" panose="020B0506020202050201" pitchFamily="34" charset="-52"/>
+            </a:endParaRPr>
+          </a:p>
+          <a:p>
+            <a:pPr marL="285750" indent="-285750" algn="l">
+              <a:buFont typeface="Arial" panose="020B0604020202020204" pitchFamily="34" charset="0"/>
+              <a:buChar char="•"/>
+            </a:pPr>
+            <a:r>
+              <a:rPr lang="ru-RU" dirty="0" smtClean="0">
+                <a:latin typeface="Bebas Neue Pro Exp Rg" panose="020B0506020202050201" pitchFamily="34" charset="-52"/>
+              </a:rPr>
+              <a:t>Скорость чтения и записи увеличена за счет контроллера</a:t>
+            </a:r>
+          </a:p>
+          <a:p>
+            <a:pPr marL="285750" indent="-285750" algn="l">
+              <a:buFont typeface="Arial" panose="020B0604020202020204" pitchFamily="34" charset="0"/>
+              <a:buChar char="•"/>
+            </a:pPr>
+            <a:r>
+              <a:rPr lang="ru-RU" dirty="0" smtClean="0">
+                <a:latin typeface="Bebas Neue Pro Exp Rg" panose="020B0506020202050201" pitchFamily="34" charset="-52"/>
+              </a:rPr>
+              <a:t>Выдерживает отказ </a:t>
+            </a:r>
+            <a:r>
+              <a:rPr lang="en-US" dirty="0" smtClean="0">
+                <a:latin typeface="Bebas Neue Pro Exp Rg" panose="020B0506020202050201" pitchFamily="34" charset="-52"/>
+              </a:rPr>
+              <a:t>1</a:t>
+            </a:r>
+            <a:r>
+              <a:rPr lang="ru-RU" dirty="0" smtClean="0">
+                <a:latin typeface="Bebas Neue Pro Exp Rg" panose="020B0506020202050201" pitchFamily="34" charset="-52"/>
+              </a:rPr>
+              <a:t> диска</a:t>
+            </a:r>
+          </a:p>
+          <a:p>
+            <a:pPr marL="285750" indent="-285750" algn="l">
+              <a:buFont typeface="Arial" panose="020B0604020202020204" pitchFamily="34" charset="0"/>
+              <a:buChar char="•"/>
+            </a:pPr>
+            <a:r>
+              <a:rPr lang="ru-RU" dirty="0" smtClean="0">
+                <a:latin typeface="Bebas Neue Pro Exp Rg" panose="020B0506020202050201" pitchFamily="34" charset="-52"/>
+              </a:rPr>
+              <a:t>Минимум 3 диска</a:t>
+            </a:r>
+            <a:endParaRPr lang="ru-RU" dirty="0">
+              <a:latin typeface="Bebas Neue Pro Exp Rg" panose="020B0506020202050201" pitchFamily="34" charset="-52"/>
+            </a:endParaRPr>
+          </a:p>
+          <a:p>
+            <a:pPr marL="285750" indent="-285750" algn="l">
+              <a:buFont typeface="Arial" panose="020B0604020202020204" pitchFamily="34" charset="0"/>
+              <a:buChar char="•"/>
+            </a:pPr>
+            <a:r>
+              <a:rPr lang="ru-RU" dirty="0" smtClean="0">
+                <a:latin typeface="Bebas Neue Pro Exp Rg" panose="020B0506020202050201" pitchFamily="34" charset="-52"/>
+              </a:rPr>
+              <a:t>Повышенная нагрузка на диск четности</a:t>
+            </a:r>
+          </a:p>
+          <a:p>
+            <a:pPr marL="285750" indent="-285750" algn="l">
+              <a:buFont typeface="Arial" panose="020B0604020202020204" pitchFamily="34" charset="0"/>
+              <a:buChar char="•"/>
+            </a:pPr>
+            <a:r>
+              <a:rPr lang="ru-RU" dirty="0" smtClean="0">
+                <a:latin typeface="Bebas Neue Pro Exp Rg" panose="020B0506020202050201" pitchFamily="34" charset="-52"/>
+              </a:rPr>
+              <a:t>Закрытое решение компании </a:t>
+            </a:r>
+            <a:r>
+              <a:rPr lang="en-US" dirty="0" smtClean="0">
+                <a:latin typeface="Bebas Neue Pro Exp Rg" panose="020B0506020202050201" pitchFamily="34" charset="-52"/>
+              </a:rPr>
+              <a:t>Storage Computer</a:t>
+            </a:r>
+            <a:endParaRPr lang="en-US" dirty="0">
+              <a:latin typeface="Bebas Neue Pro Exp Rg" panose="020B0506020202050201" pitchFamily="34" charset="-52"/>
+            </a:endParaRPr>
+          </a:p>
+        </p:txBody>
+      </p:sp>
+      <p:pic>
+        <p:nvPicPr>
+          <p:cNvPr id="5" name="Объект 4"/>
+          <p:cNvPicPr>
+            <a:picLocks noGrp="1" noChangeAspect="1"/>
+          </p:cNvPicPr>
+          <p:nvPr>
+            <p:ph idx="1"/>
+          </p:nvPr>
+        </p:nvPicPr>
+        <p:blipFill>
+          <a:blip r:embed="rId2">
+            <a:extLst>
+              <a:ext uri="{28A0092B-C50C-407E-A947-70E740481C1C}">
+                <a14:useLocalDpi xmlns:a14="http://schemas.microsoft.com/office/drawing/2010/main" val="0"/>
+              </a:ext>
+            </a:extLst>
+          </a:blip>
+          <a:stretch>
+            <a:fillRect/>
+          </a:stretch>
+        </p:blipFill>
+        <p:spPr>
+          <a:xfrm>
+            <a:off x="5882481" y="1809750"/>
+            <a:ext cx="5000625" cy="2857500"/>
+          </a:xfrm>
+        </p:spPr>
+      </p:pic>
+    </p:spTree>
+    <p:extLst>
+      <p:ext uri="{BB962C8B-B14F-4D97-AF65-F5344CB8AC3E}">
+        <p14:creationId xmlns:p14="http://schemas.microsoft.com/office/powerpoint/2010/main" val="1300786525"/>
+      </p:ext>
+    </p:extLst>
+  </p:cSld>
+  <p:clrMapOvr>
+    <a:masterClrMapping/>
+  </p:clrMapOvr>
+  <p:timing>
+    <p:tnLst>
+      <p:par>
+        <p:cTn id="1" dur="indefinite" restart="never" nodeType="tmRoot"/>
+      </p:par>
+    </p:tnLst>
+  </p:timing>
+</p:sld>
+</file>
+
+<file path=ppt/slides/slide14.xml><?xml version="1.0" encoding="utf-8"?>
+<p:sld xmlns:a="http://schemas.openxmlformats.org/drawingml/2006/main" xmlns:r="http://schemas.openxmlformats.org/officeDocument/2006/relationships" xmlns:p="http://schemas.openxmlformats.org/presentationml/2006/main">
+  <p:cSld>
+    <p:spTree>
+      <p:nvGrpSpPr>
+        <p:cNvPr id="1" name=""/>
+        <p:cNvGrpSpPr/>
+        <p:nvPr/>
+      </p:nvGrpSpPr>
+      <p:grpSpPr>
+        <a:xfrm>
+          <a:off x="0" y="0"/>
+          <a:ext cx="0" cy="0"/>
+          <a:chOff x="0" y="0"/>
+          <a:chExt cx="0" cy="0"/>
+        </a:xfrm>
+      </p:grpSpPr>
+      <p:sp>
+        <p:nvSpPr>
+          <p:cNvPr id="2" name="Заголовок 1"/>
+          <p:cNvSpPr>
+            <a:spLocks noGrp="1"/>
+          </p:cNvSpPr>
+          <p:nvPr>
+            <p:ph type="title"/>
+          </p:nvPr>
+        </p:nvSpPr>
+        <p:spPr>
+          <a:xfrm>
+            <a:off x="1484310" y="1809749"/>
+            <a:ext cx="4140000" cy="684000"/>
+          </a:xfrm>
+        </p:spPr>
+        <p:txBody>
+          <a:bodyPr>
+            <a:normAutofit/>
+          </a:bodyPr>
+          <a:lstStyle/>
+          <a:p>
+            <a:r>
+              <a:rPr lang="en-US" sz="3600" dirty="0" smtClean="0">
+                <a:latin typeface="Bebas Neue Pro Exp Eb" panose="020B0706020202050201" pitchFamily="34" charset="-52"/>
+              </a:rPr>
+              <a:t>RAID </a:t>
+            </a:r>
+            <a:r>
+              <a:rPr lang="en-US" sz="3600" dirty="0" smtClean="0">
+                <a:latin typeface="Bebas Neue Pro Exp Eb" panose="020B0706020202050201" pitchFamily="34" charset="-52"/>
+              </a:rPr>
+              <a:t>10</a:t>
+            </a:r>
+            <a:endParaRPr lang="en-US" sz="3600" dirty="0">
+              <a:latin typeface="Bebas Neue Pro Exp Eb" panose="020B0706020202050201" pitchFamily="34" charset="-52"/>
+            </a:endParaRPr>
+          </a:p>
+        </p:txBody>
+      </p:sp>
+      <p:sp>
+        <p:nvSpPr>
+          <p:cNvPr id="4" name="Текст 3"/>
+          <p:cNvSpPr>
+            <a:spLocks noGrp="1"/>
+          </p:cNvSpPr>
+          <p:nvPr>
+            <p:ph type="body" sz="half" idx="2"/>
+          </p:nvPr>
+        </p:nvSpPr>
+        <p:spPr>
+          <a:xfrm>
+            <a:off x="1484311" y="2489533"/>
+            <a:ext cx="3778252" cy="3225600"/>
+          </a:xfrm>
+        </p:spPr>
+        <p:txBody>
+          <a:bodyPr vert="horz" lIns="91440" tIns="45720" rIns="91440" bIns="45720" rtlCol="0" anchor="ctr">
+            <a:normAutofit/>
+          </a:bodyPr>
+          <a:lstStyle/>
+          <a:p>
+            <a:pPr marL="285750" indent="-285750" algn="l">
+              <a:buFont typeface="Arial" panose="020B0604020202020204" pitchFamily="34" charset="0"/>
+              <a:buChar char="•"/>
+            </a:pPr>
+            <a:r>
+              <a:rPr lang="ru-RU" dirty="0" smtClean="0">
+                <a:latin typeface="Bebas Neue Pro Exp Rg" panose="020B0506020202050201" pitchFamily="34" charset="-52"/>
+              </a:rPr>
+              <a:t>Комбинация </a:t>
+            </a:r>
+            <a:r>
+              <a:rPr lang="en-US" dirty="0" smtClean="0">
+                <a:latin typeface="Bebas Neue Pro Exp Rg" panose="020B0506020202050201" pitchFamily="34" charset="-52"/>
+              </a:rPr>
+              <a:t>RAID</a:t>
+            </a:r>
+            <a:r>
+              <a:rPr lang="ru-RU" dirty="0" smtClean="0">
+                <a:latin typeface="Bebas Neue Pro Exp Rg" panose="020B0506020202050201" pitchFamily="34" charset="-52"/>
+              </a:rPr>
+              <a:t> </a:t>
+            </a:r>
+            <a:r>
+              <a:rPr lang="en-US" dirty="0" smtClean="0">
+                <a:latin typeface="Bebas Neue Pro Exp Rg" panose="020B0506020202050201" pitchFamily="34" charset="-52"/>
+              </a:rPr>
+              <a:t>1 </a:t>
+            </a:r>
+            <a:r>
+              <a:rPr lang="ru-RU" dirty="0" smtClean="0">
+                <a:latin typeface="Bebas Neue Pro Exp Rg" panose="020B0506020202050201" pitchFamily="34" charset="-52"/>
+              </a:rPr>
+              <a:t>и </a:t>
+            </a:r>
+            <a:r>
+              <a:rPr lang="en-US" dirty="0">
+                <a:latin typeface="Bebas Neue Pro Exp Rg" panose="020B0506020202050201" pitchFamily="34" charset="-52"/>
+              </a:rPr>
+              <a:t>RAID</a:t>
+            </a:r>
+            <a:r>
+              <a:rPr lang="ru-RU" dirty="0">
+                <a:latin typeface="Bebas Neue Pro Exp Rg" panose="020B0506020202050201" pitchFamily="34" charset="-52"/>
+              </a:rPr>
+              <a:t> </a:t>
+            </a:r>
+            <a:r>
+              <a:rPr lang="ru-RU" dirty="0" smtClean="0">
+                <a:latin typeface="Bebas Neue Pro Exp Rg" panose="020B0506020202050201" pitchFamily="34" charset="-52"/>
+              </a:rPr>
+              <a:t>0</a:t>
+            </a:r>
+            <a:endParaRPr lang="ru-RU" dirty="0" smtClean="0">
+              <a:latin typeface="Bebas Neue Pro Exp Rg" panose="020B0506020202050201" pitchFamily="34" charset="-52"/>
+            </a:endParaRPr>
+          </a:p>
+          <a:p>
+            <a:pPr marL="285750" indent="-285750" algn="l">
+              <a:buFont typeface="Arial" panose="020B0604020202020204" pitchFamily="34" charset="0"/>
+              <a:buChar char="•"/>
+            </a:pPr>
+            <a:r>
+              <a:rPr lang="ru-RU" dirty="0" smtClean="0">
+                <a:latin typeface="Bebas Neue Pro Exp Rg" panose="020B0506020202050201" pitchFamily="34" charset="-52"/>
+              </a:rPr>
+              <a:t>Зеркалирование, поверх </a:t>
+            </a:r>
+            <a:r>
+              <a:rPr lang="ru-RU" dirty="0" err="1" smtClean="0">
+                <a:latin typeface="Bebas Neue Pro Exp Rg" panose="020B0506020202050201" pitchFamily="34" charset="-52"/>
+              </a:rPr>
+              <a:t>страйпинг</a:t>
+            </a:r>
+            <a:endParaRPr lang="ru-RU" dirty="0" smtClean="0">
+              <a:latin typeface="Bebas Neue Pro Exp Rg" panose="020B0506020202050201" pitchFamily="34" charset="-52"/>
+            </a:endParaRPr>
+          </a:p>
+          <a:p>
+            <a:pPr marL="285750" indent="-285750" algn="l">
+              <a:buFont typeface="Arial" panose="020B0604020202020204" pitchFamily="34" charset="0"/>
+              <a:buChar char="•"/>
+            </a:pPr>
+            <a:r>
+              <a:rPr lang="ru-RU" dirty="0" smtClean="0">
+                <a:latin typeface="Bebas Neue Pro Exp Rg" panose="020B0506020202050201" pitchFamily="34" charset="-52"/>
+              </a:rPr>
+              <a:t>Полезный </a:t>
+            </a:r>
+            <a:r>
+              <a:rPr lang="ru-RU" dirty="0">
+                <a:latin typeface="Bebas Neue Pro Exp Rg" panose="020B0506020202050201" pitchFamily="34" charset="-52"/>
+              </a:rPr>
+              <a:t>объем – </a:t>
+            </a:r>
+            <a:r>
+              <a:rPr lang="en-US" dirty="0" smtClean="0">
+                <a:latin typeface="Bebas Neue Pro Exp Rg" panose="020B0506020202050201" pitchFamily="34" charset="-52"/>
+              </a:rPr>
+              <a:t>N</a:t>
+            </a:r>
+            <a:r>
+              <a:rPr lang="ru-RU" dirty="0" smtClean="0">
+                <a:latin typeface="Bebas Neue Pro Exp Rg" panose="020B0506020202050201" pitchFamily="34" charset="-52"/>
+              </a:rPr>
+              <a:t>/2</a:t>
+            </a:r>
+            <a:r>
+              <a:rPr lang="en-US" dirty="0" smtClean="0">
+                <a:latin typeface="Bebas Neue Pro Exp Rg" panose="020B0506020202050201" pitchFamily="34" charset="-52"/>
+              </a:rPr>
+              <a:t> </a:t>
+            </a:r>
+            <a:r>
+              <a:rPr lang="ru-RU" dirty="0" smtClean="0">
+                <a:latin typeface="Bebas Neue Pro Exp Rg" panose="020B0506020202050201" pitchFamily="34" charset="-52"/>
+              </a:rPr>
+              <a:t>дисков</a:t>
+            </a:r>
+            <a:endParaRPr lang="en-US" dirty="0">
+              <a:latin typeface="Bebas Neue Pro Exp Rg" panose="020B0506020202050201" pitchFamily="34" charset="-52"/>
+            </a:endParaRPr>
+          </a:p>
+          <a:p>
+            <a:pPr marL="285750" indent="-285750" algn="l">
+              <a:buFont typeface="Arial" panose="020B0604020202020204" pitchFamily="34" charset="0"/>
+              <a:buChar char="•"/>
+            </a:pPr>
+            <a:r>
+              <a:rPr lang="ru-RU" dirty="0" smtClean="0">
+                <a:latin typeface="Bebas Neue Pro Exp Rg" panose="020B0506020202050201" pitchFamily="34" charset="-52"/>
+              </a:rPr>
+              <a:t>Скорость чтения </a:t>
+            </a:r>
+            <a:r>
+              <a:rPr lang="ru-RU" dirty="0" smtClean="0">
+                <a:latin typeface="Bebas Neue Pro Exp Rg" panose="020B0506020202050201" pitchFamily="34" charset="-52"/>
+              </a:rPr>
+              <a:t>высокая; </a:t>
+            </a:r>
+            <a:r>
+              <a:rPr lang="ru-RU" dirty="0" smtClean="0">
+                <a:latin typeface="Bebas Neue Pro Exp Rg" panose="020B0506020202050201" pitchFamily="34" charset="-52"/>
+              </a:rPr>
+              <a:t>скорость записи </a:t>
+            </a:r>
+            <a:r>
+              <a:rPr lang="ru-RU" dirty="0" smtClean="0">
+                <a:latin typeface="Bebas Neue Pro Exp Rg" panose="020B0506020202050201" pitchFamily="34" charset="-52"/>
+              </a:rPr>
+              <a:t>выше </a:t>
+            </a:r>
+            <a:r>
+              <a:rPr lang="en-US" dirty="0" smtClean="0">
+                <a:latin typeface="Bebas Neue Pro Exp Rg" panose="020B0506020202050201" pitchFamily="34" charset="-52"/>
+              </a:rPr>
+              <a:t>RAID 1, </a:t>
+            </a:r>
+            <a:r>
+              <a:rPr lang="ru-RU" dirty="0" smtClean="0">
+                <a:latin typeface="Bebas Neue Pro Exp Rg" panose="020B0506020202050201" pitchFamily="34" charset="-52"/>
+              </a:rPr>
+              <a:t>ниже </a:t>
+            </a:r>
+            <a:r>
+              <a:rPr lang="en-US" dirty="0" smtClean="0">
+                <a:latin typeface="Bebas Neue Pro Exp Rg" panose="020B0506020202050201" pitchFamily="34" charset="-52"/>
+              </a:rPr>
+              <a:t>RAID 0</a:t>
+            </a:r>
+            <a:endParaRPr lang="ru-RU" dirty="0" smtClean="0">
+              <a:latin typeface="Bebas Neue Pro Exp Rg" panose="020B0506020202050201" pitchFamily="34" charset="-52"/>
+            </a:endParaRPr>
+          </a:p>
+          <a:p>
+            <a:pPr marL="285750" indent="-285750" algn="l">
+              <a:buFont typeface="Arial" panose="020B0604020202020204" pitchFamily="34" charset="0"/>
+              <a:buChar char="•"/>
+            </a:pPr>
+            <a:r>
+              <a:rPr lang="ru-RU" dirty="0" smtClean="0">
+                <a:latin typeface="Bebas Neue Pro Exp Rg" panose="020B0506020202050201" pitchFamily="34" charset="-52"/>
+              </a:rPr>
+              <a:t>Выдерживает отказ </a:t>
+            </a:r>
+            <a:r>
+              <a:rPr lang="en-US" dirty="0" smtClean="0">
+                <a:latin typeface="Bebas Neue Pro Exp Rg" panose="020B0506020202050201" pitchFamily="34" charset="-52"/>
+              </a:rPr>
+              <a:t>1</a:t>
+            </a:r>
+            <a:r>
+              <a:rPr lang="ru-RU" dirty="0" smtClean="0">
+                <a:latin typeface="Bebas Neue Pro Exp Rg" panose="020B0506020202050201" pitchFamily="34" charset="-52"/>
+              </a:rPr>
+              <a:t> </a:t>
+            </a:r>
+            <a:r>
+              <a:rPr lang="ru-RU" dirty="0" smtClean="0">
+                <a:latin typeface="Bebas Neue Pro Exp Rg" panose="020B0506020202050201" pitchFamily="34" charset="-52"/>
+              </a:rPr>
+              <a:t>диска в каждой паре</a:t>
+            </a:r>
+            <a:endParaRPr lang="ru-RU" dirty="0" smtClean="0">
+              <a:latin typeface="Bebas Neue Pro Exp Rg" panose="020B0506020202050201" pitchFamily="34" charset="-52"/>
+            </a:endParaRPr>
+          </a:p>
+          <a:p>
+            <a:pPr marL="285750" indent="-285750" algn="l">
+              <a:buFont typeface="Arial" panose="020B0604020202020204" pitchFamily="34" charset="0"/>
+              <a:buChar char="•"/>
+            </a:pPr>
+            <a:r>
+              <a:rPr lang="ru-RU" dirty="0" smtClean="0">
+                <a:latin typeface="Bebas Neue Pro Exp Rg" panose="020B0506020202050201" pitchFamily="34" charset="-52"/>
+              </a:rPr>
+              <a:t>Минимум </a:t>
+            </a:r>
+            <a:r>
+              <a:rPr lang="ru-RU" dirty="0" smtClean="0">
+                <a:latin typeface="Bebas Neue Pro Exp Rg" panose="020B0506020202050201" pitchFamily="34" charset="-52"/>
+              </a:rPr>
+              <a:t>4 диска</a:t>
+            </a:r>
+          </a:p>
+        </p:txBody>
+      </p:sp>
+      <p:pic>
+        <p:nvPicPr>
+          <p:cNvPr id="5" name="Объект 4"/>
+          <p:cNvPicPr>
+            <a:picLocks noGrp="1" noChangeAspect="1"/>
+          </p:cNvPicPr>
+          <p:nvPr>
+            <p:ph idx="1"/>
+          </p:nvPr>
+        </p:nvPicPr>
+        <p:blipFill>
+          <a:blip r:embed="rId2">
+            <a:extLst>
+              <a:ext uri="{28A0092B-C50C-407E-A947-70E740481C1C}">
+                <a14:useLocalDpi xmlns:a14="http://schemas.microsoft.com/office/drawing/2010/main" val="0"/>
+              </a:ext>
+            </a:extLst>
+          </a:blip>
+          <a:stretch>
+            <a:fillRect/>
+          </a:stretch>
+        </p:blipFill>
+        <p:spPr>
+          <a:xfrm>
+            <a:off x="5262563" y="1542103"/>
+            <a:ext cx="6240462" cy="3392793"/>
+          </a:xfrm>
+        </p:spPr>
+      </p:pic>
+    </p:spTree>
+    <p:extLst>
+      <p:ext uri="{BB962C8B-B14F-4D97-AF65-F5344CB8AC3E}">
+        <p14:creationId xmlns:p14="http://schemas.microsoft.com/office/powerpoint/2010/main" val="2322089298"/>
+      </p:ext>
+    </p:extLst>
+  </p:cSld>
+  <p:clrMapOvr>
+    <a:masterClrMapping/>
+  </p:clrMapOvr>
+  <p:timing>
+    <p:tnLst>
+      <p:par>
+        <p:cTn id="1" dur="indefinite" restart="never" nodeType="tmRoot"/>
+      </p:par>
+    </p:tnLst>
+  </p:timing>
+</p:sld>
+</file>
+
+<file path=ppt/slides/slide15.xml><?xml version="1.0" encoding="utf-8"?>
+<p:sld xmlns:a="http://schemas.openxmlformats.org/drawingml/2006/main" xmlns:r="http://schemas.openxmlformats.org/officeDocument/2006/relationships" xmlns:p="http://schemas.openxmlformats.org/presentationml/2006/main">
+  <p:cSld>
+    <p:spTree>
+      <p:nvGrpSpPr>
+        <p:cNvPr id="1" name=""/>
+        <p:cNvGrpSpPr/>
+        <p:nvPr/>
+      </p:nvGrpSpPr>
+      <p:grpSpPr>
+        <a:xfrm>
+          <a:off x="0" y="0"/>
+          <a:ext cx="0" cy="0"/>
+          <a:chOff x="0" y="0"/>
+          <a:chExt cx="0" cy="0"/>
+        </a:xfrm>
+      </p:grpSpPr>
+      <p:sp>
+        <p:nvSpPr>
+          <p:cNvPr id="2" name="Заголовок 1"/>
+          <p:cNvSpPr>
+            <a:spLocks noGrp="1"/>
+          </p:cNvSpPr>
+          <p:nvPr>
+            <p:ph type="title"/>
+          </p:nvPr>
+        </p:nvSpPr>
+        <p:spPr>
+          <a:xfrm>
+            <a:off x="1484310" y="1809749"/>
+            <a:ext cx="4140000" cy="684000"/>
+          </a:xfrm>
+        </p:spPr>
+        <p:txBody>
+          <a:bodyPr>
+            <a:normAutofit/>
+          </a:bodyPr>
+          <a:lstStyle/>
+          <a:p>
+            <a:r>
+              <a:rPr lang="en-US" sz="3600" dirty="0" smtClean="0">
+                <a:latin typeface="Bebas Neue Pro Exp Eb" panose="020B0706020202050201" pitchFamily="34" charset="-52"/>
+              </a:rPr>
+              <a:t>RAID </a:t>
+            </a:r>
+            <a:r>
+              <a:rPr lang="ru-RU" sz="3600" dirty="0" smtClean="0">
+                <a:latin typeface="Bebas Neue Pro Exp Eb" panose="020B0706020202050201" pitchFamily="34" charset="-52"/>
+              </a:rPr>
+              <a:t>01</a:t>
+            </a:r>
+            <a:endParaRPr lang="en-US" sz="3600" dirty="0">
+              <a:latin typeface="Bebas Neue Pro Exp Eb" panose="020B0706020202050201" pitchFamily="34" charset="-52"/>
+            </a:endParaRPr>
+          </a:p>
+        </p:txBody>
+      </p:sp>
+      <p:sp>
+        <p:nvSpPr>
+          <p:cNvPr id="4" name="Текст 3"/>
+          <p:cNvSpPr>
+            <a:spLocks noGrp="1"/>
+          </p:cNvSpPr>
+          <p:nvPr>
+            <p:ph type="body" sz="half" idx="2"/>
+          </p:nvPr>
+        </p:nvSpPr>
+        <p:spPr>
+          <a:xfrm>
+            <a:off x="1484311" y="2489533"/>
+            <a:ext cx="3778252" cy="3225600"/>
+          </a:xfrm>
+        </p:spPr>
+        <p:txBody>
+          <a:bodyPr vert="horz" lIns="91440" tIns="45720" rIns="91440" bIns="45720" rtlCol="0" anchor="ctr">
+            <a:normAutofit/>
+          </a:bodyPr>
+          <a:lstStyle/>
+          <a:p>
+            <a:pPr marL="285750" indent="-285750" algn="l">
+              <a:buFont typeface="Arial" panose="020B0604020202020204" pitchFamily="34" charset="0"/>
+              <a:buChar char="•"/>
+            </a:pPr>
+            <a:r>
+              <a:rPr lang="ru-RU" dirty="0" smtClean="0">
+                <a:latin typeface="Bebas Neue Pro Exp Rg" panose="020B0506020202050201" pitchFamily="34" charset="-52"/>
+              </a:rPr>
+              <a:t>Комбинация </a:t>
+            </a:r>
+            <a:r>
+              <a:rPr lang="en-US" dirty="0" smtClean="0">
+                <a:latin typeface="Bebas Neue Pro Exp Rg" panose="020B0506020202050201" pitchFamily="34" charset="-52"/>
+              </a:rPr>
+              <a:t>RAID</a:t>
+            </a:r>
+            <a:r>
+              <a:rPr lang="ru-RU" dirty="0" smtClean="0">
+                <a:latin typeface="Bebas Neue Pro Exp Rg" panose="020B0506020202050201" pitchFamily="34" charset="-52"/>
+              </a:rPr>
+              <a:t> </a:t>
+            </a:r>
+            <a:r>
+              <a:rPr lang="ru-RU" dirty="0">
+                <a:latin typeface="Bebas Neue Pro Exp Rg" panose="020B0506020202050201" pitchFamily="34" charset="-52"/>
+              </a:rPr>
+              <a:t>0</a:t>
+            </a:r>
+            <a:r>
+              <a:rPr lang="en-US" dirty="0" smtClean="0">
+                <a:latin typeface="Bebas Neue Pro Exp Rg" panose="020B0506020202050201" pitchFamily="34" charset="-52"/>
+              </a:rPr>
+              <a:t> </a:t>
+            </a:r>
+            <a:r>
+              <a:rPr lang="ru-RU" dirty="0" smtClean="0">
+                <a:latin typeface="Bebas Neue Pro Exp Rg" panose="020B0506020202050201" pitchFamily="34" charset="-52"/>
+              </a:rPr>
+              <a:t>и </a:t>
+            </a:r>
+            <a:r>
+              <a:rPr lang="en-US" dirty="0">
+                <a:latin typeface="Bebas Neue Pro Exp Rg" panose="020B0506020202050201" pitchFamily="34" charset="-52"/>
+              </a:rPr>
+              <a:t>RAID</a:t>
+            </a:r>
+            <a:r>
+              <a:rPr lang="ru-RU" dirty="0">
+                <a:latin typeface="Bebas Neue Pro Exp Rg" panose="020B0506020202050201" pitchFamily="34" charset="-52"/>
+              </a:rPr>
+              <a:t> 1</a:t>
+            </a:r>
+            <a:endParaRPr lang="ru-RU" dirty="0" smtClean="0">
+              <a:latin typeface="Bebas Neue Pro Exp Rg" panose="020B0506020202050201" pitchFamily="34" charset="-52"/>
+            </a:endParaRPr>
+          </a:p>
+          <a:p>
+            <a:pPr marL="285750" indent="-285750" algn="l">
+              <a:buFont typeface="Arial" panose="020B0604020202020204" pitchFamily="34" charset="0"/>
+              <a:buChar char="•"/>
+            </a:pPr>
+            <a:r>
+              <a:rPr lang="ru-RU" dirty="0" err="1" smtClean="0">
+                <a:latin typeface="Bebas Neue Pro Exp Rg" panose="020B0506020202050201" pitchFamily="34" charset="-52"/>
+              </a:rPr>
+              <a:t>Страйпинг</a:t>
+            </a:r>
+            <a:r>
+              <a:rPr lang="ru-RU" dirty="0" smtClean="0">
+                <a:latin typeface="Bebas Neue Pro Exp Rg" panose="020B0506020202050201" pitchFamily="34" charset="-52"/>
+              </a:rPr>
+              <a:t>, поверх зеркалирование</a:t>
+            </a:r>
+            <a:endParaRPr lang="ru-RU" dirty="0" smtClean="0">
+              <a:latin typeface="Bebas Neue Pro Exp Rg" panose="020B0506020202050201" pitchFamily="34" charset="-52"/>
+            </a:endParaRPr>
+          </a:p>
+          <a:p>
+            <a:pPr marL="285750" indent="-285750" algn="l">
+              <a:buFont typeface="Arial" panose="020B0604020202020204" pitchFamily="34" charset="0"/>
+              <a:buChar char="•"/>
+            </a:pPr>
+            <a:r>
+              <a:rPr lang="ru-RU" dirty="0" smtClean="0">
+                <a:latin typeface="Bebas Neue Pro Exp Rg" panose="020B0506020202050201" pitchFamily="34" charset="-52"/>
+              </a:rPr>
+              <a:t>Полезный </a:t>
+            </a:r>
+            <a:r>
+              <a:rPr lang="ru-RU" dirty="0">
+                <a:latin typeface="Bebas Neue Pro Exp Rg" panose="020B0506020202050201" pitchFamily="34" charset="-52"/>
+              </a:rPr>
+              <a:t>объем – </a:t>
+            </a:r>
+            <a:r>
+              <a:rPr lang="en-US" dirty="0" smtClean="0">
+                <a:latin typeface="Bebas Neue Pro Exp Rg" panose="020B0506020202050201" pitchFamily="34" charset="-52"/>
+              </a:rPr>
+              <a:t>N</a:t>
+            </a:r>
+            <a:r>
+              <a:rPr lang="ru-RU" dirty="0" smtClean="0">
+                <a:latin typeface="Bebas Neue Pro Exp Rg" panose="020B0506020202050201" pitchFamily="34" charset="-52"/>
+              </a:rPr>
+              <a:t>/2</a:t>
+            </a:r>
+            <a:r>
+              <a:rPr lang="en-US" dirty="0" smtClean="0">
+                <a:latin typeface="Bebas Neue Pro Exp Rg" panose="020B0506020202050201" pitchFamily="34" charset="-52"/>
+              </a:rPr>
+              <a:t> </a:t>
+            </a:r>
+            <a:r>
+              <a:rPr lang="ru-RU" dirty="0" smtClean="0">
+                <a:latin typeface="Bebas Neue Pro Exp Rg" panose="020B0506020202050201" pitchFamily="34" charset="-52"/>
+              </a:rPr>
+              <a:t>дисков</a:t>
+            </a:r>
+            <a:endParaRPr lang="en-US" dirty="0">
+              <a:latin typeface="Bebas Neue Pro Exp Rg" panose="020B0506020202050201" pitchFamily="34" charset="-52"/>
+            </a:endParaRPr>
+          </a:p>
+          <a:p>
+            <a:pPr marL="285750" indent="-285750" algn="l">
+              <a:buFont typeface="Arial" panose="020B0604020202020204" pitchFamily="34" charset="0"/>
+              <a:buChar char="•"/>
+            </a:pPr>
+            <a:r>
+              <a:rPr lang="ru-RU" dirty="0" smtClean="0">
+                <a:latin typeface="Bebas Neue Pro Exp Rg" panose="020B0506020202050201" pitchFamily="34" charset="-52"/>
+              </a:rPr>
+              <a:t>Скорость чтения </a:t>
+            </a:r>
+            <a:r>
+              <a:rPr lang="ru-RU" dirty="0" smtClean="0">
+                <a:latin typeface="Bebas Neue Pro Exp Rg" panose="020B0506020202050201" pitchFamily="34" charset="-52"/>
+              </a:rPr>
+              <a:t>высокая; </a:t>
+            </a:r>
+            <a:r>
+              <a:rPr lang="ru-RU" dirty="0" smtClean="0">
+                <a:latin typeface="Bebas Neue Pro Exp Rg" panose="020B0506020202050201" pitchFamily="34" charset="-52"/>
+              </a:rPr>
+              <a:t>скорость записи </a:t>
+            </a:r>
+            <a:r>
+              <a:rPr lang="ru-RU" dirty="0" smtClean="0">
+                <a:latin typeface="Bebas Neue Pro Exp Rg" panose="020B0506020202050201" pitchFamily="34" charset="-52"/>
+              </a:rPr>
+              <a:t>выше </a:t>
+            </a:r>
+            <a:r>
+              <a:rPr lang="en-US" dirty="0" smtClean="0">
+                <a:latin typeface="Bebas Neue Pro Exp Rg" panose="020B0506020202050201" pitchFamily="34" charset="-52"/>
+              </a:rPr>
+              <a:t>RAID 1, </a:t>
+            </a:r>
+            <a:r>
+              <a:rPr lang="ru-RU" dirty="0" smtClean="0">
+                <a:latin typeface="Bebas Neue Pro Exp Rg" panose="020B0506020202050201" pitchFamily="34" charset="-52"/>
+              </a:rPr>
+              <a:t>ниже </a:t>
+            </a:r>
+            <a:r>
+              <a:rPr lang="en-US" dirty="0" smtClean="0">
+                <a:latin typeface="Bebas Neue Pro Exp Rg" panose="020B0506020202050201" pitchFamily="34" charset="-52"/>
+              </a:rPr>
+              <a:t>RAID 0</a:t>
+            </a:r>
+            <a:endParaRPr lang="ru-RU" dirty="0" smtClean="0">
+              <a:latin typeface="Bebas Neue Pro Exp Rg" panose="020B0506020202050201" pitchFamily="34" charset="-52"/>
+            </a:endParaRPr>
+          </a:p>
+          <a:p>
+            <a:pPr marL="285750" indent="-285750" algn="l">
+              <a:buFont typeface="Arial" panose="020B0604020202020204" pitchFamily="34" charset="0"/>
+              <a:buChar char="•"/>
+            </a:pPr>
+            <a:r>
+              <a:rPr lang="ru-RU" dirty="0" smtClean="0">
+                <a:latin typeface="Bebas Neue Pro Exp Rg" panose="020B0506020202050201" pitchFamily="34" charset="-52"/>
+              </a:rPr>
+              <a:t>Выдерживает отказ </a:t>
+            </a:r>
+            <a:r>
+              <a:rPr lang="en-US" dirty="0" smtClean="0">
+                <a:latin typeface="Bebas Neue Pro Exp Rg" panose="020B0506020202050201" pitchFamily="34" charset="-52"/>
+              </a:rPr>
+              <a:t>1</a:t>
+            </a:r>
+            <a:r>
+              <a:rPr lang="ru-RU" dirty="0" smtClean="0">
+                <a:latin typeface="Bebas Neue Pro Exp Rg" panose="020B0506020202050201" pitchFamily="34" charset="-52"/>
+              </a:rPr>
+              <a:t> </a:t>
+            </a:r>
+            <a:r>
+              <a:rPr lang="ru-RU" dirty="0" smtClean="0">
+                <a:latin typeface="Bebas Neue Pro Exp Rg" panose="020B0506020202050201" pitchFamily="34" charset="-52"/>
+              </a:rPr>
+              <a:t>диска в каждой группе </a:t>
+            </a:r>
+            <a:r>
+              <a:rPr lang="en-US" dirty="0" smtClean="0">
+                <a:latin typeface="Bebas Neue Pro Exp Rg" panose="020B0506020202050201" pitchFamily="34" charset="-52"/>
+              </a:rPr>
+              <a:t>RAID 0</a:t>
+            </a:r>
+            <a:endParaRPr lang="ru-RU" dirty="0" smtClean="0">
+              <a:latin typeface="Bebas Neue Pro Exp Rg" panose="020B0506020202050201" pitchFamily="34" charset="-52"/>
+            </a:endParaRPr>
+          </a:p>
+          <a:p>
+            <a:pPr marL="285750" indent="-285750" algn="l">
+              <a:buFont typeface="Arial" panose="020B0604020202020204" pitchFamily="34" charset="0"/>
+              <a:buChar char="•"/>
+            </a:pPr>
+            <a:r>
+              <a:rPr lang="ru-RU" dirty="0" smtClean="0">
+                <a:latin typeface="Bebas Neue Pro Exp Rg" panose="020B0506020202050201" pitchFamily="34" charset="-52"/>
+              </a:rPr>
+              <a:t>Минимум 4 диска</a:t>
+            </a:r>
+          </a:p>
+        </p:txBody>
+      </p:sp>
+      <p:pic>
+        <p:nvPicPr>
+          <p:cNvPr id="6" name="Объект 5"/>
+          <p:cNvPicPr>
+            <a:picLocks noGrp="1" noChangeAspect="1"/>
+          </p:cNvPicPr>
+          <p:nvPr>
+            <p:ph idx="1"/>
+          </p:nvPr>
+        </p:nvPicPr>
+        <p:blipFill>
+          <a:blip r:embed="rId2">
+            <a:extLst>
+              <a:ext uri="{28A0092B-C50C-407E-A947-70E740481C1C}">
+                <a14:useLocalDpi xmlns:a14="http://schemas.microsoft.com/office/drawing/2010/main" val="0"/>
+              </a:ext>
+            </a:extLst>
+          </a:blip>
+          <a:stretch>
+            <a:fillRect/>
+          </a:stretch>
+        </p:blipFill>
+        <p:spPr>
+          <a:xfrm>
+            <a:off x="5262563" y="1542103"/>
+            <a:ext cx="6240462" cy="3392793"/>
+          </a:xfrm>
+        </p:spPr>
+      </p:pic>
+    </p:spTree>
+    <p:extLst>
+      <p:ext uri="{BB962C8B-B14F-4D97-AF65-F5344CB8AC3E}">
+        <p14:creationId xmlns:p14="http://schemas.microsoft.com/office/powerpoint/2010/main" val="2164208609"/>
+      </p:ext>
+    </p:extLst>
+  </p:cSld>
+  <p:clrMapOvr>
+    <a:masterClrMapping/>
+  </p:clrMapOvr>
+  <p:timing>
+    <p:tnLst>
+      <p:par>
+        <p:cTn id="1" dur="indefinite" restart="never" nodeType="tmRoot"/>
+      </p:par>
+    </p:tnLst>
+  </p:timing>
+</p:sld>
+</file>
+
+<file path=ppt/slides/slide16.xml><?xml version="1.0" encoding="utf-8"?>
+<p:sld xmlns:a="http://schemas.openxmlformats.org/drawingml/2006/main" xmlns:r="http://schemas.openxmlformats.org/officeDocument/2006/relationships" xmlns:p="http://schemas.openxmlformats.org/presentationml/2006/main">
+  <p:cSld>
+    <p:spTree>
+      <p:nvGrpSpPr>
+        <p:cNvPr id="1" name=""/>
+        <p:cNvGrpSpPr/>
+        <p:nvPr/>
+      </p:nvGrpSpPr>
+      <p:grpSpPr>
+        <a:xfrm>
+          <a:off x="0" y="0"/>
+          <a:ext cx="0" cy="0"/>
+          <a:chOff x="0" y="0"/>
+          <a:chExt cx="0" cy="0"/>
+        </a:xfrm>
+      </p:grpSpPr>
+      <p:sp>
+        <p:nvSpPr>
+          <p:cNvPr id="2" name="Заголовок 1"/>
+          <p:cNvSpPr>
+            <a:spLocks noGrp="1"/>
+          </p:cNvSpPr>
+          <p:nvPr>
+            <p:ph type="title"/>
+          </p:nvPr>
+        </p:nvSpPr>
+        <p:spPr>
+          <a:xfrm>
+            <a:off x="1484310" y="1809749"/>
+            <a:ext cx="4140000" cy="684000"/>
+          </a:xfrm>
+        </p:spPr>
+        <p:txBody>
+          <a:bodyPr>
+            <a:normAutofit/>
+          </a:bodyPr>
+          <a:lstStyle/>
+          <a:p>
+            <a:r>
+              <a:rPr lang="en-US" sz="3600" dirty="0" smtClean="0">
+                <a:latin typeface="Bebas Neue Pro Exp Eb" panose="020B0706020202050201" pitchFamily="34" charset="-52"/>
+              </a:rPr>
+              <a:t>RAID </a:t>
+            </a:r>
+            <a:r>
+              <a:rPr lang="en-US" sz="3600" dirty="0" smtClean="0">
+                <a:latin typeface="Bebas Neue Pro Exp Eb" panose="020B0706020202050201" pitchFamily="34" charset="-52"/>
+              </a:rPr>
+              <a:t>50</a:t>
+            </a:r>
+            <a:endParaRPr lang="en-US" sz="3600" dirty="0">
+              <a:latin typeface="Bebas Neue Pro Exp Eb" panose="020B0706020202050201" pitchFamily="34" charset="-52"/>
+            </a:endParaRPr>
+          </a:p>
+        </p:txBody>
+      </p:sp>
+      <p:sp>
+        <p:nvSpPr>
+          <p:cNvPr id="4" name="Текст 3"/>
+          <p:cNvSpPr>
+            <a:spLocks noGrp="1"/>
+          </p:cNvSpPr>
+          <p:nvPr>
+            <p:ph type="body" sz="half" idx="2"/>
+          </p:nvPr>
+        </p:nvSpPr>
+        <p:spPr>
+          <a:xfrm>
+            <a:off x="1484311" y="2489533"/>
+            <a:ext cx="3778252" cy="3225600"/>
+          </a:xfrm>
+        </p:spPr>
+        <p:txBody>
+          <a:bodyPr vert="horz" lIns="91440" tIns="45720" rIns="91440" bIns="45720" rtlCol="0" anchor="ctr">
+            <a:normAutofit/>
+          </a:bodyPr>
+          <a:lstStyle/>
+          <a:p>
+            <a:pPr marL="285750" indent="-285750" algn="l">
+              <a:buFont typeface="Arial" panose="020B0604020202020204" pitchFamily="34" charset="0"/>
+              <a:buChar char="•"/>
+            </a:pPr>
+            <a:r>
+              <a:rPr lang="ru-RU" dirty="0" smtClean="0">
+                <a:latin typeface="Bebas Neue Pro Exp Rg" panose="020B0506020202050201" pitchFamily="34" charset="-52"/>
+              </a:rPr>
+              <a:t>Комбинация </a:t>
+            </a:r>
+            <a:r>
+              <a:rPr lang="en-US" dirty="0" smtClean="0">
+                <a:latin typeface="Bebas Neue Pro Exp Rg" panose="020B0506020202050201" pitchFamily="34" charset="-52"/>
+              </a:rPr>
+              <a:t>RAID</a:t>
+            </a:r>
+            <a:r>
+              <a:rPr lang="ru-RU" dirty="0" smtClean="0">
+                <a:latin typeface="Bebas Neue Pro Exp Rg" panose="020B0506020202050201" pitchFamily="34" charset="-52"/>
+              </a:rPr>
+              <a:t> </a:t>
+            </a:r>
+            <a:r>
+              <a:rPr lang="en-US" dirty="0" smtClean="0">
+                <a:latin typeface="Bebas Neue Pro Exp Rg" panose="020B0506020202050201" pitchFamily="34" charset="-52"/>
+              </a:rPr>
+              <a:t>5 </a:t>
+            </a:r>
+            <a:r>
+              <a:rPr lang="ru-RU" dirty="0" smtClean="0">
+                <a:latin typeface="Bebas Neue Pro Exp Rg" panose="020B0506020202050201" pitchFamily="34" charset="-52"/>
+              </a:rPr>
+              <a:t>и </a:t>
+            </a:r>
+            <a:r>
+              <a:rPr lang="en-US" dirty="0" smtClean="0">
+                <a:latin typeface="Bebas Neue Pro Exp Rg" panose="020B0506020202050201" pitchFamily="34" charset="-52"/>
+              </a:rPr>
+              <a:t>RAID 0</a:t>
+            </a:r>
+            <a:endParaRPr lang="ru-RU" dirty="0" smtClean="0">
+              <a:latin typeface="Bebas Neue Pro Exp Rg" panose="020B0506020202050201" pitchFamily="34" charset="-52"/>
+            </a:endParaRPr>
+          </a:p>
+          <a:p>
+            <a:pPr marL="285750" indent="-285750" algn="l">
+              <a:buFont typeface="Arial" panose="020B0604020202020204" pitchFamily="34" charset="0"/>
+              <a:buChar char="•"/>
+            </a:pPr>
+            <a:r>
+              <a:rPr lang="en-US" dirty="0" smtClean="0">
+                <a:latin typeface="Bebas Neue Pro Exp Rg" panose="020B0506020202050201" pitchFamily="34" charset="-52"/>
+              </a:rPr>
+              <a:t>RAID 5</a:t>
+            </a:r>
+            <a:r>
+              <a:rPr lang="ru-RU" dirty="0" smtClean="0">
+                <a:latin typeface="Bebas Neue Pro Exp Rg" panose="020B0506020202050201" pitchFamily="34" charset="-52"/>
+              </a:rPr>
+              <a:t>, поверх </a:t>
+            </a:r>
+            <a:r>
+              <a:rPr lang="ru-RU" dirty="0" err="1" smtClean="0">
+                <a:latin typeface="Bebas Neue Pro Exp Rg" panose="020B0506020202050201" pitchFamily="34" charset="-52"/>
+              </a:rPr>
+              <a:t>страйпинг</a:t>
+            </a:r>
+            <a:endParaRPr lang="ru-RU" dirty="0" smtClean="0">
+              <a:latin typeface="Bebas Neue Pro Exp Rg" panose="020B0506020202050201" pitchFamily="34" charset="-52"/>
+            </a:endParaRPr>
+          </a:p>
+          <a:p>
+            <a:pPr marL="285750" indent="-285750" algn="l">
+              <a:buFont typeface="Arial" panose="020B0604020202020204" pitchFamily="34" charset="0"/>
+              <a:buChar char="•"/>
+            </a:pPr>
+            <a:r>
+              <a:rPr lang="ru-RU" dirty="0" smtClean="0">
+                <a:latin typeface="Bebas Neue Pro Exp Rg" panose="020B0506020202050201" pitchFamily="34" charset="-52"/>
+              </a:rPr>
+              <a:t>Полезный </a:t>
+            </a:r>
+            <a:r>
+              <a:rPr lang="ru-RU" dirty="0">
+                <a:latin typeface="Bebas Neue Pro Exp Rg" panose="020B0506020202050201" pitchFamily="34" charset="-52"/>
+              </a:rPr>
+              <a:t>объем – </a:t>
+            </a:r>
+            <a:r>
+              <a:rPr lang="en-US" dirty="0" smtClean="0">
+                <a:latin typeface="Bebas Neue Pro Exp Rg" panose="020B0506020202050201" pitchFamily="34" charset="-52"/>
+              </a:rPr>
+              <a:t>N</a:t>
+            </a:r>
+            <a:r>
+              <a:rPr lang="ru-RU" dirty="0" smtClean="0">
+                <a:latin typeface="Bebas Neue Pro Exp Rg" panose="020B0506020202050201" pitchFamily="34" charset="-52"/>
+              </a:rPr>
+              <a:t>-</a:t>
+            </a:r>
+            <a:r>
+              <a:rPr lang="en-US" dirty="0" smtClean="0">
+                <a:latin typeface="Bebas Neue Pro Exp Rg" panose="020B0506020202050201" pitchFamily="34" charset="-52"/>
+              </a:rPr>
+              <a:t>k </a:t>
+            </a:r>
+            <a:r>
+              <a:rPr lang="ru-RU" dirty="0" smtClean="0">
+                <a:latin typeface="Bebas Neue Pro Exp Rg" panose="020B0506020202050201" pitchFamily="34" charset="-52"/>
+              </a:rPr>
+              <a:t>дисков</a:t>
+            </a:r>
+            <a:r>
+              <a:rPr lang="en-US" dirty="0" smtClean="0">
+                <a:latin typeface="Bebas Neue Pro Exp Rg" panose="020B0506020202050201" pitchFamily="34" charset="-52"/>
+              </a:rPr>
+              <a:t>, </a:t>
+            </a:r>
+            <a:r>
+              <a:rPr lang="ru-RU" dirty="0" smtClean="0">
+                <a:latin typeface="Bebas Neue Pro Exp Rg" panose="020B0506020202050201" pitchFamily="34" charset="-52"/>
+              </a:rPr>
+              <a:t/>
+            </a:r>
+            <a:br>
+              <a:rPr lang="ru-RU" dirty="0" smtClean="0">
+                <a:latin typeface="Bebas Neue Pro Exp Rg" panose="020B0506020202050201" pitchFamily="34" charset="-52"/>
+              </a:rPr>
+            </a:br>
+            <a:r>
+              <a:rPr lang="en-US" dirty="0" smtClean="0">
+                <a:latin typeface="Bebas Neue Pro Exp Rg" panose="020B0506020202050201" pitchFamily="34" charset="-52"/>
+              </a:rPr>
+              <a:t>k – </a:t>
+            </a:r>
+            <a:r>
+              <a:rPr lang="ru-RU" dirty="0" smtClean="0">
+                <a:latin typeface="Bebas Neue Pro Exp Rg" panose="020B0506020202050201" pitchFamily="34" charset="-52"/>
+              </a:rPr>
+              <a:t>количество групп </a:t>
+            </a:r>
+            <a:r>
+              <a:rPr lang="en-US" dirty="0" smtClean="0">
+                <a:latin typeface="Bebas Neue Pro Exp Rg" panose="020B0506020202050201" pitchFamily="34" charset="-52"/>
+              </a:rPr>
+              <a:t>RAID 5</a:t>
+            </a:r>
+            <a:endParaRPr lang="en-US" dirty="0">
+              <a:latin typeface="Bebas Neue Pro Exp Rg" panose="020B0506020202050201" pitchFamily="34" charset="-52"/>
+            </a:endParaRPr>
+          </a:p>
+          <a:p>
+            <a:pPr marL="285750" indent="-285750" algn="l">
+              <a:buFont typeface="Arial" panose="020B0604020202020204" pitchFamily="34" charset="0"/>
+              <a:buChar char="•"/>
+            </a:pPr>
+            <a:r>
+              <a:rPr lang="ru-RU" dirty="0" smtClean="0">
+                <a:latin typeface="Bebas Neue Pro Exp Rg" panose="020B0506020202050201" pitchFamily="34" charset="-52"/>
+              </a:rPr>
+              <a:t>Скорость чтения </a:t>
+            </a:r>
+            <a:r>
+              <a:rPr lang="ru-RU" dirty="0" smtClean="0">
+                <a:latin typeface="Bebas Neue Pro Exp Rg" panose="020B0506020202050201" pitchFamily="34" charset="-52"/>
+              </a:rPr>
+              <a:t>очень высокая; </a:t>
+            </a:r>
+            <a:r>
+              <a:rPr lang="ru-RU" dirty="0" smtClean="0">
+                <a:latin typeface="Bebas Neue Pro Exp Rg" panose="020B0506020202050201" pitchFamily="34" charset="-52"/>
+              </a:rPr>
+              <a:t>скорость записи </a:t>
+            </a:r>
+            <a:r>
+              <a:rPr lang="ru-RU" dirty="0" smtClean="0">
+                <a:latin typeface="Bebas Neue Pro Exp Rg" panose="020B0506020202050201" pitchFamily="34" charset="-52"/>
+              </a:rPr>
+              <a:t>выше </a:t>
+            </a:r>
+            <a:r>
+              <a:rPr lang="en-US" dirty="0" smtClean="0">
+                <a:latin typeface="Bebas Neue Pro Exp Rg" panose="020B0506020202050201" pitchFamily="34" charset="-52"/>
+              </a:rPr>
+              <a:t>RAID 5, </a:t>
+            </a:r>
+            <a:r>
+              <a:rPr lang="ru-RU" dirty="0" smtClean="0">
+                <a:latin typeface="Bebas Neue Pro Exp Rg" panose="020B0506020202050201" pitchFamily="34" charset="-52"/>
+              </a:rPr>
+              <a:t>ниже </a:t>
+            </a:r>
+            <a:r>
+              <a:rPr lang="en-US" dirty="0" smtClean="0">
+                <a:latin typeface="Bebas Neue Pro Exp Rg" panose="020B0506020202050201" pitchFamily="34" charset="-52"/>
+              </a:rPr>
+              <a:t>RAID 0</a:t>
+            </a:r>
+            <a:endParaRPr lang="ru-RU" dirty="0" smtClean="0">
+              <a:latin typeface="Bebas Neue Pro Exp Rg" panose="020B0506020202050201" pitchFamily="34" charset="-52"/>
+            </a:endParaRPr>
+          </a:p>
+          <a:p>
+            <a:pPr marL="285750" indent="-285750" algn="l">
+              <a:buFont typeface="Arial" panose="020B0604020202020204" pitchFamily="34" charset="0"/>
+              <a:buChar char="•"/>
+            </a:pPr>
+            <a:r>
+              <a:rPr lang="ru-RU" dirty="0" smtClean="0">
+                <a:latin typeface="Bebas Neue Pro Exp Rg" panose="020B0506020202050201" pitchFamily="34" charset="-52"/>
+              </a:rPr>
+              <a:t>Выдерживает отказ </a:t>
+            </a:r>
+            <a:r>
+              <a:rPr lang="en-US" dirty="0" smtClean="0">
+                <a:latin typeface="Bebas Neue Pro Exp Rg" panose="020B0506020202050201" pitchFamily="34" charset="-52"/>
+              </a:rPr>
+              <a:t>1</a:t>
+            </a:r>
+            <a:r>
+              <a:rPr lang="ru-RU" dirty="0" smtClean="0">
+                <a:latin typeface="Bebas Neue Pro Exp Rg" panose="020B0506020202050201" pitchFamily="34" charset="-52"/>
+              </a:rPr>
+              <a:t> </a:t>
+            </a:r>
+            <a:r>
+              <a:rPr lang="ru-RU" dirty="0" smtClean="0">
+                <a:latin typeface="Bebas Neue Pro Exp Rg" panose="020B0506020202050201" pitchFamily="34" charset="-52"/>
+              </a:rPr>
+              <a:t>диска в каждой группе </a:t>
+            </a:r>
+            <a:r>
+              <a:rPr lang="en-US" dirty="0" smtClean="0">
+                <a:latin typeface="Bebas Neue Pro Exp Rg" panose="020B0506020202050201" pitchFamily="34" charset="-52"/>
+              </a:rPr>
+              <a:t>RAID </a:t>
+            </a:r>
+            <a:r>
+              <a:rPr lang="ru-RU" dirty="0" smtClean="0">
+                <a:latin typeface="Bebas Neue Pro Exp Rg" panose="020B0506020202050201" pitchFamily="34" charset="-52"/>
+              </a:rPr>
+              <a:t>5</a:t>
+            </a:r>
+          </a:p>
+          <a:p>
+            <a:pPr marL="285750" indent="-285750" algn="l">
+              <a:buFont typeface="Arial" panose="020B0604020202020204" pitchFamily="34" charset="0"/>
+              <a:buChar char="•"/>
+            </a:pPr>
+            <a:r>
+              <a:rPr lang="ru-RU" dirty="0" smtClean="0">
+                <a:latin typeface="Bebas Neue Pro Exp Rg" panose="020B0506020202050201" pitchFamily="34" charset="-52"/>
+              </a:rPr>
+              <a:t>Минимум 6 дисков</a:t>
+            </a:r>
+          </a:p>
+        </p:txBody>
+      </p:sp>
+      <p:pic>
+        <p:nvPicPr>
+          <p:cNvPr id="5" name="Объект 4"/>
+          <p:cNvPicPr>
+            <a:picLocks noGrp="1" noChangeAspect="1"/>
+          </p:cNvPicPr>
+          <p:nvPr>
+            <p:ph idx="1"/>
+          </p:nvPr>
+        </p:nvPicPr>
+        <p:blipFill>
+          <a:blip r:embed="rId2">
+            <a:extLst>
+              <a:ext uri="{28A0092B-C50C-407E-A947-70E740481C1C}">
+                <a14:useLocalDpi xmlns:a14="http://schemas.microsoft.com/office/drawing/2010/main" val="0"/>
+              </a:ext>
+            </a:extLst>
+          </a:blip>
+          <a:stretch>
+            <a:fillRect/>
+          </a:stretch>
+        </p:blipFill>
+        <p:spPr>
+          <a:xfrm>
+            <a:off x="5262563" y="1544312"/>
+            <a:ext cx="6240462" cy="3388375"/>
+          </a:xfrm>
+        </p:spPr>
+      </p:pic>
+    </p:spTree>
+    <p:extLst>
+      <p:ext uri="{BB962C8B-B14F-4D97-AF65-F5344CB8AC3E}">
+        <p14:creationId xmlns:p14="http://schemas.microsoft.com/office/powerpoint/2010/main" val="214994517"/>
+      </p:ext>
+    </p:extLst>
+  </p:cSld>
+  <p:clrMapOvr>
+    <a:masterClrMapping/>
+  </p:clrMapOvr>
+  <p:timing>
+    <p:tnLst>
+      <p:par>
+        <p:cTn id="1" dur="indefinite" restart="never" nodeType="tmRoot"/>
+      </p:par>
+    </p:tnLst>
+  </p:timing>
+</p:sld>
+</file>
+
+<file path=ppt/slides/slide17.xml><?xml version="1.0" encoding="utf-8"?>
+<p:sld xmlns:a="http://schemas.openxmlformats.org/drawingml/2006/main" xmlns:r="http://schemas.openxmlformats.org/officeDocument/2006/relationships" xmlns:p="http://schemas.openxmlformats.org/presentationml/2006/main">
+  <p:cSld>
+    <p:spTree>
+      <p:nvGrpSpPr>
+        <p:cNvPr id="1" name=""/>
+        <p:cNvGrpSpPr/>
+        <p:nvPr/>
+      </p:nvGrpSpPr>
+      <p:grpSpPr>
+        <a:xfrm>
+          <a:off x="0" y="0"/>
+          <a:ext cx="0" cy="0"/>
+          <a:chOff x="0" y="0"/>
+          <a:chExt cx="0" cy="0"/>
+        </a:xfrm>
+      </p:grpSpPr>
+      <p:sp>
+        <p:nvSpPr>
+          <p:cNvPr id="2" name="Заголовок 1"/>
+          <p:cNvSpPr>
+            <a:spLocks noGrp="1"/>
+          </p:cNvSpPr>
+          <p:nvPr>
+            <p:ph type="title"/>
+          </p:nvPr>
+        </p:nvSpPr>
+        <p:spPr>
+          <a:xfrm>
+            <a:off x="1484310" y="1809749"/>
+            <a:ext cx="4140000" cy="684000"/>
+          </a:xfrm>
+        </p:spPr>
+        <p:txBody>
+          <a:bodyPr>
+            <a:normAutofit/>
+          </a:bodyPr>
+          <a:lstStyle/>
+          <a:p>
+            <a:r>
+              <a:rPr lang="en-US" sz="3600" dirty="0" smtClean="0">
+                <a:latin typeface="Bebas Neue Pro Exp Eb" panose="020B0706020202050201" pitchFamily="34" charset="-52"/>
+              </a:rPr>
+              <a:t>RAID </a:t>
+            </a:r>
+            <a:r>
+              <a:rPr lang="ru-RU" sz="3600" dirty="0" smtClean="0">
+                <a:latin typeface="Bebas Neue Pro Exp Eb" panose="020B0706020202050201" pitchFamily="34" charset="-52"/>
+              </a:rPr>
+              <a:t>6</a:t>
+            </a:r>
+            <a:r>
+              <a:rPr lang="en-US" sz="3600" dirty="0" smtClean="0">
+                <a:latin typeface="Bebas Neue Pro Exp Eb" panose="020B0706020202050201" pitchFamily="34" charset="-52"/>
+              </a:rPr>
+              <a:t>0</a:t>
+            </a:r>
+            <a:endParaRPr lang="en-US" sz="3600" dirty="0">
+              <a:latin typeface="Bebas Neue Pro Exp Eb" panose="020B0706020202050201" pitchFamily="34" charset="-52"/>
+            </a:endParaRPr>
+          </a:p>
+        </p:txBody>
+      </p:sp>
+      <p:sp>
+        <p:nvSpPr>
+          <p:cNvPr id="4" name="Текст 3"/>
+          <p:cNvSpPr>
+            <a:spLocks noGrp="1"/>
+          </p:cNvSpPr>
+          <p:nvPr>
+            <p:ph type="body" sz="half" idx="2"/>
+          </p:nvPr>
+        </p:nvSpPr>
+        <p:spPr>
+          <a:xfrm>
+            <a:off x="1484311" y="2489533"/>
+            <a:ext cx="3778252" cy="3225600"/>
+          </a:xfrm>
+        </p:spPr>
+        <p:txBody>
+          <a:bodyPr vert="horz" lIns="91440" tIns="45720" rIns="91440" bIns="45720" rtlCol="0" anchor="ctr">
+            <a:normAutofit/>
+          </a:bodyPr>
+          <a:lstStyle/>
+          <a:p>
+            <a:pPr marL="285750" indent="-285750" algn="l">
+              <a:buFont typeface="Arial" panose="020B0604020202020204" pitchFamily="34" charset="0"/>
+              <a:buChar char="•"/>
+            </a:pPr>
+            <a:r>
+              <a:rPr lang="ru-RU" dirty="0" smtClean="0">
+                <a:latin typeface="Bebas Neue Pro Exp Rg" panose="020B0506020202050201" pitchFamily="34" charset="-52"/>
+              </a:rPr>
+              <a:t>Комбинация </a:t>
+            </a:r>
+            <a:r>
+              <a:rPr lang="en-US" dirty="0" smtClean="0">
+                <a:latin typeface="Bebas Neue Pro Exp Rg" panose="020B0506020202050201" pitchFamily="34" charset="-52"/>
+              </a:rPr>
+              <a:t>RAID</a:t>
+            </a:r>
+            <a:r>
+              <a:rPr lang="ru-RU" dirty="0" smtClean="0">
+                <a:latin typeface="Bebas Neue Pro Exp Rg" panose="020B0506020202050201" pitchFamily="34" charset="-52"/>
+              </a:rPr>
+              <a:t> 6</a:t>
+            </a:r>
+            <a:r>
+              <a:rPr lang="en-US" dirty="0" smtClean="0">
+                <a:latin typeface="Bebas Neue Pro Exp Rg" panose="020B0506020202050201" pitchFamily="34" charset="-52"/>
+              </a:rPr>
+              <a:t> </a:t>
+            </a:r>
+            <a:r>
+              <a:rPr lang="ru-RU" dirty="0" smtClean="0">
+                <a:latin typeface="Bebas Neue Pro Exp Rg" panose="020B0506020202050201" pitchFamily="34" charset="-52"/>
+              </a:rPr>
+              <a:t>и </a:t>
+            </a:r>
+            <a:r>
+              <a:rPr lang="en-US" dirty="0" smtClean="0">
+                <a:latin typeface="Bebas Neue Pro Exp Rg" panose="020B0506020202050201" pitchFamily="34" charset="-52"/>
+              </a:rPr>
+              <a:t>RAID 0</a:t>
+            </a:r>
+            <a:endParaRPr lang="ru-RU" dirty="0" smtClean="0">
+              <a:latin typeface="Bebas Neue Pro Exp Rg" panose="020B0506020202050201" pitchFamily="34" charset="-52"/>
+            </a:endParaRPr>
+          </a:p>
+          <a:p>
+            <a:pPr marL="285750" indent="-285750" algn="l">
+              <a:buFont typeface="Arial" panose="020B0604020202020204" pitchFamily="34" charset="0"/>
+              <a:buChar char="•"/>
+            </a:pPr>
+            <a:r>
+              <a:rPr lang="en-US" dirty="0" smtClean="0">
+                <a:latin typeface="Bebas Neue Pro Exp Rg" panose="020B0506020202050201" pitchFamily="34" charset="-52"/>
+              </a:rPr>
+              <a:t>RAID </a:t>
+            </a:r>
+            <a:r>
+              <a:rPr lang="ru-RU" dirty="0" smtClean="0">
+                <a:latin typeface="Bebas Neue Pro Exp Rg" panose="020B0506020202050201" pitchFamily="34" charset="-52"/>
+              </a:rPr>
+              <a:t>6, поверх </a:t>
+            </a:r>
+            <a:r>
+              <a:rPr lang="ru-RU" dirty="0" err="1" smtClean="0">
+                <a:latin typeface="Bebas Neue Pro Exp Rg" panose="020B0506020202050201" pitchFamily="34" charset="-52"/>
+              </a:rPr>
+              <a:t>страйпинг</a:t>
+            </a:r>
+            <a:endParaRPr lang="ru-RU" dirty="0" smtClean="0">
+              <a:latin typeface="Bebas Neue Pro Exp Rg" panose="020B0506020202050201" pitchFamily="34" charset="-52"/>
+            </a:endParaRPr>
+          </a:p>
+          <a:p>
+            <a:pPr marL="285750" indent="-285750" algn="l">
+              <a:buFont typeface="Arial" panose="020B0604020202020204" pitchFamily="34" charset="0"/>
+              <a:buChar char="•"/>
+            </a:pPr>
+            <a:r>
+              <a:rPr lang="ru-RU" dirty="0" smtClean="0">
+                <a:latin typeface="Bebas Neue Pro Exp Rg" panose="020B0506020202050201" pitchFamily="34" charset="-52"/>
+              </a:rPr>
+              <a:t>Полезный </a:t>
+            </a:r>
+            <a:r>
+              <a:rPr lang="ru-RU" dirty="0">
+                <a:latin typeface="Bebas Neue Pro Exp Rg" panose="020B0506020202050201" pitchFamily="34" charset="-52"/>
+              </a:rPr>
+              <a:t>объем – </a:t>
+            </a:r>
+            <a:r>
+              <a:rPr lang="en-US" dirty="0" smtClean="0">
+                <a:latin typeface="Bebas Neue Pro Exp Rg" panose="020B0506020202050201" pitchFamily="34" charset="-52"/>
+              </a:rPr>
+              <a:t>N</a:t>
+            </a:r>
+            <a:r>
+              <a:rPr lang="ru-RU" dirty="0" smtClean="0">
+                <a:latin typeface="Bebas Neue Pro Exp Rg" panose="020B0506020202050201" pitchFamily="34" charset="-52"/>
+              </a:rPr>
+              <a:t>-2</a:t>
+            </a:r>
+            <a:r>
+              <a:rPr lang="en-US" dirty="0" smtClean="0">
+                <a:latin typeface="Bebas Neue Pro Exp Rg" panose="020B0506020202050201" pitchFamily="34" charset="-52"/>
+              </a:rPr>
+              <a:t>k </a:t>
+            </a:r>
+            <a:r>
+              <a:rPr lang="ru-RU" dirty="0" smtClean="0">
+                <a:latin typeface="Bebas Neue Pro Exp Rg" panose="020B0506020202050201" pitchFamily="34" charset="-52"/>
+              </a:rPr>
+              <a:t>дисков</a:t>
+            </a:r>
+            <a:r>
+              <a:rPr lang="en-US" dirty="0" smtClean="0">
+                <a:latin typeface="Bebas Neue Pro Exp Rg" panose="020B0506020202050201" pitchFamily="34" charset="-52"/>
+              </a:rPr>
+              <a:t>, </a:t>
+            </a:r>
+            <a:r>
+              <a:rPr lang="ru-RU" dirty="0" smtClean="0">
+                <a:latin typeface="Bebas Neue Pro Exp Rg" panose="020B0506020202050201" pitchFamily="34" charset="-52"/>
+              </a:rPr>
+              <a:t/>
+            </a:r>
+            <a:br>
+              <a:rPr lang="ru-RU" dirty="0" smtClean="0">
+                <a:latin typeface="Bebas Neue Pro Exp Rg" panose="020B0506020202050201" pitchFamily="34" charset="-52"/>
+              </a:rPr>
+            </a:br>
+            <a:r>
+              <a:rPr lang="en-US" dirty="0" smtClean="0">
+                <a:latin typeface="Bebas Neue Pro Exp Rg" panose="020B0506020202050201" pitchFamily="34" charset="-52"/>
+              </a:rPr>
+              <a:t>k – </a:t>
+            </a:r>
+            <a:r>
+              <a:rPr lang="ru-RU" dirty="0" smtClean="0">
+                <a:latin typeface="Bebas Neue Pro Exp Rg" panose="020B0506020202050201" pitchFamily="34" charset="-52"/>
+              </a:rPr>
+              <a:t>количество групп </a:t>
+            </a:r>
+            <a:r>
+              <a:rPr lang="en-US" dirty="0" smtClean="0">
+                <a:latin typeface="Bebas Neue Pro Exp Rg" panose="020B0506020202050201" pitchFamily="34" charset="-52"/>
+              </a:rPr>
+              <a:t>RAID </a:t>
+            </a:r>
+            <a:r>
+              <a:rPr lang="ru-RU" dirty="0" smtClean="0">
+                <a:latin typeface="Bebas Neue Pro Exp Rg" panose="020B0506020202050201" pitchFamily="34" charset="-52"/>
+              </a:rPr>
+              <a:t>6</a:t>
+            </a:r>
+            <a:endParaRPr lang="en-US" dirty="0">
+              <a:latin typeface="Bebas Neue Pro Exp Rg" panose="020B0506020202050201" pitchFamily="34" charset="-52"/>
+            </a:endParaRPr>
+          </a:p>
+          <a:p>
+            <a:pPr marL="285750" indent="-285750" algn="l">
+              <a:buFont typeface="Arial" panose="020B0604020202020204" pitchFamily="34" charset="0"/>
+              <a:buChar char="•"/>
+            </a:pPr>
+            <a:r>
+              <a:rPr lang="ru-RU" dirty="0" smtClean="0">
+                <a:latin typeface="Bebas Neue Pro Exp Rg" panose="020B0506020202050201" pitchFamily="34" charset="-52"/>
+              </a:rPr>
+              <a:t>Скорость чтения </a:t>
+            </a:r>
+            <a:r>
+              <a:rPr lang="ru-RU" dirty="0" smtClean="0">
+                <a:latin typeface="Bebas Neue Pro Exp Rg" panose="020B0506020202050201" pitchFamily="34" charset="-52"/>
+              </a:rPr>
+              <a:t>очень высокая; </a:t>
+            </a:r>
+            <a:r>
+              <a:rPr lang="ru-RU" dirty="0" smtClean="0">
+                <a:latin typeface="Bebas Neue Pro Exp Rg" panose="020B0506020202050201" pitchFamily="34" charset="-52"/>
+              </a:rPr>
+              <a:t>скорость записи </a:t>
+            </a:r>
+            <a:r>
+              <a:rPr lang="ru-RU" dirty="0" smtClean="0">
+                <a:latin typeface="Bebas Neue Pro Exp Rg" panose="020B0506020202050201" pitchFamily="34" charset="-52"/>
+              </a:rPr>
+              <a:t>выше </a:t>
+            </a:r>
+            <a:r>
+              <a:rPr lang="en-US" dirty="0" smtClean="0">
+                <a:latin typeface="Bebas Neue Pro Exp Rg" panose="020B0506020202050201" pitchFamily="34" charset="-52"/>
+              </a:rPr>
+              <a:t>RAID </a:t>
+            </a:r>
+            <a:r>
+              <a:rPr lang="ru-RU" dirty="0" smtClean="0">
+                <a:latin typeface="Bebas Neue Pro Exp Rg" panose="020B0506020202050201" pitchFamily="34" charset="-52"/>
+              </a:rPr>
+              <a:t>6</a:t>
+            </a:r>
+            <a:r>
+              <a:rPr lang="en-US" dirty="0" smtClean="0">
+                <a:latin typeface="Bebas Neue Pro Exp Rg" panose="020B0506020202050201" pitchFamily="34" charset="-52"/>
+              </a:rPr>
+              <a:t>, </a:t>
+            </a:r>
+            <a:r>
+              <a:rPr lang="ru-RU" dirty="0" smtClean="0">
+                <a:latin typeface="Bebas Neue Pro Exp Rg" panose="020B0506020202050201" pitchFamily="34" charset="-52"/>
+              </a:rPr>
+              <a:t>ниже </a:t>
+            </a:r>
+            <a:r>
+              <a:rPr lang="en-US" dirty="0" smtClean="0">
+                <a:latin typeface="Bebas Neue Pro Exp Rg" panose="020B0506020202050201" pitchFamily="34" charset="-52"/>
+              </a:rPr>
+              <a:t>RAID 0</a:t>
+            </a:r>
+            <a:endParaRPr lang="ru-RU" dirty="0" smtClean="0">
+              <a:latin typeface="Bebas Neue Pro Exp Rg" panose="020B0506020202050201" pitchFamily="34" charset="-52"/>
+            </a:endParaRPr>
+          </a:p>
+          <a:p>
+            <a:pPr marL="285750" indent="-285750" algn="l">
+              <a:buFont typeface="Arial" panose="020B0604020202020204" pitchFamily="34" charset="0"/>
+              <a:buChar char="•"/>
+            </a:pPr>
+            <a:r>
+              <a:rPr lang="ru-RU" dirty="0" smtClean="0">
+                <a:latin typeface="Bebas Neue Pro Exp Rg" panose="020B0506020202050201" pitchFamily="34" charset="-52"/>
+              </a:rPr>
+              <a:t>Выдерживает отказ </a:t>
+            </a:r>
+            <a:r>
+              <a:rPr lang="ru-RU" dirty="0" smtClean="0">
+                <a:latin typeface="Bebas Neue Pro Exp Rg" panose="020B0506020202050201" pitchFamily="34" charset="-52"/>
+              </a:rPr>
+              <a:t>2 дисков в каждой группе </a:t>
+            </a:r>
+            <a:r>
+              <a:rPr lang="en-US" dirty="0" smtClean="0">
+                <a:latin typeface="Bebas Neue Pro Exp Rg" panose="020B0506020202050201" pitchFamily="34" charset="-52"/>
+              </a:rPr>
+              <a:t>RAID </a:t>
+            </a:r>
+            <a:r>
+              <a:rPr lang="ru-RU" dirty="0" smtClean="0">
+                <a:latin typeface="Bebas Neue Pro Exp Rg" panose="020B0506020202050201" pitchFamily="34" charset="-52"/>
+              </a:rPr>
+              <a:t>6</a:t>
+            </a:r>
+          </a:p>
+          <a:p>
+            <a:pPr marL="285750" indent="-285750" algn="l">
+              <a:buFont typeface="Arial" panose="020B0604020202020204" pitchFamily="34" charset="0"/>
+              <a:buChar char="•"/>
+            </a:pPr>
+            <a:r>
+              <a:rPr lang="ru-RU" dirty="0" smtClean="0">
+                <a:latin typeface="Bebas Neue Pro Exp Rg" panose="020B0506020202050201" pitchFamily="34" charset="-52"/>
+              </a:rPr>
+              <a:t>Минимум 8 дисков</a:t>
+            </a:r>
+          </a:p>
+        </p:txBody>
+      </p:sp>
+      <p:pic>
+        <p:nvPicPr>
+          <p:cNvPr id="6" name="Объект 5"/>
+          <p:cNvPicPr>
+            <a:picLocks noGrp="1" noChangeAspect="1"/>
+          </p:cNvPicPr>
+          <p:nvPr>
+            <p:ph idx="1"/>
+          </p:nvPr>
+        </p:nvPicPr>
+        <p:blipFill>
+          <a:blip r:embed="rId2">
+            <a:extLst>
+              <a:ext uri="{28A0092B-C50C-407E-A947-70E740481C1C}">
+                <a14:useLocalDpi xmlns:a14="http://schemas.microsoft.com/office/drawing/2010/main" val="0"/>
+              </a:ext>
+            </a:extLst>
+          </a:blip>
+          <a:stretch>
+            <a:fillRect/>
+          </a:stretch>
+        </p:blipFill>
+        <p:spPr>
+          <a:xfrm>
+            <a:off x="5262563" y="1542103"/>
+            <a:ext cx="6240462" cy="3392793"/>
+          </a:xfrm>
+        </p:spPr>
+      </p:pic>
+    </p:spTree>
+    <p:extLst>
+      <p:ext uri="{BB962C8B-B14F-4D97-AF65-F5344CB8AC3E}">
+        <p14:creationId xmlns:p14="http://schemas.microsoft.com/office/powerpoint/2010/main" val="3236907689"/>
+      </p:ext>
+    </p:extLst>
+  </p:cSld>
+  <p:clrMapOvr>
+    <a:masterClrMapping/>
+  </p:clrMapOvr>
+  <p:timing>
+    <p:tnLst>
+      <p:par>
+        <p:cTn id="1" dur="indefinite" restart="never" nodeType="tmRoot"/>
+      </p:par>
+    </p:tnLst>
+  </p:timing>
+</p:sld>
+</file>
+
+<file path=ppt/slides/slide18.xml><?xml version="1.0" encoding="utf-8"?>
+<p:sld xmlns:a="http://schemas.openxmlformats.org/drawingml/2006/main" xmlns:r="http://schemas.openxmlformats.org/officeDocument/2006/relationships" xmlns:p="http://schemas.openxmlformats.org/presentationml/2006/main">
+  <p:cSld>
+    <p:spTree>
+      <p:nvGrpSpPr>
+        <p:cNvPr id="1" name=""/>
+        <p:cNvGrpSpPr/>
+        <p:nvPr/>
+      </p:nvGrpSpPr>
+      <p:grpSpPr>
+        <a:xfrm>
+          <a:off x="0" y="0"/>
+          <a:ext cx="0" cy="0"/>
+          <a:chOff x="0" y="0"/>
+          <a:chExt cx="0" cy="0"/>
+        </a:xfrm>
+      </p:grpSpPr>
+      <p:sp>
+        <p:nvSpPr>
+          <p:cNvPr id="2" name="Заголовок 1"/>
+          <p:cNvSpPr>
+            <a:spLocks noGrp="1"/>
+          </p:cNvSpPr>
+          <p:nvPr>
+            <p:ph type="title"/>
+          </p:nvPr>
+        </p:nvSpPr>
+        <p:spPr/>
+        <p:txBody>
+          <a:bodyPr/>
+          <a:lstStyle/>
+          <a:p>
+            <a:r>
+              <a:rPr lang="ru-RU" dirty="0" smtClean="0">
+                <a:latin typeface="Bebas Neue Pro Exp Eb" panose="020B0706020202050201" pitchFamily="34" charset="-52"/>
+              </a:rPr>
+              <a:t>Практическое применение </a:t>
+            </a:r>
+            <a:r>
+              <a:rPr lang="en-US" dirty="0" smtClean="0">
+                <a:latin typeface="Bebas Neue Pro Exp Eb" panose="020B0706020202050201" pitchFamily="34" charset="-52"/>
+              </a:rPr>
+              <a:t>RAID</a:t>
+            </a:r>
+            <a:endParaRPr lang="en-US" dirty="0">
+              <a:latin typeface="Bebas Neue Pro Exp Eb" panose="020B0706020202050201" pitchFamily="34" charset="-52"/>
+            </a:endParaRPr>
+          </a:p>
+        </p:txBody>
+      </p:sp>
+      <p:sp>
+        <p:nvSpPr>
+          <p:cNvPr id="3" name="Объект 2"/>
+          <p:cNvSpPr>
+            <a:spLocks noGrp="1"/>
+          </p:cNvSpPr>
+          <p:nvPr>
+            <p:ph sz="half" idx="1"/>
+          </p:nvPr>
+        </p:nvSpPr>
+        <p:spPr/>
+        <p:txBody>
+          <a:bodyPr/>
+          <a:lstStyle/>
+          <a:p>
+            <a:r>
+              <a:rPr lang="ru-RU" dirty="0" smtClean="0">
+                <a:latin typeface="Bebas Neue Pro Exp Rg" panose="020B0506020202050201" pitchFamily="34" charset="-52"/>
+              </a:rPr>
+              <a:t>Используется от домашних ПК до дата-центров</a:t>
+            </a:r>
+          </a:p>
+          <a:p>
+            <a:r>
+              <a:rPr lang="ru-RU" dirty="0" smtClean="0">
+                <a:latin typeface="Bebas Neue Pro Exp Rg" panose="020B0506020202050201" pitchFamily="34" charset="-52"/>
+              </a:rPr>
+              <a:t>Реализуется </a:t>
+            </a:r>
+            <a:r>
+              <a:rPr lang="ru-RU" dirty="0" err="1" smtClean="0">
+                <a:latin typeface="Bebas Neue Pro Exp Rg" panose="020B0506020202050201" pitchFamily="34" charset="-52"/>
+              </a:rPr>
+              <a:t>программно</a:t>
+            </a:r>
+            <a:r>
+              <a:rPr lang="ru-RU" dirty="0" smtClean="0">
+                <a:latin typeface="Bebas Neue Pro Exp Rg" panose="020B0506020202050201" pitchFamily="34" charset="-52"/>
+              </a:rPr>
+              <a:t> или </a:t>
+            </a:r>
+            <a:r>
+              <a:rPr lang="ru-RU" dirty="0" err="1" smtClean="0">
+                <a:latin typeface="Bebas Neue Pro Exp Rg" panose="020B0506020202050201" pitchFamily="34" charset="-52"/>
+              </a:rPr>
+              <a:t>аппаратно</a:t>
+            </a:r>
+            <a:endParaRPr lang="ru-RU" dirty="0" smtClean="0">
+              <a:latin typeface="Bebas Neue Pro Exp Rg" panose="020B0506020202050201" pitchFamily="34" charset="-52"/>
+            </a:endParaRPr>
+          </a:p>
+          <a:p>
+            <a:r>
+              <a:rPr lang="ru-RU" dirty="0" smtClean="0">
+                <a:latin typeface="Bebas Neue Pro Exp Rg" panose="020B0506020202050201" pitchFamily="34" charset="-52"/>
+              </a:rPr>
+              <a:t>Выбор уровня </a:t>
+            </a:r>
+            <a:r>
+              <a:rPr lang="en-US" dirty="0" smtClean="0">
+                <a:latin typeface="Bebas Neue Pro Exp Rg" panose="020B0506020202050201" pitchFamily="34" charset="-52"/>
+              </a:rPr>
+              <a:t>RAID </a:t>
+            </a:r>
+            <a:r>
+              <a:rPr lang="ru-RU" dirty="0" smtClean="0">
+                <a:latin typeface="Bebas Neue Pro Exp Rg" panose="020B0506020202050201" pitchFamily="34" charset="-52"/>
+              </a:rPr>
+              <a:t>зависит от задач и бюджета</a:t>
+            </a:r>
+            <a:endParaRPr lang="en-US" dirty="0">
+              <a:latin typeface="Bebas Neue Pro Exp Rg" panose="020B0506020202050201" pitchFamily="34" charset="-52"/>
+            </a:endParaRPr>
+          </a:p>
+        </p:txBody>
+      </p:sp>
+      <p:graphicFrame>
+        <p:nvGraphicFramePr>
+          <p:cNvPr id="5" name="Объект 4"/>
+          <p:cNvGraphicFramePr>
+            <a:graphicFrameLocks noGrp="1"/>
+          </p:cNvGraphicFramePr>
+          <p:nvPr>
+            <p:ph sz="half" idx="2"/>
+            <p:extLst>
+              <p:ext uri="{D42A27DB-BD31-4B8C-83A1-F6EECF244321}">
+                <p14:modId xmlns:p14="http://schemas.microsoft.com/office/powerpoint/2010/main" val="1110525342"/>
+              </p:ext>
+            </p:extLst>
+          </p:nvPr>
+        </p:nvGraphicFramePr>
+        <p:xfrm>
+          <a:off x="6607175" y="2667000"/>
+          <a:ext cx="4895850" cy="3124201"/>
+        </p:xfrm>
+        <a:graphic>
+          <a:graphicData uri="http://schemas.openxmlformats.org/drawingml/2006/table">
+            <a:tbl>
+              <a:tblPr firstRow="1" bandRow="1">
+                <a:tableStyleId>{073A0DAA-6AF3-43AB-8588-CEC1D06C72B9}</a:tableStyleId>
+              </a:tblPr>
+              <a:tblGrid>
+                <a:gridCol w="2447925">
+                  <a:extLst>
+                    <a:ext uri="{9D8B030D-6E8A-4147-A177-3AD203B41FA5}">
+                      <a16:colId xmlns:a16="http://schemas.microsoft.com/office/drawing/2014/main" val="3427135209"/>
+                    </a:ext>
+                  </a:extLst>
+                </a:gridCol>
+                <a:gridCol w="2447925">
+                  <a:extLst>
+                    <a:ext uri="{9D8B030D-6E8A-4147-A177-3AD203B41FA5}">
+                      <a16:colId xmlns:a16="http://schemas.microsoft.com/office/drawing/2014/main" val="241554504"/>
+                    </a:ext>
+                  </a:extLst>
+                </a:gridCol>
+              </a:tblGrid>
+              <a:tr h="661063">
+                <a:tc>
+                  <a:txBody>
+                    <a:bodyPr/>
+                    <a:lstStyle/>
+                    <a:p>
+                      <a:pPr algn="ctr"/>
+                      <a:r>
+                        <a:rPr lang="ru-RU" dirty="0" smtClean="0">
+                          <a:latin typeface="Bebas Neue Pro Exp Rg" panose="020B0506020202050201" pitchFamily="34" charset="-52"/>
+                        </a:rPr>
+                        <a:t>Реализация</a:t>
+                      </a:r>
+                      <a:endParaRPr lang="en-US" dirty="0">
+                        <a:latin typeface="Bebas Neue Pro Exp Rg" panose="020B0506020202050201" pitchFamily="34" charset="-52"/>
+                      </a:endParaRPr>
+                    </a:p>
+                  </a:txBody>
+                  <a:tcPr anchor="ctr"/>
+                </a:tc>
+                <a:tc>
+                  <a:txBody>
+                    <a:bodyPr/>
+                    <a:lstStyle/>
+                    <a:p>
+                      <a:pPr algn="ctr"/>
+                      <a:r>
+                        <a:rPr lang="ru-RU" dirty="0" smtClean="0">
+                          <a:latin typeface="Bebas Neue Pro Exp Rg" panose="020B0506020202050201" pitchFamily="34" charset="-52"/>
+                        </a:rPr>
+                        <a:t>Задача</a:t>
+                      </a:r>
+                      <a:endParaRPr lang="en-US" dirty="0">
+                        <a:latin typeface="Bebas Neue Pro Exp Rg" panose="020B0506020202050201" pitchFamily="34" charset="-52"/>
+                      </a:endParaRPr>
+                    </a:p>
+                  </a:txBody>
+                  <a:tcPr anchor="ctr"/>
+                </a:tc>
+                <a:extLst>
+                  <a:ext uri="{0D108BD9-81ED-4DB2-BD59-A6C34878D82A}">
+                    <a16:rowId xmlns:a16="http://schemas.microsoft.com/office/drawing/2014/main" val="19394429"/>
+                  </a:ext>
+                </a:extLst>
+              </a:tr>
+              <a:tr h="661063">
+                <a:tc>
+                  <a:txBody>
+                    <a:bodyPr/>
+                    <a:lstStyle/>
+                    <a:p>
+                      <a:pPr algn="ctr"/>
+                      <a:r>
+                        <a:rPr lang="ru-RU" dirty="0" err="1" smtClean="0">
+                          <a:latin typeface="Bebas Neue Pro Exp Rg" panose="020B0506020202050201" pitchFamily="34" charset="-52"/>
+                        </a:rPr>
+                        <a:t>Программно</a:t>
+                      </a:r>
+                      <a:endParaRPr lang="en-US" dirty="0">
+                        <a:latin typeface="Bebas Neue Pro Exp Rg" panose="020B0506020202050201" pitchFamily="34" charset="-52"/>
+                      </a:endParaRPr>
+                    </a:p>
+                  </a:txBody>
+                  <a:tcPr anchor="ctr"/>
+                </a:tc>
+                <a:tc>
+                  <a:txBody>
+                    <a:bodyPr/>
+                    <a:lstStyle/>
+                    <a:p>
+                      <a:pPr algn="ctr"/>
+                      <a:r>
+                        <a:rPr lang="ru-RU" dirty="0" smtClean="0">
+                          <a:latin typeface="Bebas Neue Pro Exp Rg" panose="020B0506020202050201" pitchFamily="34" charset="-52"/>
+                        </a:rPr>
+                        <a:t>Гибкость</a:t>
+                      </a:r>
+                      <a:endParaRPr lang="en-US" dirty="0">
+                        <a:latin typeface="Bebas Neue Pro Exp Rg" panose="020B0506020202050201" pitchFamily="34" charset="-52"/>
+                      </a:endParaRPr>
+                    </a:p>
+                  </a:txBody>
+                  <a:tcPr anchor="ctr"/>
+                </a:tc>
+                <a:extLst>
+                  <a:ext uri="{0D108BD9-81ED-4DB2-BD59-A6C34878D82A}">
+                    <a16:rowId xmlns:a16="http://schemas.microsoft.com/office/drawing/2014/main" val="703607072"/>
+                  </a:ext>
+                </a:extLst>
+              </a:tr>
+              <a:tr h="661063">
+                <a:tc>
+                  <a:txBody>
+                    <a:bodyPr/>
+                    <a:lstStyle/>
+                    <a:p>
+                      <a:pPr algn="ctr"/>
+                      <a:r>
+                        <a:rPr lang="ru-RU" dirty="0" err="1" smtClean="0">
+                          <a:latin typeface="Bebas Neue Pro Exp Rg" panose="020B0506020202050201" pitchFamily="34" charset="-52"/>
+                        </a:rPr>
+                        <a:t>Аппаратно</a:t>
+                      </a:r>
+                      <a:endParaRPr lang="en-US" dirty="0">
+                        <a:latin typeface="Bebas Neue Pro Exp Rg" panose="020B0506020202050201" pitchFamily="34" charset="-52"/>
+                      </a:endParaRPr>
+                    </a:p>
+                  </a:txBody>
+                  <a:tcPr anchor="ctr"/>
+                </a:tc>
+                <a:tc>
+                  <a:txBody>
+                    <a:bodyPr/>
+                    <a:lstStyle/>
+                    <a:p>
+                      <a:pPr algn="ctr"/>
+                      <a:r>
+                        <a:rPr lang="ru-RU" dirty="0" smtClean="0">
+                          <a:latin typeface="Bebas Neue Pro Exp Rg" panose="020B0506020202050201" pitchFamily="34" charset="-52"/>
+                        </a:rPr>
+                        <a:t>Производительность</a:t>
+                      </a:r>
+                      <a:r>
+                        <a:rPr lang="en-US" dirty="0" smtClean="0">
+                          <a:latin typeface="Bebas Neue Pro Exp Rg" panose="020B0506020202050201" pitchFamily="34" charset="-52"/>
+                        </a:rPr>
+                        <a:t> </a:t>
+                      </a:r>
+                      <a:r>
+                        <a:rPr lang="ru-RU" dirty="0" smtClean="0">
+                          <a:latin typeface="Bebas Neue Pro Exp Rg" panose="020B0506020202050201" pitchFamily="34" charset="-52"/>
+                        </a:rPr>
+                        <a:t>и</a:t>
+                      </a:r>
+                      <a:r>
+                        <a:rPr lang="ru-RU" baseline="0" dirty="0" smtClean="0">
+                          <a:latin typeface="Bebas Neue Pro Exp Rg" panose="020B0506020202050201" pitchFamily="34" charset="-52"/>
+                        </a:rPr>
+                        <a:t> расширенные функции</a:t>
+                      </a:r>
+                      <a:endParaRPr lang="en-US" dirty="0">
+                        <a:latin typeface="Bebas Neue Pro Exp Rg" panose="020B0506020202050201" pitchFamily="34" charset="-52"/>
+                      </a:endParaRPr>
+                    </a:p>
+                  </a:txBody>
+                  <a:tcPr anchor="ctr"/>
+                </a:tc>
+                <a:extLst>
+                  <a:ext uri="{0D108BD9-81ED-4DB2-BD59-A6C34878D82A}">
+                    <a16:rowId xmlns:a16="http://schemas.microsoft.com/office/drawing/2014/main" val="3112867529"/>
+                  </a:ext>
+                </a:extLst>
+              </a:tr>
+              <a:tr h="1141012">
+                <a:tc>
+                  <a:txBody>
+                    <a:bodyPr/>
+                    <a:lstStyle/>
+                    <a:p>
+                      <a:pPr algn="ctr"/>
+                      <a:r>
+                        <a:rPr lang="ru-RU" dirty="0" smtClean="0">
+                          <a:latin typeface="Bebas Neue Pro Exp Rg" panose="020B0506020202050201" pitchFamily="34" charset="-52"/>
+                        </a:rPr>
+                        <a:t>Специализированные системы</a:t>
+                      </a:r>
+                      <a:r>
+                        <a:rPr lang="ru-RU" baseline="0" dirty="0" smtClean="0">
+                          <a:latin typeface="Bebas Neue Pro Exp Rg" panose="020B0506020202050201" pitchFamily="34" charset="-52"/>
+                        </a:rPr>
+                        <a:t> хранения данных</a:t>
+                      </a:r>
+                      <a:endParaRPr lang="en-US" dirty="0">
+                        <a:latin typeface="Bebas Neue Pro Exp Rg" panose="020B0506020202050201" pitchFamily="34" charset="-52"/>
+                      </a:endParaRPr>
+                    </a:p>
+                  </a:txBody>
+                  <a:tcPr anchor="ctr"/>
+                </a:tc>
+                <a:tc>
+                  <a:txBody>
+                    <a:bodyPr/>
+                    <a:lstStyle/>
+                    <a:p>
+                      <a:pPr algn="ctr"/>
+                      <a:r>
+                        <a:rPr lang="ru-RU" dirty="0" smtClean="0">
+                          <a:latin typeface="Bebas Neue Pro Exp Rg" panose="020B0506020202050201" pitchFamily="34" charset="-52"/>
+                        </a:rPr>
+                        <a:t>Комплексная</a:t>
+                      </a:r>
+                      <a:r>
+                        <a:rPr lang="ru-RU" baseline="0" dirty="0" smtClean="0">
+                          <a:latin typeface="Bebas Neue Pro Exp Rg" panose="020B0506020202050201" pitchFamily="34" charset="-52"/>
+                        </a:rPr>
+                        <a:t> интеграция в компанию</a:t>
+                      </a:r>
+                      <a:endParaRPr lang="en-US" dirty="0">
+                        <a:latin typeface="Bebas Neue Pro Exp Rg" panose="020B0506020202050201" pitchFamily="34" charset="-52"/>
+                      </a:endParaRPr>
+                    </a:p>
+                  </a:txBody>
+                  <a:tcPr anchor="ctr"/>
+                </a:tc>
+                <a:extLst>
+                  <a:ext uri="{0D108BD9-81ED-4DB2-BD59-A6C34878D82A}">
+                    <a16:rowId xmlns:a16="http://schemas.microsoft.com/office/drawing/2014/main" val="4207688255"/>
+                  </a:ext>
+                </a:extLst>
+              </a:tr>
+            </a:tbl>
+          </a:graphicData>
+        </a:graphic>
+      </p:graphicFrame>
+    </p:spTree>
+    <p:extLst>
+      <p:ext uri="{BB962C8B-B14F-4D97-AF65-F5344CB8AC3E}">
+        <p14:creationId xmlns:p14="http://schemas.microsoft.com/office/powerpoint/2010/main" val="3597579624"/>
+      </p:ext>
+    </p:extLst>
+  </p:cSld>
+  <p:clrMapOvr>
+    <a:masterClrMapping/>
+  </p:clrMapOvr>
+  <p:timing>
+    <p:tnLst>
+      <p:par>
+        <p:cTn id="1" dur="indefinite" restart="never" nodeType="tmRoot"/>
+      </p:par>
+    </p:tnLst>
+  </p:timing>
+</p:sld>
+</file>
+
+<file path=ppt/slides/slide19.xml><?xml version="1.0" encoding="utf-8"?>
+<p:sld xmlns:a="http://schemas.openxmlformats.org/drawingml/2006/main" xmlns:r="http://schemas.openxmlformats.org/officeDocument/2006/relationships" xmlns:p="http://schemas.openxmlformats.org/presentationml/2006/main">
+  <p:cSld>
+    <p:spTree>
+      <p:nvGrpSpPr>
+        <p:cNvPr id="1" name=""/>
+        <p:cNvGrpSpPr/>
+        <p:nvPr/>
+      </p:nvGrpSpPr>
+      <p:grpSpPr>
+        <a:xfrm>
+          <a:off x="0" y="0"/>
+          <a:ext cx="0" cy="0"/>
+          <a:chOff x="0" y="0"/>
+          <a:chExt cx="0" cy="0"/>
+        </a:xfrm>
+      </p:grpSpPr>
+      <p:sp>
+        <p:nvSpPr>
+          <p:cNvPr id="2" name="Заголовок 1"/>
+          <p:cNvSpPr>
+            <a:spLocks noGrp="1"/>
+          </p:cNvSpPr>
+          <p:nvPr>
+            <p:ph type="title"/>
+          </p:nvPr>
+        </p:nvSpPr>
+        <p:spPr/>
+        <p:txBody>
+          <a:bodyPr/>
+          <a:lstStyle/>
+          <a:p>
+            <a:r>
+              <a:rPr lang="ru-RU" dirty="0" smtClean="0">
+                <a:latin typeface="Bebas Neue Pro Exp Eb" panose="020B0706020202050201" pitchFamily="34" charset="-52"/>
+              </a:rPr>
+              <a:t>Программные реализации </a:t>
+            </a:r>
+            <a:r>
+              <a:rPr lang="en-US" dirty="0" smtClean="0">
+                <a:latin typeface="Bebas Neue Pro Exp Eb" panose="020B0706020202050201" pitchFamily="34" charset="-52"/>
+              </a:rPr>
+              <a:t>RAID</a:t>
+            </a:r>
+            <a:endParaRPr lang="en-US" dirty="0">
+              <a:latin typeface="Bebas Neue Pro Exp Eb" panose="020B0706020202050201" pitchFamily="34" charset="-52"/>
+            </a:endParaRPr>
+          </a:p>
+        </p:txBody>
+      </p:sp>
+      <p:sp>
+        <p:nvSpPr>
+          <p:cNvPr id="3" name="Объект 2"/>
+          <p:cNvSpPr>
+            <a:spLocks noGrp="1"/>
+          </p:cNvSpPr>
+          <p:nvPr>
+            <p:ph sz="half" idx="1"/>
+          </p:nvPr>
+        </p:nvSpPr>
+        <p:spPr/>
+        <p:txBody>
+          <a:bodyPr/>
+          <a:lstStyle/>
+          <a:p>
+            <a:r>
+              <a:rPr lang="ru-RU" dirty="0" smtClean="0">
+                <a:latin typeface="Bebas Neue Pro Exp Rg" panose="020B0506020202050201" pitchFamily="34" charset="-52"/>
+              </a:rPr>
+              <a:t>Разворачиваются на базе имеющегося оборудования (ПК, сервер)</a:t>
+            </a:r>
+          </a:p>
+          <a:p>
+            <a:r>
+              <a:rPr lang="ru-RU" dirty="0" smtClean="0">
+                <a:latin typeface="Bebas Neue Pro Exp Rg" panose="020B0506020202050201" pitchFamily="34" charset="-52"/>
+              </a:rPr>
+              <a:t>Производительность зависит от ресурсов хоста</a:t>
+            </a:r>
+          </a:p>
+          <a:p>
+            <a:r>
+              <a:rPr lang="ru-RU" dirty="0" smtClean="0">
+                <a:latin typeface="Bebas Neue Pro Exp Rg" panose="020B0506020202050201" pitchFamily="34" charset="-52"/>
+              </a:rPr>
+              <a:t>При нехватке ресурсов ощутима дополнительная нагрузка на систему</a:t>
+            </a:r>
+            <a:endParaRPr lang="en-US" dirty="0">
+              <a:latin typeface="Bebas Neue Pro Exp Rg" panose="020B0506020202050201" pitchFamily="34" charset="-52"/>
+            </a:endParaRPr>
+          </a:p>
+        </p:txBody>
+      </p:sp>
+      <p:graphicFrame>
+        <p:nvGraphicFramePr>
+          <p:cNvPr id="5" name="Объект 4"/>
+          <p:cNvGraphicFramePr>
+            <a:graphicFrameLocks noGrp="1"/>
+          </p:cNvGraphicFramePr>
+          <p:nvPr>
+            <p:ph sz="half" idx="2"/>
+            <p:extLst>
+              <p:ext uri="{D42A27DB-BD31-4B8C-83A1-F6EECF244321}">
+                <p14:modId xmlns:p14="http://schemas.microsoft.com/office/powerpoint/2010/main" val="3557201244"/>
+              </p:ext>
+            </p:extLst>
+          </p:nvPr>
+        </p:nvGraphicFramePr>
+        <p:xfrm>
+          <a:off x="6607175" y="2667000"/>
+          <a:ext cx="4895850" cy="3124200"/>
+        </p:xfrm>
+        <a:graphic>
+          <a:graphicData uri="http://schemas.openxmlformats.org/drawingml/2006/table">
+            <a:tbl>
+              <a:tblPr>
+                <a:tableStyleId>{073A0DAA-6AF3-43AB-8588-CEC1D06C72B9}</a:tableStyleId>
+              </a:tblPr>
+              <a:tblGrid>
+                <a:gridCol w="2447925">
+                  <a:extLst>
+                    <a:ext uri="{9D8B030D-6E8A-4147-A177-3AD203B41FA5}">
+                      <a16:colId xmlns:a16="http://schemas.microsoft.com/office/drawing/2014/main" val="3427135209"/>
+                    </a:ext>
+                  </a:extLst>
+                </a:gridCol>
+                <a:gridCol w="2447925">
+                  <a:extLst>
+                    <a:ext uri="{9D8B030D-6E8A-4147-A177-3AD203B41FA5}">
+                      <a16:colId xmlns:a16="http://schemas.microsoft.com/office/drawing/2014/main" val="241554504"/>
+                    </a:ext>
+                  </a:extLst>
+                </a:gridCol>
+              </a:tblGrid>
+              <a:tr h="1562100">
+                <a:tc>
+                  <a:txBody>
+                    <a:bodyPr/>
+                    <a:lstStyle/>
+                    <a:p>
+                      <a:pPr algn="ctr"/>
+                      <a:endParaRPr lang="en-US" dirty="0">
+                        <a:latin typeface="Bebas Neue Pro Exp Rg" panose="020B0506020202050201" pitchFamily="34" charset="-52"/>
+                      </a:endParaRPr>
+                    </a:p>
+                  </a:txBody>
+                  <a:tcPr anchor="ctr">
+                    <a:blipFill>
+                      <a:blip r:embed="rId2"/>
+                      <a:stretch>
+                        <a:fillRect/>
+                      </a:stretch>
+                    </a:blipFill>
+                  </a:tcPr>
+                </a:tc>
+                <a:tc>
+                  <a:txBody>
+                    <a:bodyPr/>
+                    <a:lstStyle/>
+                    <a:p>
+                      <a:pPr algn="ctr"/>
+                      <a:r>
+                        <a:rPr lang="en-US" sz="3200" dirty="0" err="1" smtClean="0">
+                          <a:latin typeface="Bebas Neue Pro Exp Bk" panose="020B0406020202050201" pitchFamily="34" charset="-52"/>
+                        </a:rPr>
+                        <a:t>mdadm</a:t>
+                      </a:r>
+                      <a:endParaRPr lang="en-US" sz="3200" dirty="0">
+                        <a:latin typeface="Bebas Neue Pro Exp Bk" panose="020B0406020202050201" pitchFamily="34" charset="-52"/>
+                      </a:endParaRPr>
+                    </a:p>
+                  </a:txBody>
+                  <a:tcPr anchor="ctr"/>
+                </a:tc>
+                <a:extLst>
+                  <a:ext uri="{0D108BD9-81ED-4DB2-BD59-A6C34878D82A}">
+                    <a16:rowId xmlns:a16="http://schemas.microsoft.com/office/drawing/2014/main" val="19394429"/>
+                  </a:ext>
+                </a:extLst>
+              </a:tr>
+              <a:tr h="1562100">
+                <a:tc>
+                  <a:txBody>
+                    <a:bodyPr/>
+                    <a:lstStyle/>
+                    <a:p>
+                      <a:pPr algn="ctr"/>
+                      <a:endParaRPr lang="en-US" dirty="0">
+                        <a:latin typeface="Bebas Neue Pro Exp Rg" panose="020B0506020202050201" pitchFamily="34" charset="-52"/>
+                      </a:endParaRPr>
+                    </a:p>
+                  </a:txBody>
+                  <a:tcPr anchor="ctr">
+                    <a:blipFill>
+                      <a:blip r:embed="rId3"/>
+                      <a:stretch>
+                        <a:fillRect/>
+                      </a:stretch>
+                    </a:blipFill>
+                  </a:tcPr>
+                </a:tc>
+                <a:tc>
+                  <a:txBody>
+                    <a:bodyPr/>
+                    <a:lstStyle/>
+                    <a:p>
+                      <a:pPr algn="ctr"/>
+                      <a:endParaRPr lang="en-US" dirty="0">
+                        <a:latin typeface="Bebas Neue Pro Exp Rg" panose="020B0506020202050201" pitchFamily="34" charset="-52"/>
+                      </a:endParaRPr>
+                    </a:p>
+                  </a:txBody>
+                  <a:tcPr anchor="ctr">
+                    <a:blipFill>
+                      <a:blip r:embed="rId4"/>
+                      <a:stretch>
+                        <a:fillRect/>
+                      </a:stretch>
+                    </a:blipFill>
+                  </a:tcPr>
+                </a:tc>
+                <a:extLst>
+                  <a:ext uri="{0D108BD9-81ED-4DB2-BD59-A6C34878D82A}">
+                    <a16:rowId xmlns:a16="http://schemas.microsoft.com/office/drawing/2014/main" val="703607072"/>
+                  </a:ext>
+                </a:extLst>
+              </a:tr>
+            </a:tbl>
+          </a:graphicData>
+        </a:graphic>
+      </p:graphicFrame>
+    </p:spTree>
+    <p:extLst>
+      <p:ext uri="{BB962C8B-B14F-4D97-AF65-F5344CB8AC3E}">
+        <p14:creationId xmlns:p14="http://schemas.microsoft.com/office/powerpoint/2010/main" val="1168356478"/>
+      </p:ext>
+    </p:extLst>
+  </p:cSld>
+  <p:clrMapOvr>
+    <a:masterClrMapping/>
   </p:clrMapOvr>
   <p:timing>
     <p:tnLst>
@@ -11878,10 +15389,14 @@
           <a:lstStyle/>
           <a:p>
             <a:r>
-              <a:rPr lang="ru-RU" dirty="0" smtClean="0"/>
+              <a:rPr lang="ru-RU" dirty="0" smtClean="0">
+                <a:latin typeface="Bebas Neue Pro Exp Eb" panose="020B0706020202050201" pitchFamily="34" charset="-52"/>
+              </a:rPr>
               <a:t>Введение</a:t>
             </a:r>
-            <a:endParaRPr lang="en-US" dirty="0"/>
+            <a:endParaRPr lang="en-US" dirty="0">
+              <a:latin typeface="Bebas Neue Pro Exp Eb" panose="020B0706020202050201" pitchFamily="34" charset="-52"/>
+            </a:endParaRPr>
           </a:p>
         </p:txBody>
       </p:sp>
@@ -11908,30 +15423,42 @@
           <a:lstStyle/>
           <a:p>
             <a:r>
-              <a:rPr lang="ru-RU" dirty="0" smtClean="0"/>
+              <a:rPr lang="ru-RU" dirty="0" smtClean="0">
+                <a:latin typeface="Bebas Neue Pro Exp Rg" panose="020B0506020202050201" pitchFamily="34" charset="-52"/>
+              </a:rPr>
               <a:t>Дисковый массив – объединение </a:t>
             </a:r>
             <a:r>
-              <a:rPr lang="ru-RU" dirty="0"/>
+              <a:rPr lang="ru-RU" dirty="0">
+                <a:latin typeface="Bebas Neue Pro Exp Rg" panose="020B0506020202050201" pitchFamily="34" charset="-52"/>
+              </a:rPr>
               <a:t>нескольких физических накопителей в единый логический диск</a:t>
             </a:r>
             <a:r>
-              <a:rPr lang="ru-RU" dirty="0" smtClean="0"/>
+              <a:rPr lang="ru-RU" dirty="0" smtClean="0">
+                <a:latin typeface="Bebas Neue Pro Exp Rg" panose="020B0506020202050201" pitchFamily="34" charset="-52"/>
+              </a:rPr>
               <a:t>.</a:t>
             </a:r>
           </a:p>
           <a:p>
             <a:r>
-              <a:rPr lang="ru-RU" dirty="0" smtClean="0"/>
+              <a:rPr lang="ru-RU" dirty="0" smtClean="0">
+                <a:latin typeface="Bebas Neue Pro Exp Rg" panose="020B0506020202050201" pitchFamily="34" charset="-52"/>
+              </a:rPr>
               <a:t>Управляется аппаратным или программным контроллером</a:t>
             </a:r>
           </a:p>
           <a:p>
             <a:r>
-              <a:rPr lang="ru-RU" dirty="0" smtClean="0"/>
+              <a:rPr lang="ru-RU" dirty="0" smtClean="0">
+                <a:latin typeface="Bebas Neue Pro Exp Rg" panose="020B0506020202050201" pitchFamily="34" charset="-52"/>
+              </a:rPr>
               <a:t>Применяется для увеличения объема дисков, повышения скорости работы, обеспечения  отказоустойчивости</a:t>
             </a:r>
-            <a:endParaRPr lang="en-US" dirty="0"/>
+            <a:endParaRPr lang="en-US" dirty="0">
+              <a:latin typeface="Bebas Neue Pro Exp Rg" panose="020B0506020202050201" pitchFamily="34" charset="-52"/>
+            </a:endParaRPr>
           </a:p>
         </p:txBody>
       </p:sp>
@@ -12014,10 +15541,17 @@
   <p:clrMapOvr>
     <a:masterClrMapping/>
   </p:clrMapOvr>
+  <p:timing>
+    <p:tnLst>
+      <p:par>
+        <p:cTn id="1" dur="indefinite" restart="never" nodeType="tmRoot"/>
+      </p:par>
+    </p:tnLst>
+  </p:timing>
 </p:sld>
 </file>
 
-<file path=ppt/slides/slide3.xml><?xml version="1.0" encoding="utf-8"?>
+<file path=ppt/slides/slide20.xml><?xml version="1.0" encoding="utf-8"?>
 <p:sld xmlns:a="http://schemas.openxmlformats.org/drawingml/2006/main" xmlns:r="http://schemas.openxmlformats.org/officeDocument/2006/relationships" xmlns:p="http://schemas.openxmlformats.org/presentationml/2006/main">
   <p:cSld>
     <p:spTree>
@@ -12044,63 +15578,1014 @@
             <p:ph type="title"/>
           </p:nvPr>
         </p:nvSpPr>
-        <p:spPr>
-          <a:xfrm>
-            <a:off x="1484309" y="0"/>
-            <a:ext cx="10018713" cy="1752599"/>
-          </a:xfrm>
-        </p:spPr>
+        <p:spPr/>
         <p:txBody>
           <a:bodyPr/>
           <a:lstStyle/>
           <a:p>
             <a:r>
-              <a:rPr lang="ru-RU" dirty="0" smtClean="0"/>
-              <a:t>Классификация дисковых массивов</a:t>
-            </a:r>
-            <a:endParaRPr lang="en-US" dirty="0"/>
+              <a:rPr lang="en-US" dirty="0" smtClean="0">
+                <a:latin typeface="Bebas Neue Pro Exp Eb" panose="020B0706020202050201" pitchFamily="34" charset="-52"/>
+              </a:rPr>
+              <a:t>ZFS - Zettabyte File System</a:t>
+            </a:r>
+            <a:endParaRPr lang="en-US" dirty="0">
+              <a:latin typeface="Bebas Neue Pro Exp Eb" panose="020B0706020202050201" pitchFamily="34" charset="-52"/>
+            </a:endParaRPr>
+          </a:p>
+        </p:txBody>
+      </p:sp>
+      <p:sp>
+        <p:nvSpPr>
+          <p:cNvPr id="3" name="Объект 2"/>
+          <p:cNvSpPr>
+            <a:spLocks noGrp="1"/>
+          </p:cNvSpPr>
+          <p:nvPr>
+            <p:ph idx="1"/>
+          </p:nvPr>
+        </p:nvSpPr>
+        <p:spPr/>
+        <p:txBody>
+          <a:bodyPr>
+            <a:normAutofit fontScale="92500" lnSpcReduction="20000"/>
+          </a:bodyPr>
+          <a:lstStyle/>
+          <a:p>
+            <a:r>
+              <a:rPr lang="ru-RU" dirty="0" smtClean="0">
+                <a:latin typeface="Bebas Neue Pro Exp Rg" panose="020B0506020202050201" pitchFamily="34" charset="-52"/>
+              </a:rPr>
+              <a:t>Разработана </a:t>
+            </a:r>
+            <a:r>
+              <a:rPr lang="en-US" dirty="0" smtClean="0">
+                <a:latin typeface="Bebas Neue Pro Exp Rg" panose="020B0506020202050201" pitchFamily="34" charset="-52"/>
+              </a:rPr>
+              <a:t>Sun Microsystems</a:t>
+            </a:r>
+            <a:endParaRPr lang="ru-RU" dirty="0" smtClean="0">
+              <a:latin typeface="Bebas Neue Pro Exp Rg" panose="020B0506020202050201" pitchFamily="34" charset="-52"/>
+            </a:endParaRPr>
+          </a:p>
+          <a:p>
+            <a:r>
+              <a:rPr lang="ru-RU" dirty="0" smtClean="0">
+                <a:latin typeface="Bebas Neue Pro Exp Rg" panose="020B0506020202050201" pitchFamily="34" charset="-52"/>
+              </a:rPr>
+              <a:t>Объединяет файловую систему и менеджер томов</a:t>
+            </a:r>
+          </a:p>
+          <a:p>
+            <a:r>
+              <a:rPr lang="ru-RU" dirty="0" smtClean="0">
+                <a:latin typeface="Bebas Neue Pro Exp Rg" panose="020B0506020202050201" pitchFamily="34" charset="-52"/>
+              </a:rPr>
+              <a:t>Использует пулы хранения вместо отдельных дисков</a:t>
+            </a:r>
+          </a:p>
+          <a:p>
+            <a:r>
+              <a:rPr lang="ru-RU" dirty="0" smtClean="0">
+                <a:latin typeface="Bebas Neue Pro Exp Rg" panose="020B0506020202050201" pitchFamily="34" charset="-52"/>
+              </a:rPr>
+              <a:t>Поддерживает уровни:</a:t>
+            </a:r>
+          </a:p>
+          <a:p>
+            <a:pPr lvl="1"/>
+            <a:r>
+              <a:rPr lang="en-US" dirty="0" smtClean="0">
+                <a:latin typeface="Bebas Neue Pro Exp Rg" panose="020B0506020202050201" pitchFamily="34" charset="-52"/>
+              </a:rPr>
+              <a:t>RAID-Z1 (</a:t>
+            </a:r>
+            <a:r>
+              <a:rPr lang="ru-RU" dirty="0" smtClean="0">
+                <a:latin typeface="Bebas Neue Pro Exp Rg" panose="020B0506020202050201" pitchFamily="34" charset="-52"/>
+              </a:rPr>
+              <a:t>аналог </a:t>
+            </a:r>
+            <a:r>
+              <a:rPr lang="en-US" dirty="0" smtClean="0">
+                <a:latin typeface="Bebas Neue Pro Exp Rg" panose="020B0506020202050201" pitchFamily="34" charset="-52"/>
+              </a:rPr>
+              <a:t>RAID5)</a:t>
+            </a:r>
+            <a:endParaRPr lang="ru-RU" dirty="0" smtClean="0">
+              <a:latin typeface="Bebas Neue Pro Exp Rg" panose="020B0506020202050201" pitchFamily="34" charset="-52"/>
+            </a:endParaRPr>
+          </a:p>
+          <a:p>
+            <a:pPr lvl="1"/>
+            <a:r>
+              <a:rPr lang="en-US" dirty="0" smtClean="0">
+                <a:latin typeface="Bebas Neue Pro Exp Rg" panose="020B0506020202050201" pitchFamily="34" charset="-52"/>
+              </a:rPr>
+              <a:t>RAID-Z2 (</a:t>
+            </a:r>
+            <a:r>
+              <a:rPr lang="ru-RU" dirty="0" smtClean="0">
+                <a:latin typeface="Bebas Neue Pro Exp Rg" panose="020B0506020202050201" pitchFamily="34" charset="-52"/>
+              </a:rPr>
+              <a:t>аналог</a:t>
+            </a:r>
+            <a:r>
+              <a:rPr lang="en-US" dirty="0" smtClean="0">
+                <a:latin typeface="Bebas Neue Pro Exp Rg" panose="020B0506020202050201" pitchFamily="34" charset="-52"/>
+              </a:rPr>
+              <a:t> RAID 6)</a:t>
+            </a:r>
+            <a:endParaRPr lang="ru-RU" dirty="0" smtClean="0">
+              <a:latin typeface="Bebas Neue Pro Exp Rg" panose="020B0506020202050201" pitchFamily="34" charset="-52"/>
+            </a:endParaRPr>
+          </a:p>
+          <a:p>
+            <a:pPr lvl="1"/>
+            <a:r>
+              <a:rPr lang="en-US" dirty="0" smtClean="0">
+                <a:latin typeface="Bebas Neue Pro Exp Rg" panose="020B0506020202050201" pitchFamily="34" charset="-52"/>
+              </a:rPr>
+              <a:t>RAID-Z3 – RAID </a:t>
+            </a:r>
+            <a:r>
+              <a:rPr lang="ru-RU" dirty="0" smtClean="0">
+                <a:latin typeface="Bebas Neue Pro Exp Rg" panose="020B0506020202050201" pitchFamily="34" charset="-52"/>
+              </a:rPr>
+              <a:t>с тремя </a:t>
+            </a:r>
+            <a:r>
+              <a:rPr lang="ru-RU" dirty="0" err="1" smtClean="0">
+                <a:latin typeface="Bebas Neue Pro Exp Rg" panose="020B0506020202050201" pitchFamily="34" charset="-52"/>
+              </a:rPr>
+              <a:t>стрипами</a:t>
+            </a:r>
+            <a:r>
+              <a:rPr lang="ru-RU" dirty="0" smtClean="0">
+                <a:latin typeface="Bebas Neue Pro Exp Rg" panose="020B0506020202050201" pitchFamily="34" charset="-52"/>
+              </a:rPr>
+              <a:t> четности</a:t>
+            </a:r>
+          </a:p>
+          <a:p>
+            <a:r>
+              <a:rPr lang="ru-RU" dirty="0" smtClean="0">
+                <a:latin typeface="Bebas Neue Pro Exp Rg" panose="020B0506020202050201" pitchFamily="34" charset="-52"/>
+              </a:rPr>
+              <a:t>Динамическое расширение</a:t>
+            </a:r>
+          </a:p>
+        </p:txBody>
+      </p:sp>
+    </p:spTree>
+    <p:extLst>
+      <p:ext uri="{BB962C8B-B14F-4D97-AF65-F5344CB8AC3E}">
+        <p14:creationId xmlns:p14="http://schemas.microsoft.com/office/powerpoint/2010/main" val="213056474"/>
+      </p:ext>
+    </p:extLst>
+  </p:cSld>
+  <p:clrMapOvr>
+    <a:masterClrMapping/>
+  </p:clrMapOvr>
+  <p:timing>
+    <p:tnLst>
+      <p:par>
+        <p:cTn id="1" dur="indefinite" restart="never" nodeType="tmRoot"/>
+      </p:par>
+    </p:tnLst>
+  </p:timing>
+</p:sld>
+</file>
+
+<file path=ppt/slides/slide21.xml><?xml version="1.0" encoding="utf-8"?>
+<p:sld xmlns:a="http://schemas.openxmlformats.org/drawingml/2006/main" xmlns:r="http://schemas.openxmlformats.org/officeDocument/2006/relationships" xmlns:p="http://schemas.openxmlformats.org/presentationml/2006/main">
+  <p:cSld>
+    <p:spTree>
+      <p:nvGrpSpPr>
+        <p:cNvPr id="1" name=""/>
+        <p:cNvGrpSpPr/>
+        <p:nvPr/>
+      </p:nvGrpSpPr>
+      <p:grpSpPr>
+        <a:xfrm>
+          <a:off x="0" y="0"/>
+          <a:ext cx="0" cy="0"/>
+          <a:chOff x="0" y="0"/>
+          <a:chExt cx="0" cy="0"/>
+        </a:xfrm>
+      </p:grpSpPr>
+      <p:sp>
+        <p:nvSpPr>
+          <p:cNvPr id="2" name="Заголовок 1"/>
+          <p:cNvSpPr>
+            <a:spLocks noGrp="1"/>
+          </p:cNvSpPr>
+          <p:nvPr>
+            <p:ph type="title"/>
+          </p:nvPr>
+        </p:nvSpPr>
+        <p:spPr/>
+        <p:txBody>
+          <a:bodyPr/>
+          <a:lstStyle/>
+          <a:p>
+            <a:r>
+              <a:rPr lang="ru-RU" dirty="0" err="1" smtClean="0">
+                <a:latin typeface="Bebas Neue Pro Exp Eb" panose="020B0706020202050201" pitchFamily="34" charset="-52"/>
+              </a:rPr>
+              <a:t>Аппапатные</a:t>
+            </a:r>
+            <a:r>
+              <a:rPr lang="ru-RU" dirty="0" smtClean="0">
+                <a:latin typeface="Bebas Neue Pro Exp Eb" panose="020B0706020202050201" pitchFamily="34" charset="-52"/>
+              </a:rPr>
+              <a:t> решения: </a:t>
+            </a:r>
+            <a:r>
+              <a:rPr lang="en-US" dirty="0" smtClean="0">
+                <a:latin typeface="Bebas Neue Pro Exp Eb" panose="020B0706020202050201" pitchFamily="34" charset="-52"/>
+              </a:rPr>
+              <a:t>NAS</a:t>
+            </a:r>
+            <a:endParaRPr lang="en-US" dirty="0">
+              <a:latin typeface="Bebas Neue Pro Exp Eb" panose="020B0706020202050201" pitchFamily="34" charset="-52"/>
+            </a:endParaRPr>
+          </a:p>
+        </p:txBody>
+      </p:sp>
+      <p:sp>
+        <p:nvSpPr>
+          <p:cNvPr id="3" name="Объект 2"/>
+          <p:cNvSpPr>
+            <a:spLocks noGrp="1"/>
+          </p:cNvSpPr>
+          <p:nvPr>
+            <p:ph sz="half" idx="1"/>
+          </p:nvPr>
+        </p:nvSpPr>
+        <p:spPr/>
+        <p:txBody>
+          <a:bodyPr>
+            <a:normAutofit lnSpcReduction="10000"/>
+          </a:bodyPr>
+          <a:lstStyle/>
+          <a:p>
+            <a:r>
+              <a:rPr lang="en-US" dirty="0">
+                <a:latin typeface="Bebas Neue Pro Exp Rg" panose="020B0506020202050201" pitchFamily="34" charset="-52"/>
+              </a:rPr>
+              <a:t>Network Attached Storage</a:t>
+            </a:r>
+            <a:endParaRPr lang="en-US" dirty="0">
+              <a:latin typeface="Bebas Neue Pro Exp Rg" panose="020B0506020202050201" pitchFamily="34" charset="-52"/>
+            </a:endParaRPr>
+          </a:p>
+          <a:p>
+            <a:r>
+              <a:rPr lang="ru-RU" dirty="0" smtClean="0">
+                <a:latin typeface="Bebas Neue Pro Exp Rg" panose="020B0506020202050201" pitchFamily="34" charset="-52"/>
+              </a:rPr>
+              <a:t>Сетевое хранилище на уровне файлового доступа</a:t>
+            </a:r>
+          </a:p>
+          <a:p>
+            <a:r>
+              <a:rPr lang="ru-RU" dirty="0" smtClean="0">
+                <a:latin typeface="Bebas Neue Pro Exp Rg" panose="020B0506020202050201" pitchFamily="34" charset="-52"/>
+              </a:rPr>
+              <a:t>Подключение по протоколам </a:t>
+            </a:r>
+            <a:r>
+              <a:rPr lang="en-US" dirty="0" smtClean="0">
+                <a:latin typeface="Bebas Neue Pro Exp Rg" panose="020B0506020202050201" pitchFamily="34" charset="-52"/>
+              </a:rPr>
+              <a:t>SMB, NFS, AFP</a:t>
+            </a:r>
+          </a:p>
+          <a:p>
+            <a:r>
+              <a:rPr lang="ru-RU" dirty="0" smtClean="0">
+                <a:latin typeface="Bebas Neue Pro Exp Rg" panose="020B0506020202050201" pitchFamily="34" charset="-52"/>
+              </a:rPr>
+              <a:t>Имеет </a:t>
+            </a:r>
+            <a:r>
+              <a:rPr lang="en-US" dirty="0" smtClean="0">
+                <a:latin typeface="Bebas Neue Pro Exp Rg" panose="020B0506020202050201" pitchFamily="34" charset="-52"/>
+              </a:rPr>
+              <a:t>RAID-</a:t>
+            </a:r>
+            <a:r>
+              <a:rPr lang="ru-RU" dirty="0" smtClean="0">
+                <a:latin typeface="Bebas Neue Pro Exp Rg" panose="020B0506020202050201" pitchFamily="34" charset="-52"/>
+              </a:rPr>
+              <a:t>контроллер, дисковую подсистему, специализированную ОС</a:t>
+            </a:r>
+          </a:p>
+          <a:p>
+            <a:r>
+              <a:rPr lang="ru-RU" dirty="0" smtClean="0">
+                <a:latin typeface="Bebas Neue Pro Exp Rg" panose="020B0506020202050201" pitchFamily="34" charset="-52"/>
+              </a:rPr>
+              <a:t>Поддерживает </a:t>
+            </a:r>
+            <a:r>
+              <a:rPr lang="en-US" dirty="0" smtClean="0">
+                <a:latin typeface="Bebas Neue Pro Exp Rg" panose="020B0506020202050201" pitchFamily="34" charset="-52"/>
+              </a:rPr>
+              <a:t>RAID 0, 1, 5, 6</a:t>
+            </a:r>
+          </a:p>
+          <a:p>
+            <a:r>
+              <a:rPr lang="ru-RU" dirty="0" smtClean="0">
+                <a:latin typeface="Bebas Neue Pro Exp Rg" panose="020B0506020202050201" pitchFamily="34" charset="-52"/>
+              </a:rPr>
+              <a:t>Резервное копирование, </a:t>
+            </a:r>
+            <a:r>
+              <a:rPr lang="ru-RU" dirty="0" err="1" smtClean="0">
+                <a:latin typeface="Bebas Neue Pro Exp Rg" panose="020B0506020202050201" pitchFamily="34" charset="-52"/>
+              </a:rPr>
+              <a:t>медиасервер</a:t>
+            </a:r>
+            <a:endParaRPr lang="ru-RU" dirty="0" smtClean="0">
+              <a:latin typeface="Bebas Neue Pro Exp Rg" panose="020B0506020202050201" pitchFamily="34" charset="-52"/>
+            </a:endParaRPr>
+          </a:p>
+          <a:p>
+            <a:r>
+              <a:rPr lang="ru-RU" dirty="0" smtClean="0">
+                <a:latin typeface="Bebas Neue Pro Exp Rg" panose="020B0506020202050201" pitchFamily="34" charset="-52"/>
+              </a:rPr>
+              <a:t>Применение: дома, малый и средний бизнес</a:t>
+            </a:r>
           </a:p>
         </p:txBody>
       </p:sp>
       <p:graphicFrame>
         <p:nvGraphicFramePr>
-          <p:cNvPr id="4" name="Объект 3"/>
+          <p:cNvPr id="5" name="Объект 4"/>
           <p:cNvGraphicFramePr>
             <a:graphicFrameLocks noGrp="1"/>
           </p:cNvGraphicFramePr>
           <p:nvPr>
-            <p:ph idx="1"/>
+            <p:ph sz="half" idx="2"/>
             <p:extLst>
               <p:ext uri="{D42A27DB-BD31-4B8C-83A1-F6EECF244321}">
-                <p14:modId xmlns:p14="http://schemas.microsoft.com/office/powerpoint/2010/main" val="4042353823"/>
+                <p14:modId xmlns:p14="http://schemas.microsoft.com/office/powerpoint/2010/main" val="2170847349"/>
               </p:ext>
             </p:extLst>
           </p:nvPr>
         </p:nvGraphicFramePr>
         <p:xfrm>
-          <a:off x="2101098" y="1752599"/>
-          <a:ext cx="9586721" cy="4431059"/>
+          <a:off x="6607175" y="2667000"/>
+          <a:ext cx="4895850" cy="3473975"/>
         </p:xfrm>
         <a:graphic>
-          <a:graphicData uri="http://schemas.openxmlformats.org/drawingml/2006/diagram">
-            <dgm:relIds xmlns:dgm="http://schemas.openxmlformats.org/drawingml/2006/diagram" xmlns:r="http://schemas.openxmlformats.org/officeDocument/2006/relationships" r:dm="rId2" r:lo="rId3" r:qs="rId4" r:cs="rId5"/>
+          <a:graphicData uri="http://schemas.openxmlformats.org/drawingml/2006/table">
+            <a:tbl>
+              <a:tblPr>
+                <a:tableStyleId>{073A0DAA-6AF3-43AB-8588-CEC1D06C72B9}</a:tableStyleId>
+              </a:tblPr>
+              <a:tblGrid>
+                <a:gridCol w="2447925">
+                  <a:extLst>
+                    <a:ext uri="{9D8B030D-6E8A-4147-A177-3AD203B41FA5}">
+                      <a16:colId xmlns:a16="http://schemas.microsoft.com/office/drawing/2014/main" val="268125468"/>
+                    </a:ext>
+                  </a:extLst>
+                </a:gridCol>
+                <a:gridCol w="2447925">
+                  <a:extLst>
+                    <a:ext uri="{9D8B030D-6E8A-4147-A177-3AD203B41FA5}">
+                      <a16:colId xmlns:a16="http://schemas.microsoft.com/office/drawing/2014/main" val="3771772930"/>
+                    </a:ext>
+                  </a:extLst>
+                </a:gridCol>
+              </a:tblGrid>
+              <a:tr h="1911875">
+                <a:tc>
+                  <a:txBody>
+                    <a:bodyPr/>
+                    <a:lstStyle/>
+                    <a:p>
+                      <a:endParaRPr lang="en-US" dirty="0"/>
+                    </a:p>
+                  </a:txBody>
+                  <a:tcPr>
+                    <a:blipFill>
+                      <a:blip r:embed="rId2"/>
+                      <a:stretch>
+                        <a:fillRect/>
+                      </a:stretch>
+                    </a:blipFill>
+                  </a:tcPr>
+                </a:tc>
+                <a:tc>
+                  <a:txBody>
+                    <a:bodyPr/>
+                    <a:lstStyle/>
+                    <a:p>
+                      <a:endParaRPr lang="en-US" dirty="0"/>
+                    </a:p>
+                  </a:txBody>
+                  <a:tcPr>
+                    <a:blipFill>
+                      <a:blip r:embed="rId3"/>
+                      <a:stretch>
+                        <a:fillRect/>
+                      </a:stretch>
+                    </a:blipFill>
+                  </a:tcPr>
+                </a:tc>
+                <a:extLst>
+                  <a:ext uri="{0D108BD9-81ED-4DB2-BD59-A6C34878D82A}">
+                    <a16:rowId xmlns:a16="http://schemas.microsoft.com/office/drawing/2014/main" val="2267290986"/>
+                  </a:ext>
+                </a:extLst>
+              </a:tr>
+              <a:tr h="1562100">
+                <a:tc gridSpan="2">
+                  <a:txBody>
+                    <a:bodyPr/>
+                    <a:lstStyle/>
+                    <a:p>
+                      <a:endParaRPr lang="en-US" dirty="0"/>
+                    </a:p>
+                  </a:txBody>
+                  <a:tcPr>
+                    <a:blipFill>
+                      <a:blip r:embed="rId4"/>
+                      <a:stretch>
+                        <a:fillRect/>
+                      </a:stretch>
+                    </a:blipFill>
+                  </a:tcPr>
+                </a:tc>
+                <a:tc hMerge="1">
+                  <a:txBody>
+                    <a:bodyPr/>
+                    <a:lstStyle/>
+                    <a:p>
+                      <a:endParaRPr lang="en-US" dirty="0"/>
+                    </a:p>
+                  </a:txBody>
+                  <a:tcPr>
+                    <a:blipFill>
+                      <a:blip r:embed="rId3"/>
+                      <a:stretch>
+                        <a:fillRect/>
+                      </a:stretch>
+                    </a:blipFill>
+                  </a:tcPr>
+                </a:tc>
+                <a:extLst>
+                  <a:ext uri="{0D108BD9-81ED-4DB2-BD59-A6C34878D82A}">
+                    <a16:rowId xmlns:a16="http://schemas.microsoft.com/office/drawing/2014/main" val="2164961428"/>
+                  </a:ext>
+                </a:extLst>
+              </a:tr>
+            </a:tbl>
           </a:graphicData>
         </a:graphic>
       </p:graphicFrame>
     </p:spTree>
     <p:extLst>
       <p:ext uri="{BB962C8B-B14F-4D97-AF65-F5344CB8AC3E}">
-        <p14:creationId xmlns:p14="http://schemas.microsoft.com/office/powerpoint/2010/main" val="3690890282"/>
+        <p14:creationId xmlns:p14="http://schemas.microsoft.com/office/powerpoint/2010/main" val="3852419623"/>
       </p:ext>
     </p:extLst>
   </p:cSld>
   <p:clrMapOvr>
     <a:masterClrMapping/>
   </p:clrMapOvr>
+  <p:timing>
+    <p:tnLst>
+      <p:par>
+        <p:cTn id="1" dur="indefinite" restart="never" nodeType="tmRoot"/>
+      </p:par>
+    </p:tnLst>
+  </p:timing>
 </p:sld>
 </file>
 
-<file path=ppt/slides/slide4.xml><?xml version="1.0" encoding="utf-8"?>
+<file path=ppt/slides/slide22.xml><?xml version="1.0" encoding="utf-8"?>
+<p:sld xmlns:a="http://schemas.openxmlformats.org/drawingml/2006/main" xmlns:r="http://schemas.openxmlformats.org/officeDocument/2006/relationships" xmlns:p="http://schemas.openxmlformats.org/presentationml/2006/main">
+  <p:cSld>
+    <p:spTree>
+      <p:nvGrpSpPr>
+        <p:cNvPr id="1" name=""/>
+        <p:cNvGrpSpPr/>
+        <p:nvPr/>
+      </p:nvGrpSpPr>
+      <p:grpSpPr>
+        <a:xfrm>
+          <a:off x="0" y="0"/>
+          <a:ext cx="0" cy="0"/>
+          <a:chOff x="0" y="0"/>
+          <a:chExt cx="0" cy="0"/>
+        </a:xfrm>
+      </p:grpSpPr>
+      <p:sp>
+        <p:nvSpPr>
+          <p:cNvPr id="2" name="Заголовок 1"/>
+          <p:cNvSpPr>
+            <a:spLocks noGrp="1"/>
+          </p:cNvSpPr>
+          <p:nvPr>
+            <p:ph type="title"/>
+          </p:nvPr>
+        </p:nvSpPr>
+        <p:spPr/>
+        <p:txBody>
+          <a:bodyPr/>
+          <a:lstStyle/>
+          <a:p>
+            <a:r>
+              <a:rPr lang="ru-RU" dirty="0" err="1" smtClean="0">
+                <a:latin typeface="Bebas Neue Pro Exp Eb" panose="020B0706020202050201" pitchFamily="34" charset="-52"/>
+              </a:rPr>
+              <a:t>Аппапатные</a:t>
+            </a:r>
+            <a:r>
+              <a:rPr lang="ru-RU" dirty="0" smtClean="0">
+                <a:latin typeface="Bebas Neue Pro Exp Eb" panose="020B0706020202050201" pitchFamily="34" charset="-52"/>
+              </a:rPr>
+              <a:t> решения: </a:t>
+            </a:r>
+            <a:r>
+              <a:rPr lang="en-US" dirty="0" smtClean="0">
+                <a:latin typeface="Bebas Neue Pro Exp Eb" panose="020B0706020202050201" pitchFamily="34" charset="-52"/>
+              </a:rPr>
+              <a:t>SAN</a:t>
+            </a:r>
+            <a:endParaRPr lang="en-US" dirty="0">
+              <a:latin typeface="Bebas Neue Pro Exp Eb" panose="020B0706020202050201" pitchFamily="34" charset="-52"/>
+            </a:endParaRPr>
+          </a:p>
+        </p:txBody>
+      </p:sp>
+      <p:sp>
+        <p:nvSpPr>
+          <p:cNvPr id="3" name="Объект 2"/>
+          <p:cNvSpPr>
+            <a:spLocks noGrp="1"/>
+          </p:cNvSpPr>
+          <p:nvPr>
+            <p:ph sz="half" idx="1"/>
+          </p:nvPr>
+        </p:nvSpPr>
+        <p:spPr>
+          <a:xfrm>
+            <a:off x="1484312" y="2666999"/>
+            <a:ext cx="6046788" cy="3124201"/>
+          </a:xfrm>
+        </p:spPr>
+        <p:txBody>
+          <a:bodyPr>
+            <a:normAutofit fontScale="92500" lnSpcReduction="20000"/>
+          </a:bodyPr>
+          <a:lstStyle/>
+          <a:p>
+            <a:r>
+              <a:rPr lang="en-US" dirty="0">
+                <a:latin typeface="Bebas Neue Pro Exp Rg" panose="020B0506020202050201" pitchFamily="34" charset="-52"/>
+              </a:rPr>
+              <a:t>Storage Area Network</a:t>
+            </a:r>
+            <a:endParaRPr lang="en-US" dirty="0">
+              <a:latin typeface="Bebas Neue Pro Exp Rg" panose="020B0506020202050201" pitchFamily="34" charset="-52"/>
+            </a:endParaRPr>
+          </a:p>
+          <a:p>
+            <a:r>
+              <a:rPr lang="ru-RU" dirty="0">
+                <a:latin typeface="Bebas Neue Pro Exp Rg" panose="020B0506020202050201" pitchFamily="34" charset="-52"/>
+              </a:rPr>
+              <a:t>Сеть хранения данных на уровне блочного </a:t>
+            </a:r>
+            <a:r>
+              <a:rPr lang="ru-RU" dirty="0" smtClean="0">
+                <a:latin typeface="Bebas Neue Pro Exp Rg" panose="020B0506020202050201" pitchFamily="34" charset="-52"/>
+              </a:rPr>
+              <a:t>доступа</a:t>
+            </a:r>
+          </a:p>
+          <a:p>
+            <a:r>
+              <a:rPr lang="ru-RU" dirty="0">
+                <a:latin typeface="Bebas Neue Pro Exp Rg" panose="020B0506020202050201" pitchFamily="34" charset="-52"/>
+              </a:rPr>
+              <a:t>Серверы видят «</a:t>
+            </a:r>
+            <a:r>
+              <a:rPr lang="ru-RU" dirty="0" smtClean="0">
+                <a:latin typeface="Bebas Neue Pro Exp Rg" panose="020B0506020202050201" pitchFamily="34" charset="-52"/>
+              </a:rPr>
+              <a:t>удаленные </a:t>
+            </a:r>
+            <a:r>
+              <a:rPr lang="ru-RU" dirty="0">
+                <a:latin typeface="Bebas Neue Pro Exp Rg" panose="020B0506020202050201" pitchFamily="34" charset="-52"/>
+              </a:rPr>
+              <a:t>диски», а не файловые </a:t>
+            </a:r>
+            <a:r>
+              <a:rPr lang="ru-RU" dirty="0" smtClean="0">
+                <a:latin typeface="Bebas Neue Pro Exp Rg" panose="020B0506020202050201" pitchFamily="34" charset="-52"/>
+              </a:rPr>
+              <a:t>папки</a:t>
+            </a:r>
+          </a:p>
+          <a:p>
+            <a:r>
+              <a:rPr lang="ru-RU" dirty="0">
+                <a:latin typeface="Bebas Neue Pro Exp Rg" panose="020B0506020202050201" pitchFamily="34" charset="-52"/>
+              </a:rPr>
+              <a:t>Подключение по </a:t>
+            </a:r>
+            <a:r>
+              <a:rPr lang="ru-RU" dirty="0" smtClean="0">
+                <a:latin typeface="Bebas Neue Pro Exp Rg" panose="020B0506020202050201" pitchFamily="34" charset="-52"/>
+              </a:rPr>
+              <a:t>протоколам </a:t>
+            </a:r>
+            <a:r>
+              <a:rPr lang="en-US" dirty="0" err="1" smtClean="0">
+                <a:latin typeface="Bebas Neue Pro Exp Rg" panose="020B0506020202050201" pitchFamily="34" charset="-52"/>
+              </a:rPr>
+              <a:t>Fibre</a:t>
+            </a:r>
+            <a:r>
+              <a:rPr lang="en-US" dirty="0" smtClean="0">
+                <a:latin typeface="Bebas Neue Pro Exp Rg" panose="020B0506020202050201" pitchFamily="34" charset="-52"/>
+              </a:rPr>
+              <a:t> Channel, iSCSI</a:t>
+            </a:r>
+            <a:endParaRPr lang="ru-RU" dirty="0" smtClean="0">
+              <a:latin typeface="Bebas Neue Pro Exp Rg" panose="020B0506020202050201" pitchFamily="34" charset="-52"/>
+            </a:endParaRPr>
+          </a:p>
+          <a:p>
+            <a:r>
+              <a:rPr lang="ru-RU" dirty="0">
+                <a:latin typeface="Bebas Neue Pro Exp Rg" panose="020B0506020202050201" pitchFamily="34" charset="-52"/>
+              </a:rPr>
+              <a:t>Поддерживает </a:t>
+            </a:r>
+            <a:r>
+              <a:rPr lang="en-US" dirty="0" smtClean="0">
+                <a:latin typeface="Bebas Neue Pro Exp Rg" panose="020B0506020202050201" pitchFamily="34" charset="-52"/>
+              </a:rPr>
+              <a:t>RAID 0, 1, 5, 6</a:t>
+            </a:r>
+            <a:r>
+              <a:rPr lang="ru-RU" dirty="0" smtClean="0">
+                <a:latin typeface="Bebas Neue Pro Exp Rg" panose="020B0506020202050201" pitchFamily="34" charset="-52"/>
+              </a:rPr>
+              <a:t>, 10, 50, 60</a:t>
+            </a:r>
+            <a:endParaRPr lang="en-US" dirty="0" smtClean="0">
+              <a:latin typeface="Bebas Neue Pro Exp Rg" panose="020B0506020202050201" pitchFamily="34" charset="-52"/>
+            </a:endParaRPr>
+          </a:p>
+          <a:p>
+            <a:r>
+              <a:rPr lang="ru-RU" dirty="0" smtClean="0">
+                <a:latin typeface="Bebas Neue Pro Exp Rg" panose="020B0506020202050201" pitchFamily="34" charset="-52"/>
+              </a:rPr>
+              <a:t>Высокая скорость, масштабируемость, отказоустойчивость</a:t>
+            </a:r>
+          </a:p>
+          <a:p>
+            <a:r>
+              <a:rPr lang="ru-RU" dirty="0" smtClean="0">
+                <a:latin typeface="Bebas Neue Pro Exp Rg" panose="020B0506020202050201" pitchFamily="34" charset="-52"/>
+              </a:rPr>
+              <a:t>Совместно используется с кластеризацией, репликацией, </a:t>
+            </a:r>
+            <a:r>
+              <a:rPr lang="ru-RU" dirty="0" err="1" smtClean="0">
+                <a:latin typeface="Bebas Neue Pro Exp Rg" panose="020B0506020202050201" pitchFamily="34" charset="-52"/>
+              </a:rPr>
+              <a:t>снапшотами</a:t>
+            </a:r>
+            <a:endParaRPr lang="ru-RU" dirty="0" smtClean="0">
+              <a:latin typeface="Bebas Neue Pro Exp Rg" panose="020B0506020202050201" pitchFamily="34" charset="-52"/>
+            </a:endParaRPr>
+          </a:p>
+          <a:p>
+            <a:r>
+              <a:rPr lang="ru-RU" dirty="0" smtClean="0">
+                <a:latin typeface="Bebas Neue Pro Exp Rg" panose="020B0506020202050201" pitchFamily="34" charset="-52"/>
+              </a:rPr>
+              <a:t>Применение: корпоративные дата-центры</a:t>
+            </a:r>
+          </a:p>
+          <a:p>
+            <a:endParaRPr lang="ru-RU" dirty="0">
+              <a:latin typeface="Bebas Neue Pro Exp Rg" panose="020B0506020202050201" pitchFamily="34" charset="-52"/>
+            </a:endParaRPr>
+          </a:p>
+        </p:txBody>
+      </p:sp>
+      <p:pic>
+        <p:nvPicPr>
+          <p:cNvPr id="6" name="Объект 5"/>
+          <p:cNvPicPr>
+            <a:picLocks noGrp="1" noChangeAspect="1"/>
+          </p:cNvPicPr>
+          <p:nvPr>
+            <p:ph sz="half" idx="2"/>
+          </p:nvPr>
+        </p:nvPicPr>
+        <p:blipFill>
+          <a:blip r:embed="rId2">
+            <a:extLst>
+              <a:ext uri="{28A0092B-C50C-407E-A947-70E740481C1C}">
+                <a14:useLocalDpi xmlns:a14="http://schemas.microsoft.com/office/drawing/2010/main" val="0"/>
+              </a:ext>
+            </a:extLst>
+          </a:blip>
+          <a:stretch>
+            <a:fillRect/>
+          </a:stretch>
+        </p:blipFill>
+        <p:spPr>
+          <a:xfrm>
+            <a:off x="7531100" y="3131820"/>
+            <a:ext cx="3048000" cy="2194560"/>
+          </a:xfrm>
+        </p:spPr>
+      </p:pic>
+    </p:spTree>
+    <p:extLst>
+      <p:ext uri="{BB962C8B-B14F-4D97-AF65-F5344CB8AC3E}">
+        <p14:creationId xmlns:p14="http://schemas.microsoft.com/office/powerpoint/2010/main" val="3326844373"/>
+      </p:ext>
+    </p:extLst>
+  </p:cSld>
+  <p:clrMapOvr>
+    <a:masterClrMapping/>
+  </p:clrMapOvr>
+  <p:timing>
+    <p:tnLst>
+      <p:par>
+        <p:cTn id="1" dur="indefinite" restart="never" nodeType="tmRoot"/>
+      </p:par>
+    </p:tnLst>
+  </p:timing>
+</p:sld>
+</file>
+
+<file path=ppt/slides/slide23.xml><?xml version="1.0" encoding="utf-8"?>
+<p:sld xmlns:a="http://schemas.openxmlformats.org/drawingml/2006/main" xmlns:r="http://schemas.openxmlformats.org/officeDocument/2006/relationships" xmlns:p="http://schemas.openxmlformats.org/presentationml/2006/main">
+  <p:cSld>
+    <p:spTree>
+      <p:nvGrpSpPr>
+        <p:cNvPr id="1" name=""/>
+        <p:cNvGrpSpPr/>
+        <p:nvPr/>
+      </p:nvGrpSpPr>
+      <p:grpSpPr>
+        <a:xfrm>
+          <a:off x="0" y="0"/>
+          <a:ext cx="0" cy="0"/>
+          <a:chOff x="0" y="0"/>
+          <a:chExt cx="0" cy="0"/>
+        </a:xfrm>
+      </p:grpSpPr>
+      <p:sp>
+        <p:nvSpPr>
+          <p:cNvPr id="2" name="Заголовок 1"/>
+          <p:cNvSpPr>
+            <a:spLocks noGrp="1"/>
+          </p:cNvSpPr>
+          <p:nvPr>
+            <p:ph type="title"/>
+          </p:nvPr>
+        </p:nvSpPr>
+        <p:spPr/>
+        <p:txBody>
+          <a:bodyPr/>
+          <a:lstStyle/>
+          <a:p>
+            <a:r>
+              <a:rPr lang="ru-RU" dirty="0" smtClean="0">
+                <a:latin typeface="Bebas Neue Pro Exp Eb" panose="020B0706020202050201" pitchFamily="34" charset="-52"/>
+              </a:rPr>
+              <a:t>Серверные </a:t>
+            </a:r>
+            <a:r>
+              <a:rPr lang="en-US" dirty="0" smtClean="0">
+                <a:latin typeface="Bebas Neue Pro Exp Eb" panose="020B0706020202050201" pitchFamily="34" charset="-52"/>
+              </a:rPr>
+              <a:t>RAID-</a:t>
+            </a:r>
+            <a:r>
+              <a:rPr lang="ru-RU" dirty="0" smtClean="0">
+                <a:latin typeface="Bebas Neue Pro Exp Eb" panose="020B0706020202050201" pitchFamily="34" charset="-52"/>
+              </a:rPr>
+              <a:t>контроллеры</a:t>
+            </a:r>
+            <a:endParaRPr lang="en-US" dirty="0">
+              <a:latin typeface="Bebas Neue Pro Exp Eb" panose="020B0706020202050201" pitchFamily="34" charset="-52"/>
+            </a:endParaRPr>
+          </a:p>
+        </p:txBody>
+      </p:sp>
+      <p:sp>
+        <p:nvSpPr>
+          <p:cNvPr id="3" name="Объект 2"/>
+          <p:cNvSpPr>
+            <a:spLocks noGrp="1"/>
+          </p:cNvSpPr>
+          <p:nvPr>
+            <p:ph sz="half" idx="1"/>
+          </p:nvPr>
+        </p:nvSpPr>
+        <p:spPr>
+          <a:xfrm>
+            <a:off x="1484312" y="2666999"/>
+            <a:ext cx="6046788" cy="3124201"/>
+          </a:xfrm>
+        </p:spPr>
+        <p:txBody>
+          <a:bodyPr>
+            <a:normAutofit lnSpcReduction="10000"/>
+          </a:bodyPr>
+          <a:lstStyle/>
+          <a:p>
+            <a:r>
+              <a:rPr lang="ru-RU" dirty="0" smtClean="0">
+                <a:latin typeface="Bebas Neue Pro Exp Rg" panose="020B0506020202050201" pitchFamily="34" charset="-52"/>
+              </a:rPr>
+              <a:t>Встраиваются в сервер модульно или как отдельные </a:t>
+            </a:r>
+            <a:r>
+              <a:rPr lang="en-US" dirty="0" err="1" smtClean="0">
+                <a:latin typeface="Bebas Neue Pro Exp Rg" panose="020B0506020202050201" pitchFamily="34" charset="-52"/>
+              </a:rPr>
+              <a:t>PCIe</a:t>
+            </a:r>
+            <a:r>
+              <a:rPr lang="en-US" dirty="0" smtClean="0">
+                <a:latin typeface="Bebas Neue Pro Exp Rg" panose="020B0506020202050201" pitchFamily="34" charset="-52"/>
+              </a:rPr>
+              <a:t>-</a:t>
+            </a:r>
+            <a:r>
+              <a:rPr lang="ru-RU" dirty="0" smtClean="0">
+                <a:latin typeface="Bebas Neue Pro Exp Rg" panose="020B0506020202050201" pitchFamily="34" charset="-52"/>
+              </a:rPr>
+              <a:t>карты</a:t>
+            </a:r>
+            <a:endParaRPr lang="en-US" dirty="0">
+              <a:latin typeface="Bebas Neue Pro Exp Rg" panose="020B0506020202050201" pitchFamily="34" charset="-52"/>
+            </a:endParaRPr>
+          </a:p>
+          <a:p>
+            <a:r>
+              <a:rPr lang="ru-RU" dirty="0" smtClean="0">
+                <a:latin typeface="Bebas Neue Pro Exp Rg" panose="020B0506020202050201" pitchFamily="34" charset="-52"/>
+              </a:rPr>
+              <a:t>Управляются локальными накопителями внутри корпуса</a:t>
+            </a:r>
+          </a:p>
+          <a:p>
+            <a:r>
+              <a:rPr lang="ru-RU" dirty="0">
+                <a:latin typeface="Bebas Neue Pro Exp Rg" panose="020B0506020202050201" pitchFamily="34" charset="-52"/>
+              </a:rPr>
+              <a:t>Оснащаются собственным процессором и кэш‑памятью</a:t>
+            </a:r>
+          </a:p>
+          <a:p>
+            <a:r>
+              <a:rPr lang="ru-RU" dirty="0">
+                <a:latin typeface="Bebas Neue Pro Exp Rg" panose="020B0506020202050201" pitchFamily="34" charset="-52"/>
+              </a:rPr>
+              <a:t>Защита кэша при сбое питания (батарея или флэш‑модуль)</a:t>
+            </a:r>
+          </a:p>
+          <a:p>
+            <a:r>
+              <a:rPr lang="ru-RU" dirty="0" smtClean="0">
+                <a:latin typeface="Bebas Neue Pro Exp Rg" panose="020B0506020202050201" pitchFamily="34" charset="-52"/>
+              </a:rPr>
+              <a:t>Поддерживает </a:t>
+            </a:r>
+            <a:r>
+              <a:rPr lang="ru-RU" dirty="0">
+                <a:latin typeface="Bebas Neue Pro Exp Rg" panose="020B0506020202050201" pitchFamily="34" charset="-52"/>
+              </a:rPr>
+              <a:t>RAID </a:t>
+            </a:r>
+            <a:r>
+              <a:rPr lang="ru-RU" dirty="0" smtClean="0">
+                <a:latin typeface="Bebas Neue Pro Exp Rg" panose="020B0506020202050201" pitchFamily="34" charset="-52"/>
+              </a:rPr>
+              <a:t>0</a:t>
+            </a:r>
+            <a:r>
+              <a:rPr lang="ru-RU" dirty="0">
+                <a:latin typeface="Bebas Neue Pro Exp Rg" panose="020B0506020202050201" pitchFamily="34" charset="-52"/>
+              </a:rPr>
+              <a:t>, 1, 5, 6, 10 и </a:t>
+            </a:r>
+            <a:r>
+              <a:rPr lang="ru-RU" dirty="0" smtClean="0">
+                <a:latin typeface="Bebas Neue Pro Exp Rg" panose="020B0506020202050201" pitchFamily="34" charset="-52"/>
+              </a:rPr>
+              <a:t>другие</a:t>
+            </a:r>
+          </a:p>
+          <a:p>
+            <a:r>
+              <a:rPr lang="ru-RU" dirty="0" smtClean="0">
+                <a:latin typeface="Bebas Neue Pro Exp Rg" panose="020B0506020202050201" pitchFamily="34" charset="-52"/>
+              </a:rPr>
+              <a:t>Применение: рабочие станции, серверы, дата-центры в конфигурации локальный </a:t>
+            </a:r>
+            <a:r>
+              <a:rPr lang="en-US" dirty="0" smtClean="0">
+                <a:latin typeface="Bebas Neue Pro Exp Rg" panose="020B0506020202050201" pitchFamily="34" charset="-52"/>
+              </a:rPr>
+              <a:t>RAID </a:t>
+            </a:r>
+            <a:r>
+              <a:rPr lang="ru-RU" dirty="0" smtClean="0">
+                <a:latin typeface="Bebas Neue Pro Exp Rg" panose="020B0506020202050201" pitchFamily="34" charset="-52"/>
+              </a:rPr>
+              <a:t>для ОС + внешние СХД</a:t>
+            </a:r>
+            <a:endParaRPr lang="ru-RU" dirty="0">
+              <a:latin typeface="Bebas Neue Pro Exp Rg" panose="020B0506020202050201" pitchFamily="34" charset="-52"/>
+            </a:endParaRPr>
+          </a:p>
+          <a:p>
+            <a:endParaRPr lang="ru-RU" dirty="0" smtClean="0">
+              <a:latin typeface="Bebas Neue Pro Exp Rg" panose="020B0506020202050201" pitchFamily="34" charset="-52"/>
+            </a:endParaRPr>
+          </a:p>
+          <a:p>
+            <a:endParaRPr lang="ru-RU" dirty="0">
+              <a:latin typeface="Bebas Neue Pro Exp Rg" panose="020B0506020202050201" pitchFamily="34" charset="-52"/>
+            </a:endParaRPr>
+          </a:p>
+        </p:txBody>
+      </p:sp>
+      <p:pic>
+        <p:nvPicPr>
+          <p:cNvPr id="7" name="Объект 6"/>
+          <p:cNvPicPr>
+            <a:picLocks noGrp="1" noChangeAspect="1"/>
+          </p:cNvPicPr>
+          <p:nvPr>
+            <p:ph sz="half" idx="2"/>
+          </p:nvPr>
+        </p:nvPicPr>
+        <p:blipFill>
+          <a:blip r:embed="rId2">
+            <a:extLst>
+              <a:ext uri="{28A0092B-C50C-407E-A947-70E740481C1C}">
+                <a14:useLocalDpi xmlns:a14="http://schemas.microsoft.com/office/drawing/2010/main" val="0"/>
+              </a:ext>
+            </a:extLst>
+          </a:blip>
+          <a:stretch>
+            <a:fillRect/>
+          </a:stretch>
+        </p:blipFill>
+        <p:spPr>
+          <a:xfrm>
+            <a:off x="7531099" y="2804408"/>
+            <a:ext cx="3971925" cy="2311660"/>
+          </a:xfrm>
+        </p:spPr>
+      </p:pic>
+    </p:spTree>
+    <p:extLst>
+      <p:ext uri="{BB962C8B-B14F-4D97-AF65-F5344CB8AC3E}">
+        <p14:creationId xmlns:p14="http://schemas.microsoft.com/office/powerpoint/2010/main" val="1396125779"/>
+      </p:ext>
+    </p:extLst>
+  </p:cSld>
+  <p:clrMapOvr>
+    <a:masterClrMapping/>
+  </p:clrMapOvr>
+  <p:timing>
+    <p:tnLst>
+      <p:par>
+        <p:cTn id="1" dur="indefinite" restart="never" nodeType="tmRoot"/>
+      </p:par>
+    </p:tnLst>
+  </p:timing>
+</p:sld>
+</file>
+
+<file path=ppt/slides/slide24.xml><?xml version="1.0" encoding="utf-8"?>
 <p:sld xmlns:a="http://schemas.openxmlformats.org/drawingml/2006/main" xmlns:r="http://schemas.openxmlformats.org/officeDocument/2006/relationships" xmlns:p="http://schemas.openxmlformats.org/presentationml/2006/main">
   <p:cSld>
     <p:bg>
@@ -12626,9 +17111,14 @@
           <a:p>
             <a:pPr algn="l"/>
             <a:r>
-              <a:rPr lang="ru-RU" noProof="1"/>
-              <a:t>Заголовок Lorem Ipsum Dolor</a:t>
-            </a:r>
+              <a:rPr lang="ru-RU" noProof="1" smtClean="0">
+                <a:latin typeface="Bebas Neue Pro Exp Eb" panose="020B0706020202050201" pitchFamily="34" charset="-52"/>
+              </a:rPr>
+              <a:t>Спасибо за внимание!</a:t>
+            </a:r>
+            <a:endParaRPr lang="ru-RU" noProof="1">
+              <a:latin typeface="Bebas Neue Pro Exp Eb" panose="020B0706020202050201" pitchFamily="34" charset="-52"/>
+            </a:endParaRPr>
           </a:p>
         </p:txBody>
       </p:sp>
@@ -12650,7 +17140,7 @@
         </p:nvSpPr>
         <p:spPr>
           <a:xfrm>
-            <a:off x="1018190" y="2666999"/>
+            <a:off x="1018191" y="5802085"/>
             <a:ext cx="7243603" cy="2719193"/>
           </a:xfrm>
         </p:spPr>
@@ -12660,29 +17150,18 @@
           </a:bodyPr>
           <a:lstStyle/>
           <a:p>
-            <a:pPr rtl="0"/>
-            <a:r>
-              <a:rPr lang="ru-RU" sz="1800" noProof="1"/>
-              <a:t>Lorem ipsum dolor sit amet, consectetuer adipiscing elit. Maecenas porttitor congue massa. Fusce posuere, magna sed pulvinar ultricies, purus lectus malesuada libero, sit amet commodo magna eros quis urna.</a:t>
-            </a:r>
-          </a:p>
-          <a:p>
-            <a:pPr rtl="0"/>
-            <a:r>
-              <a:rPr lang="ru-RU" sz="1800" noProof="1"/>
-              <a:t>Nunc viverra imperdiet enim. Fusce est. Vivamus a tellus.</a:t>
-            </a:r>
-          </a:p>
-          <a:p>
-            <a:pPr rtl="0"/>
-            <a:r>
-              <a:rPr lang="ru-RU" sz="1800" noProof="1"/>
-              <a:t>Pellentesque habitant morbi tristique senectus et netus et malesuada fames ac turpis egestas. Proin pharetra nonummy pede. Mauris et orci.</a:t>
-            </a:r>
-          </a:p>
-          <a:p>
-            <a:pPr rtl="0"/>
-            <a:endParaRPr lang="ru-RU" sz="1800" noProof="1"/>
+            <a:pPr marL="0" indent="0" rtl="0">
+              <a:buNone/>
+            </a:pPr>
+            <a:r>
+              <a:rPr lang="ru-RU" sz="1800" noProof="1" smtClean="0">
+                <a:latin typeface="Bebas Neue Pro Exp Rg" panose="020B0506020202050201" pitchFamily="34" charset="-52"/>
+              </a:rPr>
+              <a:t>Студент группы 250541 Бобрик Владимир</a:t>
+            </a:r>
+            <a:endParaRPr lang="ru-RU" sz="1800" noProof="1">
+              <a:latin typeface="Bebas Neue Pro Exp Rg" panose="020B0506020202050201" pitchFamily="34" charset="-52"/>
+            </a:endParaRPr>
           </a:p>
         </p:txBody>
       </p:sp>
@@ -12695,6 +17174,1424 @@
   </p:cSld>
   <p:clrMapOvr>
     <a:overrideClrMapping bg1="dk1" tx1="lt1" bg2="dk2" tx2="lt2" accent1="accent1" accent2="accent2" accent3="accent3" accent4="accent4" accent5="accent5" accent6="accent6" hlink="hlink" folHlink="folHlink"/>
+  </p:clrMapOvr>
+  <p:timing>
+    <p:tnLst>
+      <p:par>
+        <p:cTn id="1" dur="indefinite" restart="never" nodeType="tmRoot"/>
+      </p:par>
+    </p:tnLst>
+  </p:timing>
+</p:sld>
+</file>
+
+<file path=ppt/slides/slide3.xml><?xml version="1.0" encoding="utf-8"?>
+<p:sld xmlns:a="http://schemas.openxmlformats.org/drawingml/2006/main" xmlns:r="http://schemas.openxmlformats.org/officeDocument/2006/relationships" xmlns:p="http://schemas.openxmlformats.org/presentationml/2006/main">
+  <p:cSld>
+    <p:spTree>
+      <p:nvGrpSpPr>
+        <p:cNvPr id="1" name=""/>
+        <p:cNvGrpSpPr/>
+        <p:nvPr/>
+      </p:nvGrpSpPr>
+      <p:grpSpPr>
+        <a:xfrm>
+          <a:off x="0" y="0"/>
+          <a:ext cx="0" cy="0"/>
+          <a:chOff x="0" y="0"/>
+          <a:chExt cx="0" cy="0"/>
+        </a:xfrm>
+      </p:grpSpPr>
+      <p:sp>
+        <p:nvSpPr>
+          <p:cNvPr id="2" name="Заголовок 1"/>
+          <p:cNvSpPr>
+            <a:spLocks noGrp="1"/>
+          </p:cNvSpPr>
+          <p:nvPr>
+            <p:ph type="title"/>
+          </p:nvPr>
+        </p:nvSpPr>
+        <p:spPr>
+          <a:xfrm>
+            <a:off x="1484309" y="0"/>
+            <a:ext cx="10018713" cy="1752599"/>
+          </a:xfrm>
+        </p:spPr>
+        <p:txBody>
+          <a:bodyPr/>
+          <a:lstStyle/>
+          <a:p>
+            <a:r>
+              <a:rPr lang="ru-RU" dirty="0" smtClean="0">
+                <a:latin typeface="Bebas Neue Pro Exp Eb" panose="020B0706020202050201" pitchFamily="34" charset="-52"/>
+              </a:rPr>
+              <a:t>Классификация дисковых массивов</a:t>
+            </a:r>
+            <a:endParaRPr lang="en-US" dirty="0">
+              <a:latin typeface="Bebas Neue Pro Exp Eb" panose="020B0706020202050201" pitchFamily="34" charset="-52"/>
+            </a:endParaRPr>
+          </a:p>
+        </p:txBody>
+      </p:sp>
+      <p:graphicFrame>
+        <p:nvGraphicFramePr>
+          <p:cNvPr id="4" name="Объект 3"/>
+          <p:cNvGraphicFramePr>
+            <a:graphicFrameLocks noGrp="1"/>
+          </p:cNvGraphicFramePr>
+          <p:nvPr>
+            <p:ph idx="1"/>
+            <p:extLst>
+              <p:ext uri="{D42A27DB-BD31-4B8C-83A1-F6EECF244321}">
+                <p14:modId xmlns:p14="http://schemas.microsoft.com/office/powerpoint/2010/main" val="2878644004"/>
+              </p:ext>
+            </p:extLst>
+          </p:nvPr>
+        </p:nvGraphicFramePr>
+        <p:xfrm>
+          <a:off x="2101098" y="1752599"/>
+          <a:ext cx="9586721" cy="4431059"/>
+        </p:xfrm>
+        <a:graphic>
+          <a:graphicData uri="http://schemas.openxmlformats.org/drawingml/2006/diagram">
+            <dgm:relIds xmlns:dgm="http://schemas.openxmlformats.org/drawingml/2006/diagram" xmlns:r="http://schemas.openxmlformats.org/officeDocument/2006/relationships" r:dm="rId2" r:lo="rId3" r:qs="rId4" r:cs="rId5"/>
+          </a:graphicData>
+        </a:graphic>
+      </p:graphicFrame>
+    </p:spTree>
+    <p:extLst>
+      <p:ext uri="{BB962C8B-B14F-4D97-AF65-F5344CB8AC3E}">
+        <p14:creationId xmlns:p14="http://schemas.microsoft.com/office/powerpoint/2010/main" val="3690890282"/>
+      </p:ext>
+    </p:extLst>
+  </p:cSld>
+  <p:clrMapOvr>
+    <a:masterClrMapping/>
+  </p:clrMapOvr>
+  <p:timing>
+    <p:tnLst>
+      <p:par>
+        <p:cTn id="1" dur="indefinite" restart="never" nodeType="tmRoot"/>
+      </p:par>
+    </p:tnLst>
+  </p:timing>
+</p:sld>
+</file>
+
+<file path=ppt/slides/slide4.xml><?xml version="1.0" encoding="utf-8"?>
+<p:sld xmlns:a="http://schemas.openxmlformats.org/drawingml/2006/main" xmlns:r="http://schemas.openxmlformats.org/officeDocument/2006/relationships" xmlns:p="http://schemas.openxmlformats.org/presentationml/2006/main">
+  <p:cSld>
+    <p:spTree>
+      <p:nvGrpSpPr>
+        <p:cNvPr id="1" name=""/>
+        <p:cNvGrpSpPr/>
+        <p:nvPr/>
+      </p:nvGrpSpPr>
+      <p:grpSpPr>
+        <a:xfrm>
+          <a:off x="0" y="0"/>
+          <a:ext cx="0" cy="0"/>
+          <a:chOff x="0" y="0"/>
+          <a:chExt cx="0" cy="0"/>
+        </a:xfrm>
+      </p:grpSpPr>
+      <p:sp>
+        <p:nvSpPr>
+          <p:cNvPr id="2" name="Заголовок 1"/>
+          <p:cNvSpPr>
+            <a:spLocks noGrp="1"/>
+          </p:cNvSpPr>
+          <p:nvPr>
+            <p:ph type="title"/>
+          </p:nvPr>
+        </p:nvSpPr>
+        <p:spPr>
+          <a:xfrm>
+            <a:off x="1484311" y="1809750"/>
+            <a:ext cx="3549121" cy="679783"/>
+          </a:xfrm>
+        </p:spPr>
+        <p:txBody>
+          <a:bodyPr>
+            <a:normAutofit/>
+          </a:bodyPr>
+          <a:lstStyle/>
+          <a:p>
+            <a:r>
+              <a:rPr lang="en-US" sz="3600" dirty="0" smtClean="0">
+                <a:latin typeface="Bebas Neue Pro Exp Eb" panose="020B0706020202050201" pitchFamily="34" charset="-52"/>
+              </a:rPr>
+              <a:t>JBOD</a:t>
+            </a:r>
+            <a:endParaRPr lang="en-US" sz="3600" dirty="0">
+              <a:latin typeface="Bebas Neue Pro Exp Eb" panose="020B0706020202050201" pitchFamily="34" charset="-52"/>
+            </a:endParaRPr>
+          </a:p>
+        </p:txBody>
+      </p:sp>
+      <p:sp>
+        <p:nvSpPr>
+          <p:cNvPr id="4" name="Текст 3"/>
+          <p:cNvSpPr>
+            <a:spLocks noGrp="1"/>
+          </p:cNvSpPr>
+          <p:nvPr>
+            <p:ph type="body" sz="half" idx="2"/>
+          </p:nvPr>
+        </p:nvSpPr>
+        <p:spPr>
+          <a:xfrm>
+            <a:off x="1484312" y="2489533"/>
+            <a:ext cx="4369051" cy="3225467"/>
+          </a:xfrm>
+        </p:spPr>
+        <p:txBody>
+          <a:bodyPr/>
+          <a:lstStyle/>
+          <a:p>
+            <a:pPr marL="285750" indent="-285750" algn="l">
+              <a:buFont typeface="Arial" panose="020B0604020202020204" pitchFamily="34" charset="0"/>
+              <a:buChar char="•"/>
+            </a:pPr>
+            <a:r>
+              <a:rPr lang="ru-RU" dirty="0" smtClean="0">
+                <a:latin typeface="Bebas Neue Pro Exp Rg" panose="020B0506020202050201" pitchFamily="34" charset="-52"/>
+              </a:rPr>
+              <a:t>Первый вариант объединения дисков</a:t>
+            </a:r>
+          </a:p>
+          <a:p>
+            <a:pPr marL="285750" indent="-285750" algn="l">
+              <a:buFont typeface="Arial" panose="020B0604020202020204" pitchFamily="34" charset="0"/>
+              <a:buChar char="•"/>
+            </a:pPr>
+            <a:r>
+              <a:rPr lang="ru-RU" dirty="0" smtClean="0">
+                <a:latin typeface="Bebas Neue Pro Exp Rg" panose="020B0506020202050201" pitchFamily="34" charset="-52"/>
+              </a:rPr>
+              <a:t>Объединение множества дисков в единый логический том</a:t>
+            </a:r>
+          </a:p>
+          <a:p>
+            <a:pPr marL="285750" indent="-285750" algn="l">
+              <a:buFont typeface="Arial" panose="020B0604020202020204" pitchFamily="34" charset="0"/>
+              <a:buChar char="•"/>
+            </a:pPr>
+            <a:r>
+              <a:rPr lang="ru-RU" dirty="0" smtClean="0">
+                <a:latin typeface="Bebas Neue Pro Exp Rg" panose="020B0506020202050201" pitchFamily="34" charset="-52"/>
+              </a:rPr>
+              <a:t>Только увеличенное место на одном логическом томе</a:t>
+            </a:r>
+          </a:p>
+          <a:p>
+            <a:pPr marL="285750" indent="-285750" algn="l">
+              <a:buFont typeface="Arial" panose="020B0604020202020204" pitchFamily="34" charset="0"/>
+              <a:buChar char="•"/>
+            </a:pPr>
+            <a:endParaRPr lang="en-US" dirty="0">
+              <a:latin typeface="Bebas Neue Pro Exp Rg" panose="020B0506020202050201" pitchFamily="34" charset="-52"/>
+            </a:endParaRPr>
+          </a:p>
+        </p:txBody>
+      </p:sp>
+      <p:pic>
+        <p:nvPicPr>
+          <p:cNvPr id="10" name="Объект 9"/>
+          <p:cNvPicPr>
+            <a:picLocks noGrp="1" noChangeAspect="1"/>
+          </p:cNvPicPr>
+          <p:nvPr>
+            <p:ph idx="1"/>
+          </p:nvPr>
+        </p:nvPicPr>
+        <p:blipFill>
+          <a:blip r:embed="rId2">
+            <a:extLst>
+              <a:ext uri="{28A0092B-C50C-407E-A947-70E740481C1C}">
+                <a14:useLocalDpi xmlns:a14="http://schemas.microsoft.com/office/drawing/2010/main" val="0"/>
+              </a:ext>
+            </a:extLst>
+          </a:blip>
+          <a:stretch>
+            <a:fillRect/>
+          </a:stretch>
+        </p:blipFill>
+        <p:spPr>
+          <a:xfrm>
+            <a:off x="6625431" y="1809750"/>
+            <a:ext cx="3514725" cy="2857500"/>
+          </a:xfrm>
+        </p:spPr>
+      </p:pic>
+    </p:spTree>
+    <p:extLst>
+      <p:ext uri="{BB962C8B-B14F-4D97-AF65-F5344CB8AC3E}">
+        <p14:creationId xmlns:p14="http://schemas.microsoft.com/office/powerpoint/2010/main" val="1646468264"/>
+      </p:ext>
+    </p:extLst>
+  </p:cSld>
+  <p:clrMapOvr>
+    <a:masterClrMapping/>
+  </p:clrMapOvr>
+  <p:timing>
+    <p:tnLst>
+      <p:par>
+        <p:cTn id="1" dur="indefinite" restart="never" nodeType="tmRoot"/>
+      </p:par>
+    </p:tnLst>
+  </p:timing>
+</p:sld>
+</file>
+
+<file path=ppt/slides/slide5.xml><?xml version="1.0" encoding="utf-8"?>
+<p:sld xmlns:a="http://schemas.openxmlformats.org/drawingml/2006/main" xmlns:r="http://schemas.openxmlformats.org/officeDocument/2006/relationships" xmlns:p="http://schemas.openxmlformats.org/presentationml/2006/main">
+  <p:cSld>
+    <p:spTree>
+      <p:nvGrpSpPr>
+        <p:cNvPr id="1" name=""/>
+        <p:cNvGrpSpPr/>
+        <p:nvPr/>
+      </p:nvGrpSpPr>
+      <p:grpSpPr>
+        <a:xfrm>
+          <a:off x="0" y="0"/>
+          <a:ext cx="0" cy="0"/>
+          <a:chOff x="0" y="0"/>
+          <a:chExt cx="0" cy="0"/>
+        </a:xfrm>
+      </p:grpSpPr>
+      <p:sp>
+        <p:nvSpPr>
+          <p:cNvPr id="2" name="Заголовок 1"/>
+          <p:cNvSpPr>
+            <a:spLocks noGrp="1"/>
+          </p:cNvSpPr>
+          <p:nvPr>
+            <p:ph type="title"/>
+          </p:nvPr>
+        </p:nvSpPr>
+        <p:spPr>
+          <a:xfrm>
+            <a:off x="1484311" y="1809749"/>
+            <a:ext cx="4140000" cy="684000"/>
+          </a:xfrm>
+        </p:spPr>
+        <p:txBody>
+          <a:bodyPr>
+            <a:normAutofit fontScale="90000"/>
+          </a:bodyPr>
+          <a:lstStyle/>
+          <a:p>
+            <a:r>
+              <a:rPr lang="ru-RU" sz="3600" dirty="0" smtClean="0">
+                <a:latin typeface="Bebas Neue Pro Exp Eb" panose="020B0706020202050201" pitchFamily="34" charset="-52"/>
+              </a:rPr>
+              <a:t>Базовые понятия </a:t>
+            </a:r>
+            <a:r>
+              <a:rPr lang="en-US" sz="3600" dirty="0" smtClean="0">
+                <a:latin typeface="Bebas Neue Pro Exp Eb" panose="020B0706020202050201" pitchFamily="34" charset="-52"/>
+              </a:rPr>
+              <a:t>RAID</a:t>
+            </a:r>
+            <a:endParaRPr lang="en-US" sz="3600" dirty="0">
+              <a:latin typeface="Bebas Neue Pro Exp Eb" panose="020B0706020202050201" pitchFamily="34" charset="-52"/>
+            </a:endParaRPr>
+          </a:p>
+        </p:txBody>
+      </p:sp>
+      <p:sp>
+        <p:nvSpPr>
+          <p:cNvPr id="4" name="Текст 3"/>
+          <p:cNvSpPr>
+            <a:spLocks noGrp="1"/>
+          </p:cNvSpPr>
+          <p:nvPr>
+            <p:ph type="body" sz="half" idx="2"/>
+          </p:nvPr>
+        </p:nvSpPr>
+        <p:spPr>
+          <a:xfrm>
+            <a:off x="1484311" y="2489533"/>
+            <a:ext cx="4140000" cy="3225467"/>
+          </a:xfrm>
+        </p:spPr>
+        <p:txBody>
+          <a:bodyPr/>
+          <a:lstStyle/>
+          <a:p>
+            <a:pPr marL="285750" indent="-285750" algn="l">
+              <a:buFont typeface="Arial" panose="020B0604020202020204" pitchFamily="34" charset="0"/>
+              <a:buChar char="•"/>
+            </a:pPr>
+            <a:r>
+              <a:rPr lang="ru-RU" dirty="0">
+                <a:latin typeface="Bebas Neue Pro Exp Rg" panose="020B0506020202050201" pitchFamily="34" charset="-52"/>
+              </a:rPr>
+              <a:t>Стрип (</a:t>
+            </a:r>
+            <a:r>
+              <a:rPr lang="ru-RU" dirty="0" err="1">
+                <a:latin typeface="Bebas Neue Pro Exp Rg" panose="020B0506020202050201" pitchFamily="34" charset="-52"/>
+              </a:rPr>
+              <a:t>strip</a:t>
+            </a:r>
+            <a:r>
+              <a:rPr lang="ru-RU" dirty="0">
+                <a:latin typeface="Bebas Neue Pro Exp Rg" panose="020B0506020202050201" pitchFamily="34" charset="-52"/>
+              </a:rPr>
+              <a:t>) — минимальный блок данных, записываемый на один диск (например, 16 КБ, 64 КБ, 128 КБ</a:t>
+            </a:r>
+            <a:r>
+              <a:rPr lang="ru-RU" dirty="0" smtClean="0">
+                <a:latin typeface="Bebas Neue Pro Exp Rg" panose="020B0506020202050201" pitchFamily="34" charset="-52"/>
+              </a:rPr>
+              <a:t>)</a:t>
+            </a:r>
+          </a:p>
+          <a:p>
+            <a:pPr marL="285750" indent="-285750" algn="l">
+              <a:buFont typeface="Arial" panose="020B0604020202020204" pitchFamily="34" charset="0"/>
+              <a:buChar char="•"/>
+            </a:pPr>
+            <a:r>
+              <a:rPr lang="ru-RU" dirty="0">
+                <a:latin typeface="Bebas Neue Pro Exp Rg" panose="020B0506020202050201" pitchFamily="34" charset="-52"/>
+              </a:rPr>
+              <a:t>Страйп (</a:t>
+            </a:r>
+            <a:r>
+              <a:rPr lang="ru-RU" dirty="0" err="1">
+                <a:latin typeface="Bebas Neue Pro Exp Rg" panose="020B0506020202050201" pitchFamily="34" charset="-52"/>
+              </a:rPr>
+              <a:t>stripe</a:t>
+            </a:r>
+            <a:r>
+              <a:rPr lang="ru-RU" dirty="0">
+                <a:latin typeface="Bebas Neue Pro Exp Rg" panose="020B0506020202050201" pitchFamily="34" charset="-52"/>
+              </a:rPr>
+              <a:t>) — совокупность </a:t>
+            </a:r>
+            <a:r>
+              <a:rPr lang="ru-RU" dirty="0" err="1">
+                <a:latin typeface="Bebas Neue Pro Exp Rg" panose="020B0506020202050201" pitchFamily="34" charset="-52"/>
+              </a:rPr>
+              <a:t>стрипов</a:t>
+            </a:r>
+            <a:r>
+              <a:rPr lang="ru-RU" dirty="0">
+                <a:latin typeface="Bebas Neue Pro Exp Rg" panose="020B0506020202050201" pitchFamily="34" charset="-52"/>
+              </a:rPr>
+              <a:t>, распределённых по всем дискам массива</a:t>
+            </a:r>
+            <a:r>
+              <a:rPr lang="ru-RU" dirty="0" smtClean="0">
+                <a:latin typeface="Bebas Neue Pro Exp Rg" panose="020B0506020202050201" pitchFamily="34" charset="-52"/>
+              </a:rPr>
+              <a:t>. </a:t>
+            </a:r>
+          </a:p>
+          <a:p>
+            <a:pPr marL="285750" indent="-285750" algn="l">
+              <a:buFont typeface="Arial" panose="020B0604020202020204" pitchFamily="34" charset="0"/>
+              <a:buChar char="•"/>
+            </a:pPr>
+            <a:r>
+              <a:rPr lang="ru-RU" dirty="0" smtClean="0">
+                <a:latin typeface="Bebas Neue Pro Exp Rg" panose="020B0506020202050201" pitchFamily="34" charset="-52"/>
+              </a:rPr>
+              <a:t>Стрипы </a:t>
+            </a:r>
+            <a:r>
+              <a:rPr lang="ru-RU" dirty="0">
+                <a:latin typeface="Bebas Neue Pro Exp Rg" panose="020B0506020202050201" pitchFamily="34" charset="-52"/>
+              </a:rPr>
+              <a:t>позволяют делить данные на части, а страйпы — объединять их в «полосы» для параллельной работы.</a:t>
+            </a:r>
+          </a:p>
+          <a:p>
+            <a:pPr marL="285750" indent="-285750" algn="l">
+              <a:buFont typeface="Arial" panose="020B0604020202020204" pitchFamily="34" charset="0"/>
+              <a:buChar char="•"/>
+            </a:pPr>
+            <a:endParaRPr lang="en-US" dirty="0"/>
+          </a:p>
+        </p:txBody>
+      </p:sp>
+      <p:pic>
+        <p:nvPicPr>
+          <p:cNvPr id="5" name="Объект 4"/>
+          <p:cNvPicPr>
+            <a:picLocks noGrp="1" noChangeAspect="1"/>
+          </p:cNvPicPr>
+          <p:nvPr>
+            <p:ph idx="1"/>
+          </p:nvPr>
+        </p:nvPicPr>
+        <p:blipFill>
+          <a:blip r:embed="rId2">
+            <a:extLst>
+              <a:ext uri="{28A0092B-C50C-407E-A947-70E740481C1C}">
+                <a14:useLocalDpi xmlns:a14="http://schemas.microsoft.com/office/drawing/2010/main" val="0"/>
+              </a:ext>
+            </a:extLst>
+          </a:blip>
+          <a:stretch>
+            <a:fillRect/>
+          </a:stretch>
+        </p:blipFill>
+        <p:spPr>
+          <a:xfrm>
+            <a:off x="5615781" y="1809750"/>
+            <a:ext cx="5534025" cy="2857500"/>
+          </a:xfrm>
+        </p:spPr>
+      </p:pic>
+    </p:spTree>
+    <p:extLst>
+      <p:ext uri="{BB962C8B-B14F-4D97-AF65-F5344CB8AC3E}">
+        <p14:creationId xmlns:p14="http://schemas.microsoft.com/office/powerpoint/2010/main" val="29585153"/>
+      </p:ext>
+    </p:extLst>
+  </p:cSld>
+  <p:clrMapOvr>
+    <a:masterClrMapping/>
+  </p:clrMapOvr>
+  <p:timing>
+    <p:tnLst>
+      <p:par>
+        <p:cTn id="1" dur="indefinite" restart="never" nodeType="tmRoot"/>
+      </p:par>
+    </p:tnLst>
+  </p:timing>
+</p:sld>
+</file>
+
+<file path=ppt/slides/slide6.xml><?xml version="1.0" encoding="utf-8"?>
+<p:sld xmlns:a="http://schemas.openxmlformats.org/drawingml/2006/main" xmlns:r="http://schemas.openxmlformats.org/officeDocument/2006/relationships" xmlns:p="http://schemas.openxmlformats.org/presentationml/2006/main">
+  <p:cSld>
+    <p:spTree>
+      <p:nvGrpSpPr>
+        <p:cNvPr id="1" name=""/>
+        <p:cNvGrpSpPr/>
+        <p:nvPr/>
+      </p:nvGrpSpPr>
+      <p:grpSpPr>
+        <a:xfrm>
+          <a:off x="0" y="0"/>
+          <a:ext cx="0" cy="0"/>
+          <a:chOff x="0" y="0"/>
+          <a:chExt cx="0" cy="0"/>
+        </a:xfrm>
+      </p:grpSpPr>
+      <p:sp>
+        <p:nvSpPr>
+          <p:cNvPr id="2" name="Заголовок 1"/>
+          <p:cNvSpPr>
+            <a:spLocks noGrp="1"/>
+          </p:cNvSpPr>
+          <p:nvPr>
+            <p:ph type="title"/>
+          </p:nvPr>
+        </p:nvSpPr>
+        <p:spPr>
+          <a:xfrm>
+            <a:off x="1484310" y="1809749"/>
+            <a:ext cx="4140000" cy="684000"/>
+          </a:xfrm>
+        </p:spPr>
+        <p:txBody>
+          <a:bodyPr>
+            <a:normAutofit/>
+          </a:bodyPr>
+          <a:lstStyle/>
+          <a:p>
+            <a:r>
+              <a:rPr lang="en-US" sz="3600" dirty="0" smtClean="0">
+                <a:latin typeface="Bebas Neue Pro Exp Eb" panose="020B0706020202050201" pitchFamily="34" charset="-52"/>
+              </a:rPr>
+              <a:t>RAID 0</a:t>
+            </a:r>
+            <a:endParaRPr lang="en-US" sz="3600" dirty="0">
+              <a:latin typeface="Bebas Neue Pro Exp Eb" panose="020B0706020202050201" pitchFamily="34" charset="-52"/>
+            </a:endParaRPr>
+          </a:p>
+        </p:txBody>
+      </p:sp>
+      <p:sp>
+        <p:nvSpPr>
+          <p:cNvPr id="4" name="Текст 3"/>
+          <p:cNvSpPr>
+            <a:spLocks noGrp="1"/>
+          </p:cNvSpPr>
+          <p:nvPr>
+            <p:ph type="body" sz="half" idx="2"/>
+          </p:nvPr>
+        </p:nvSpPr>
+        <p:spPr>
+          <a:xfrm>
+            <a:off x="1484311" y="2489533"/>
+            <a:ext cx="4140000" cy="3225467"/>
+          </a:xfrm>
+        </p:spPr>
+        <p:txBody>
+          <a:bodyPr/>
+          <a:lstStyle/>
+          <a:p>
+            <a:pPr marL="285750" indent="-285750" algn="l">
+              <a:buFont typeface="Arial" panose="020B0604020202020204" pitchFamily="34" charset="0"/>
+              <a:buChar char="•"/>
+            </a:pPr>
+            <a:r>
+              <a:rPr lang="ru-RU" dirty="0" err="1" smtClean="0">
+                <a:latin typeface="Bebas Neue Pro Exp Rg" panose="020B0506020202050201" pitchFamily="34" charset="-52"/>
+              </a:rPr>
+              <a:t>Страйпинг</a:t>
+            </a:r>
+            <a:r>
+              <a:rPr lang="ru-RU" dirty="0" smtClean="0">
+                <a:latin typeface="Bebas Neue Pro Exp Rg" panose="020B0506020202050201" pitchFamily="34" charset="-52"/>
+              </a:rPr>
+              <a:t> – чередование блоков данных между дисками</a:t>
+            </a:r>
+          </a:p>
+          <a:p>
+            <a:pPr marL="285750" indent="-285750" algn="l">
+              <a:buFont typeface="Arial" panose="020B0604020202020204" pitchFamily="34" charset="0"/>
+              <a:buChar char="•"/>
+            </a:pPr>
+            <a:r>
+              <a:rPr lang="ru-RU" dirty="0" smtClean="0">
+                <a:latin typeface="Bebas Neue Pro Exp Rg" panose="020B0506020202050201" pitchFamily="34" charset="-52"/>
+              </a:rPr>
+              <a:t>Максимальная скорость чтения и записи</a:t>
+            </a:r>
+          </a:p>
+          <a:p>
+            <a:pPr marL="285750" indent="-285750" algn="l">
+              <a:buFont typeface="Arial" panose="020B0604020202020204" pitchFamily="34" charset="0"/>
+              <a:buChar char="•"/>
+            </a:pPr>
+            <a:r>
+              <a:rPr lang="ru-RU" dirty="0" smtClean="0">
+                <a:latin typeface="Bebas Neue Pro Exp Rg" panose="020B0506020202050201" pitchFamily="34" charset="-52"/>
+              </a:rPr>
+              <a:t>Полезный объем – сумма всех дисков (</a:t>
+            </a:r>
+            <a:r>
+              <a:rPr lang="en-US" dirty="0" smtClean="0">
+                <a:latin typeface="Bebas Neue Pro Exp Rg" panose="020B0506020202050201" pitchFamily="34" charset="-52"/>
+              </a:rPr>
+              <a:t>N)</a:t>
+            </a:r>
+          </a:p>
+          <a:p>
+            <a:pPr marL="285750" indent="-285750" algn="l">
+              <a:buFont typeface="Arial" panose="020B0604020202020204" pitchFamily="34" charset="0"/>
+              <a:buChar char="•"/>
+            </a:pPr>
+            <a:r>
+              <a:rPr lang="ru-RU" dirty="0" smtClean="0">
+                <a:latin typeface="Bebas Neue Pro Exp Rg" panose="020B0506020202050201" pitchFamily="34" charset="-52"/>
+              </a:rPr>
+              <a:t>Нет отказоустойчивости</a:t>
+            </a:r>
+          </a:p>
+          <a:p>
+            <a:pPr marL="285750" indent="-285750" algn="l">
+              <a:buFont typeface="Arial" panose="020B0604020202020204" pitchFamily="34" charset="0"/>
+              <a:buChar char="•"/>
+            </a:pPr>
+            <a:r>
+              <a:rPr lang="ru-RU" dirty="0" smtClean="0">
+                <a:latin typeface="Bebas Neue Pro Exp Rg" panose="020B0506020202050201" pitchFamily="34" charset="-52"/>
+              </a:rPr>
+              <a:t>Минимум 2 диска</a:t>
+            </a:r>
+          </a:p>
+          <a:p>
+            <a:pPr marL="285750" indent="-285750" algn="l">
+              <a:buFont typeface="Arial" panose="020B0604020202020204" pitchFamily="34" charset="0"/>
+              <a:buChar char="•"/>
+            </a:pPr>
+            <a:endParaRPr lang="en-US" dirty="0">
+              <a:latin typeface="Bebas Neue Pro Exp Rg" panose="020B0506020202050201" pitchFamily="34" charset="-52"/>
+            </a:endParaRPr>
+          </a:p>
+        </p:txBody>
+      </p:sp>
+      <p:pic>
+        <p:nvPicPr>
+          <p:cNvPr id="5" name="Объект 4"/>
+          <p:cNvPicPr>
+            <a:picLocks noGrp="1" noChangeAspect="1"/>
+          </p:cNvPicPr>
+          <p:nvPr>
+            <p:ph idx="1"/>
+          </p:nvPr>
+        </p:nvPicPr>
+        <p:blipFill>
+          <a:blip r:embed="rId2">
+            <a:extLst>
+              <a:ext uri="{28A0092B-C50C-407E-A947-70E740481C1C}">
+                <a14:useLocalDpi xmlns:a14="http://schemas.microsoft.com/office/drawing/2010/main" val="0"/>
+              </a:ext>
+            </a:extLst>
+          </a:blip>
+          <a:stretch>
+            <a:fillRect/>
+          </a:stretch>
+        </p:blipFill>
+        <p:spPr>
+          <a:xfrm>
+            <a:off x="6625431" y="1809750"/>
+            <a:ext cx="3514725" cy="2857500"/>
+          </a:xfrm>
+        </p:spPr>
+      </p:pic>
+    </p:spTree>
+    <p:extLst>
+      <p:ext uri="{BB962C8B-B14F-4D97-AF65-F5344CB8AC3E}">
+        <p14:creationId xmlns:p14="http://schemas.microsoft.com/office/powerpoint/2010/main" val="4259970447"/>
+      </p:ext>
+    </p:extLst>
+  </p:cSld>
+  <p:clrMapOvr>
+    <a:masterClrMapping/>
+  </p:clrMapOvr>
+  <p:timing>
+    <p:tnLst>
+      <p:par>
+        <p:cTn id="1" dur="indefinite" restart="never" nodeType="tmRoot"/>
+      </p:par>
+    </p:tnLst>
+  </p:timing>
+</p:sld>
+</file>
+
+<file path=ppt/slides/slide7.xml><?xml version="1.0" encoding="utf-8"?>
+<p:sld xmlns:a="http://schemas.openxmlformats.org/drawingml/2006/main" xmlns:r="http://schemas.openxmlformats.org/officeDocument/2006/relationships" xmlns:p="http://schemas.openxmlformats.org/presentationml/2006/main">
+  <p:cSld>
+    <p:spTree>
+      <p:nvGrpSpPr>
+        <p:cNvPr id="1" name=""/>
+        <p:cNvGrpSpPr/>
+        <p:nvPr/>
+      </p:nvGrpSpPr>
+      <p:grpSpPr>
+        <a:xfrm>
+          <a:off x="0" y="0"/>
+          <a:ext cx="0" cy="0"/>
+          <a:chOff x="0" y="0"/>
+          <a:chExt cx="0" cy="0"/>
+        </a:xfrm>
+      </p:grpSpPr>
+      <p:sp>
+        <p:nvSpPr>
+          <p:cNvPr id="2" name="Заголовок 1"/>
+          <p:cNvSpPr>
+            <a:spLocks noGrp="1"/>
+          </p:cNvSpPr>
+          <p:nvPr>
+            <p:ph type="title"/>
+          </p:nvPr>
+        </p:nvSpPr>
+        <p:spPr>
+          <a:xfrm>
+            <a:off x="1484310" y="1809749"/>
+            <a:ext cx="4140000" cy="684000"/>
+          </a:xfrm>
+        </p:spPr>
+        <p:txBody>
+          <a:bodyPr>
+            <a:normAutofit/>
+          </a:bodyPr>
+          <a:lstStyle/>
+          <a:p>
+            <a:r>
+              <a:rPr lang="en-US" sz="3600" dirty="0" smtClean="0">
+                <a:latin typeface="Bebas Neue Pro Exp Eb" panose="020B0706020202050201" pitchFamily="34" charset="-52"/>
+              </a:rPr>
+              <a:t>RAID </a:t>
+            </a:r>
+            <a:r>
+              <a:rPr lang="ru-RU" sz="3600" dirty="0" smtClean="0">
+                <a:latin typeface="Bebas Neue Pro Exp Eb" panose="020B0706020202050201" pitchFamily="34" charset="-52"/>
+              </a:rPr>
+              <a:t>1</a:t>
+            </a:r>
+            <a:endParaRPr lang="en-US" sz="3600" dirty="0">
+              <a:latin typeface="Bebas Neue Pro Exp Eb" panose="020B0706020202050201" pitchFamily="34" charset="-52"/>
+            </a:endParaRPr>
+          </a:p>
+        </p:txBody>
+      </p:sp>
+      <p:sp>
+        <p:nvSpPr>
+          <p:cNvPr id="4" name="Текст 3"/>
+          <p:cNvSpPr>
+            <a:spLocks noGrp="1"/>
+          </p:cNvSpPr>
+          <p:nvPr>
+            <p:ph type="body" sz="half" idx="2"/>
+          </p:nvPr>
+        </p:nvSpPr>
+        <p:spPr>
+          <a:xfrm>
+            <a:off x="1484311" y="2489533"/>
+            <a:ext cx="4140000" cy="3225467"/>
+          </a:xfrm>
+        </p:spPr>
+        <p:txBody>
+          <a:bodyPr vert="horz" lIns="91440" tIns="45720" rIns="91440" bIns="45720" rtlCol="0" anchor="ctr">
+            <a:normAutofit/>
+          </a:bodyPr>
+          <a:lstStyle/>
+          <a:p>
+            <a:pPr marL="285750" indent="-285750" algn="l">
+              <a:buFont typeface="Arial" panose="020B0604020202020204" pitchFamily="34" charset="0"/>
+              <a:buChar char="•"/>
+            </a:pPr>
+            <a:r>
+              <a:rPr lang="ru-RU" dirty="0">
+                <a:latin typeface="Bebas Neue Pro Exp Rg" panose="020B0506020202050201" pitchFamily="34" charset="-52"/>
+              </a:rPr>
+              <a:t>Зеркалирование – копия данных на двух и более дисках</a:t>
+            </a:r>
+          </a:p>
+          <a:p>
+            <a:pPr marL="285750" indent="-285750" algn="l">
+              <a:buFont typeface="Arial" panose="020B0604020202020204" pitchFamily="34" charset="0"/>
+              <a:buChar char="•"/>
+            </a:pPr>
+            <a:r>
+              <a:rPr lang="ru-RU" dirty="0">
+                <a:latin typeface="Bebas Neue Pro Exp Rg" panose="020B0506020202050201" pitchFamily="34" charset="-52"/>
+              </a:rPr>
+              <a:t>Максимальная </a:t>
+            </a:r>
+            <a:r>
+              <a:rPr lang="ru-RU" dirty="0" smtClean="0">
+                <a:latin typeface="Bebas Neue Pro Exp Rg" panose="020B0506020202050201" pitchFamily="34" charset="-52"/>
+              </a:rPr>
+              <a:t>надежность хранения</a:t>
+            </a:r>
+            <a:endParaRPr lang="ru-RU" dirty="0">
+              <a:latin typeface="Bebas Neue Pro Exp Rg" panose="020B0506020202050201" pitchFamily="34" charset="-52"/>
+            </a:endParaRPr>
+          </a:p>
+          <a:p>
+            <a:pPr marL="285750" indent="-285750" algn="l">
+              <a:buFont typeface="Arial" panose="020B0604020202020204" pitchFamily="34" charset="0"/>
+              <a:buChar char="•"/>
+            </a:pPr>
+            <a:r>
+              <a:rPr lang="ru-RU" dirty="0">
+                <a:latin typeface="Bebas Neue Pro Exp Rg" panose="020B0506020202050201" pitchFamily="34" charset="-52"/>
+              </a:rPr>
+              <a:t>Полезный объем – один диск (1</a:t>
+            </a:r>
+            <a:r>
+              <a:rPr lang="en-US" dirty="0">
+                <a:latin typeface="Bebas Neue Pro Exp Rg" panose="020B0506020202050201" pitchFamily="34" charset="-52"/>
+              </a:rPr>
+              <a:t>)</a:t>
+            </a:r>
+          </a:p>
+          <a:p>
+            <a:pPr marL="285750" indent="-285750" algn="l">
+              <a:buFont typeface="Arial" panose="020B0604020202020204" pitchFamily="34" charset="0"/>
+              <a:buChar char="•"/>
+            </a:pPr>
+            <a:r>
+              <a:rPr lang="ru-RU" dirty="0" smtClean="0">
+                <a:latin typeface="Bebas Neue Pro Exp Rg" panose="020B0506020202050201" pitchFamily="34" charset="-52"/>
+              </a:rPr>
+              <a:t>Скорость чтения увеличена, скорость записи равна скорости записи на один диск</a:t>
+            </a:r>
+          </a:p>
+          <a:p>
+            <a:pPr marL="285750" indent="-285750" algn="l">
+              <a:buFont typeface="Arial" panose="020B0604020202020204" pitchFamily="34" charset="0"/>
+              <a:buChar char="•"/>
+            </a:pPr>
+            <a:r>
+              <a:rPr lang="ru-RU" dirty="0" smtClean="0">
+                <a:latin typeface="Bebas Neue Pro Exp Rg" panose="020B0506020202050201" pitchFamily="34" charset="-52"/>
+              </a:rPr>
+              <a:t>Работоспособен до отказа последнего диска</a:t>
+            </a:r>
+            <a:endParaRPr lang="ru-RU" dirty="0">
+              <a:latin typeface="Bebas Neue Pro Exp Rg" panose="020B0506020202050201" pitchFamily="34" charset="-52"/>
+            </a:endParaRPr>
+          </a:p>
+          <a:p>
+            <a:pPr marL="285750" indent="-285750" algn="l">
+              <a:buFont typeface="Arial" panose="020B0604020202020204" pitchFamily="34" charset="0"/>
+              <a:buChar char="•"/>
+            </a:pPr>
+            <a:r>
+              <a:rPr lang="ru-RU" dirty="0" smtClean="0">
+                <a:latin typeface="Bebas Neue Pro Exp Rg" panose="020B0506020202050201" pitchFamily="34" charset="-52"/>
+              </a:rPr>
+              <a:t>Минимум 2 диска</a:t>
+            </a:r>
+            <a:endParaRPr lang="en-US" dirty="0">
+              <a:latin typeface="Bebas Neue Pro Exp Rg" panose="020B0506020202050201" pitchFamily="34" charset="-52"/>
+            </a:endParaRPr>
+          </a:p>
+        </p:txBody>
+      </p:sp>
+      <p:pic>
+        <p:nvPicPr>
+          <p:cNvPr id="6" name="Объект 5"/>
+          <p:cNvPicPr>
+            <a:picLocks noGrp="1" noChangeAspect="1"/>
+          </p:cNvPicPr>
+          <p:nvPr>
+            <p:ph idx="1"/>
+          </p:nvPr>
+        </p:nvPicPr>
+        <p:blipFill>
+          <a:blip r:embed="rId2">
+            <a:extLst>
+              <a:ext uri="{28A0092B-C50C-407E-A947-70E740481C1C}">
+                <a14:useLocalDpi xmlns:a14="http://schemas.microsoft.com/office/drawing/2010/main" val="0"/>
+              </a:ext>
+            </a:extLst>
+          </a:blip>
+          <a:stretch>
+            <a:fillRect/>
+          </a:stretch>
+        </p:blipFill>
+        <p:spPr>
+          <a:xfrm>
+            <a:off x="6620669" y="1809750"/>
+            <a:ext cx="3524250" cy="2857500"/>
+          </a:xfrm>
+        </p:spPr>
+      </p:pic>
+    </p:spTree>
+    <p:extLst>
+      <p:ext uri="{BB962C8B-B14F-4D97-AF65-F5344CB8AC3E}">
+        <p14:creationId xmlns:p14="http://schemas.microsoft.com/office/powerpoint/2010/main" val="778650855"/>
+      </p:ext>
+    </p:extLst>
+  </p:cSld>
+  <p:clrMapOvr>
+    <a:masterClrMapping/>
+  </p:clrMapOvr>
+  <p:timing>
+    <p:tnLst>
+      <p:par>
+        <p:cTn id="1" dur="indefinite" restart="never" nodeType="tmRoot"/>
+      </p:par>
+    </p:tnLst>
+  </p:timing>
+</p:sld>
+</file>
+
+<file path=ppt/slides/slide8.xml><?xml version="1.0" encoding="utf-8"?>
+<p:sld xmlns:a="http://schemas.openxmlformats.org/drawingml/2006/main" xmlns:r="http://schemas.openxmlformats.org/officeDocument/2006/relationships" xmlns:p="http://schemas.openxmlformats.org/presentationml/2006/main">
+  <p:cSld>
+    <p:spTree>
+      <p:nvGrpSpPr>
+        <p:cNvPr id="1" name=""/>
+        <p:cNvGrpSpPr/>
+        <p:nvPr/>
+      </p:nvGrpSpPr>
+      <p:grpSpPr>
+        <a:xfrm>
+          <a:off x="0" y="0"/>
+          <a:ext cx="0" cy="0"/>
+          <a:chOff x="0" y="0"/>
+          <a:chExt cx="0" cy="0"/>
+        </a:xfrm>
+      </p:grpSpPr>
+      <p:sp>
+        <p:nvSpPr>
+          <p:cNvPr id="2" name="Заголовок 1"/>
+          <p:cNvSpPr>
+            <a:spLocks noGrp="1"/>
+          </p:cNvSpPr>
+          <p:nvPr>
+            <p:ph type="title"/>
+          </p:nvPr>
+        </p:nvSpPr>
+        <p:spPr>
+          <a:xfrm>
+            <a:off x="1484310" y="1809749"/>
+            <a:ext cx="4140000" cy="684000"/>
+          </a:xfrm>
+        </p:spPr>
+        <p:txBody>
+          <a:bodyPr>
+            <a:normAutofit/>
+          </a:bodyPr>
+          <a:lstStyle/>
+          <a:p>
+            <a:r>
+              <a:rPr lang="en-US" sz="3600" dirty="0" smtClean="0">
+                <a:latin typeface="Bebas Neue Pro Exp Eb" panose="020B0706020202050201" pitchFamily="34" charset="-52"/>
+              </a:rPr>
+              <a:t>RAID </a:t>
+            </a:r>
+            <a:r>
+              <a:rPr lang="ru-RU" sz="3600" dirty="0" smtClean="0">
+                <a:latin typeface="Bebas Neue Pro Exp Eb" panose="020B0706020202050201" pitchFamily="34" charset="-52"/>
+              </a:rPr>
+              <a:t>5</a:t>
+            </a:r>
+            <a:endParaRPr lang="en-US" sz="3600" dirty="0">
+              <a:latin typeface="Bebas Neue Pro Exp Eb" panose="020B0706020202050201" pitchFamily="34" charset="-52"/>
+            </a:endParaRPr>
+          </a:p>
+        </p:txBody>
+      </p:sp>
+      <p:sp>
+        <p:nvSpPr>
+          <p:cNvPr id="4" name="Текст 3"/>
+          <p:cNvSpPr>
+            <a:spLocks noGrp="1"/>
+          </p:cNvSpPr>
+          <p:nvPr>
+            <p:ph type="body" sz="half" idx="2"/>
+          </p:nvPr>
+        </p:nvSpPr>
+        <p:spPr>
+          <a:xfrm>
+            <a:off x="1484311" y="2489533"/>
+            <a:ext cx="4140000" cy="3643135"/>
+          </a:xfrm>
+        </p:spPr>
+        <p:txBody>
+          <a:bodyPr vert="horz" lIns="91440" tIns="45720" rIns="91440" bIns="45720" rtlCol="0" anchor="ctr">
+            <a:normAutofit/>
+          </a:bodyPr>
+          <a:lstStyle/>
+          <a:p>
+            <a:pPr marL="285750" indent="-285750" algn="l">
+              <a:buFont typeface="Arial" panose="020B0604020202020204" pitchFamily="34" charset="0"/>
+              <a:buChar char="•"/>
+            </a:pPr>
+            <a:r>
+              <a:rPr lang="ru-RU" dirty="0" err="1" smtClean="0">
+                <a:latin typeface="Bebas Neue Pro Exp Rg" panose="020B0506020202050201" pitchFamily="34" charset="-52"/>
+              </a:rPr>
+              <a:t>Страйпинг</a:t>
+            </a:r>
+            <a:endParaRPr lang="ru-RU" dirty="0" smtClean="0">
+              <a:latin typeface="Bebas Neue Pro Exp Rg" panose="020B0506020202050201" pitchFamily="34" charset="-52"/>
+            </a:endParaRPr>
+          </a:p>
+          <a:p>
+            <a:pPr marL="285750" indent="-285750" algn="l">
+              <a:buFont typeface="Arial" panose="020B0604020202020204" pitchFamily="34" charset="0"/>
+              <a:buChar char="•"/>
+            </a:pPr>
+            <a:r>
+              <a:rPr lang="ru-RU" dirty="0" smtClean="0">
+                <a:latin typeface="Bebas Neue Pro Exp Rg" panose="020B0506020202050201" pitchFamily="34" charset="-52"/>
+              </a:rPr>
+              <a:t>Четность </a:t>
+            </a:r>
+            <a:r>
+              <a:rPr lang="ru-RU" dirty="0">
+                <a:latin typeface="Bebas Neue Pro Exp Rg" panose="020B0506020202050201" pitchFamily="34" charset="-52"/>
+              </a:rPr>
+              <a:t>– дополнительная информация, вычисляемая по </a:t>
+            </a:r>
+            <a:r>
+              <a:rPr lang="ru-RU" dirty="0" smtClean="0">
+                <a:latin typeface="Bebas Neue Pro Exp Rg" panose="020B0506020202050201" pitchFamily="34" charset="-52"/>
+              </a:rPr>
+              <a:t>данным.</a:t>
+            </a:r>
+          </a:p>
+          <a:p>
+            <a:pPr marL="285750" indent="-285750" algn="l">
+              <a:buFont typeface="Arial" panose="020B0604020202020204" pitchFamily="34" charset="0"/>
+              <a:buChar char="•"/>
+            </a:pPr>
+            <a:r>
+              <a:rPr lang="ru-RU" dirty="0" smtClean="0">
+                <a:latin typeface="Bebas Neue Pro Exp Rg" panose="020B0506020202050201" pitchFamily="34" charset="-52"/>
+              </a:rPr>
+              <a:t>Четность распределена по дискам</a:t>
+            </a:r>
+          </a:p>
+          <a:p>
+            <a:pPr marL="285750" indent="-285750" algn="l">
+              <a:buFont typeface="Arial" panose="020B0604020202020204" pitchFamily="34" charset="0"/>
+              <a:buChar char="•"/>
+            </a:pPr>
+            <a:r>
+              <a:rPr lang="ru-RU" dirty="0" smtClean="0">
+                <a:latin typeface="Bebas Neue Pro Exp Rg" panose="020B0506020202050201" pitchFamily="34" charset="-52"/>
+              </a:rPr>
+              <a:t>Полезный </a:t>
+            </a:r>
+            <a:r>
+              <a:rPr lang="ru-RU" dirty="0">
+                <a:latin typeface="Bebas Neue Pro Exp Rg" panose="020B0506020202050201" pitchFamily="34" charset="-52"/>
+              </a:rPr>
+              <a:t>объем – </a:t>
+            </a:r>
+            <a:r>
+              <a:rPr lang="en-US" dirty="0" smtClean="0">
+                <a:latin typeface="Bebas Neue Pro Exp Rg" panose="020B0506020202050201" pitchFamily="34" charset="-52"/>
+              </a:rPr>
+              <a:t>N-1 </a:t>
+            </a:r>
+            <a:r>
+              <a:rPr lang="ru-RU" dirty="0" smtClean="0">
+                <a:latin typeface="Bebas Neue Pro Exp Rg" panose="020B0506020202050201" pitchFamily="34" charset="-52"/>
+              </a:rPr>
+              <a:t>дисков</a:t>
+            </a:r>
+            <a:endParaRPr lang="en-US" dirty="0">
+              <a:latin typeface="Bebas Neue Pro Exp Rg" panose="020B0506020202050201" pitchFamily="34" charset="-52"/>
+            </a:endParaRPr>
+          </a:p>
+          <a:p>
+            <a:pPr marL="285750" indent="-285750" algn="l">
+              <a:buFont typeface="Arial" panose="020B0604020202020204" pitchFamily="34" charset="0"/>
+              <a:buChar char="•"/>
+            </a:pPr>
+            <a:r>
+              <a:rPr lang="ru-RU" dirty="0" smtClean="0">
+                <a:latin typeface="Bebas Neue Pro Exp Rg" panose="020B0506020202050201" pitchFamily="34" charset="-52"/>
+              </a:rPr>
+              <a:t>Скорость чтения увеличена, скорость записи снижена</a:t>
+            </a:r>
+          </a:p>
+          <a:p>
+            <a:pPr marL="285750" indent="-285750" algn="l">
+              <a:buFont typeface="Arial" panose="020B0604020202020204" pitchFamily="34" charset="0"/>
+              <a:buChar char="•"/>
+            </a:pPr>
+            <a:r>
+              <a:rPr lang="ru-RU" dirty="0" smtClean="0">
+                <a:latin typeface="Bebas Neue Pro Exp Rg" panose="020B0506020202050201" pitchFamily="34" charset="-52"/>
+              </a:rPr>
+              <a:t>Выдерживает отказ 1 диска</a:t>
+            </a:r>
+          </a:p>
+          <a:p>
+            <a:pPr marL="285750" indent="-285750" algn="l">
+              <a:buFont typeface="Arial" panose="020B0604020202020204" pitchFamily="34" charset="0"/>
+              <a:buChar char="•"/>
+            </a:pPr>
+            <a:r>
+              <a:rPr lang="ru-RU" dirty="0" smtClean="0">
+                <a:latin typeface="Bebas Neue Pro Exp Rg" panose="020B0506020202050201" pitchFamily="34" charset="-52"/>
+              </a:rPr>
+              <a:t>Минимум 3 диска</a:t>
+            </a:r>
+            <a:endParaRPr lang="ru-RU" dirty="0">
+              <a:latin typeface="Bebas Neue Pro Exp Rg" panose="020B0506020202050201" pitchFamily="34" charset="-52"/>
+            </a:endParaRPr>
+          </a:p>
+          <a:p>
+            <a:pPr marL="285750" indent="-285750" algn="l">
+              <a:buFont typeface="Arial" panose="020B0604020202020204" pitchFamily="34" charset="0"/>
+              <a:buChar char="•"/>
+            </a:pPr>
+            <a:endParaRPr lang="en-US" dirty="0">
+              <a:latin typeface="Bebas Neue Pro Exp Rg" panose="020B0506020202050201" pitchFamily="34" charset="-52"/>
+            </a:endParaRPr>
+          </a:p>
+        </p:txBody>
+      </p:sp>
+      <p:pic>
+        <p:nvPicPr>
+          <p:cNvPr id="8" name="Объект 7"/>
+          <p:cNvPicPr>
+            <a:picLocks noGrp="1" noChangeAspect="1"/>
+          </p:cNvPicPr>
+          <p:nvPr>
+            <p:ph idx="1"/>
+          </p:nvPr>
+        </p:nvPicPr>
+        <p:blipFill>
+          <a:blip r:embed="rId2">
+            <a:extLst>
+              <a:ext uri="{28A0092B-C50C-407E-A947-70E740481C1C}">
+                <a14:useLocalDpi xmlns:a14="http://schemas.microsoft.com/office/drawing/2010/main" val="0"/>
+              </a:ext>
+            </a:extLst>
+          </a:blip>
+          <a:stretch>
+            <a:fillRect/>
+          </a:stretch>
+        </p:blipFill>
+        <p:spPr>
+          <a:xfrm>
+            <a:off x="6620669" y="1809750"/>
+            <a:ext cx="3524250" cy="2857500"/>
+          </a:xfrm>
+        </p:spPr>
+      </p:pic>
+    </p:spTree>
+    <p:extLst>
+      <p:ext uri="{BB962C8B-B14F-4D97-AF65-F5344CB8AC3E}">
+        <p14:creationId xmlns:p14="http://schemas.microsoft.com/office/powerpoint/2010/main" val="882106087"/>
+      </p:ext>
+    </p:extLst>
+  </p:cSld>
+  <p:clrMapOvr>
+    <a:masterClrMapping/>
+  </p:clrMapOvr>
+  <p:timing>
+    <p:tnLst>
+      <p:par>
+        <p:cTn id="1" dur="indefinite" restart="never" nodeType="tmRoot"/>
+      </p:par>
+    </p:tnLst>
+  </p:timing>
+</p:sld>
+</file>
+
+<file path=ppt/slides/slide9.xml><?xml version="1.0" encoding="utf-8"?>
+<p:sld xmlns:a="http://schemas.openxmlformats.org/drawingml/2006/main" xmlns:r="http://schemas.openxmlformats.org/officeDocument/2006/relationships" xmlns:p="http://schemas.openxmlformats.org/presentationml/2006/main">
+  <p:cSld>
+    <p:spTree>
+      <p:nvGrpSpPr>
+        <p:cNvPr id="1" name=""/>
+        <p:cNvGrpSpPr/>
+        <p:nvPr/>
+      </p:nvGrpSpPr>
+      <p:grpSpPr>
+        <a:xfrm>
+          <a:off x="0" y="0"/>
+          <a:ext cx="0" cy="0"/>
+          <a:chOff x="0" y="0"/>
+          <a:chExt cx="0" cy="0"/>
+        </a:xfrm>
+      </p:grpSpPr>
+      <p:sp>
+        <p:nvSpPr>
+          <p:cNvPr id="2" name="Заголовок 1"/>
+          <p:cNvSpPr>
+            <a:spLocks noGrp="1"/>
+          </p:cNvSpPr>
+          <p:nvPr>
+            <p:ph type="title"/>
+          </p:nvPr>
+        </p:nvSpPr>
+        <p:spPr>
+          <a:xfrm>
+            <a:off x="1484310" y="1809749"/>
+            <a:ext cx="4140000" cy="684000"/>
+          </a:xfrm>
+        </p:spPr>
+        <p:txBody>
+          <a:bodyPr>
+            <a:normAutofit/>
+          </a:bodyPr>
+          <a:lstStyle/>
+          <a:p>
+            <a:r>
+              <a:rPr lang="en-US" sz="3600" dirty="0" smtClean="0">
+                <a:latin typeface="Bebas Neue Pro Exp Eb" panose="020B0706020202050201" pitchFamily="34" charset="-52"/>
+              </a:rPr>
+              <a:t>RAID </a:t>
+            </a:r>
+            <a:r>
+              <a:rPr lang="ru-RU" sz="3600" dirty="0" smtClean="0">
+                <a:latin typeface="Bebas Neue Pro Exp Eb" panose="020B0706020202050201" pitchFamily="34" charset="-52"/>
+              </a:rPr>
+              <a:t>6</a:t>
+            </a:r>
+            <a:endParaRPr lang="en-US" sz="3600" dirty="0">
+              <a:latin typeface="Bebas Neue Pro Exp Eb" panose="020B0706020202050201" pitchFamily="34" charset="-52"/>
+            </a:endParaRPr>
+          </a:p>
+        </p:txBody>
+      </p:sp>
+      <p:sp>
+        <p:nvSpPr>
+          <p:cNvPr id="4" name="Текст 3"/>
+          <p:cNvSpPr>
+            <a:spLocks noGrp="1"/>
+          </p:cNvSpPr>
+          <p:nvPr>
+            <p:ph type="body" sz="half" idx="2"/>
+          </p:nvPr>
+        </p:nvSpPr>
+        <p:spPr>
+          <a:xfrm>
+            <a:off x="1484311" y="2489533"/>
+            <a:ext cx="4140000" cy="3225600"/>
+          </a:xfrm>
+        </p:spPr>
+        <p:txBody>
+          <a:bodyPr vert="horz" lIns="91440" tIns="45720" rIns="91440" bIns="45720" rtlCol="0" anchor="ctr">
+            <a:normAutofit/>
+          </a:bodyPr>
+          <a:lstStyle/>
+          <a:p>
+            <a:pPr marL="285750" indent="-285750" algn="l">
+              <a:buFont typeface="Arial" panose="020B0604020202020204" pitchFamily="34" charset="0"/>
+              <a:buChar char="•"/>
+            </a:pPr>
+            <a:r>
+              <a:rPr lang="ru-RU" dirty="0" err="1" smtClean="0">
+                <a:latin typeface="Bebas Neue Pro Exp Rg" panose="020B0506020202050201" pitchFamily="34" charset="-52"/>
+              </a:rPr>
+              <a:t>Страйпинг</a:t>
+            </a:r>
+            <a:endParaRPr lang="ru-RU" dirty="0" smtClean="0">
+              <a:latin typeface="Bebas Neue Pro Exp Rg" panose="020B0506020202050201" pitchFamily="34" charset="-52"/>
+            </a:endParaRPr>
+          </a:p>
+          <a:p>
+            <a:pPr marL="285750" indent="-285750" algn="l">
+              <a:buFont typeface="Arial" panose="020B0604020202020204" pitchFamily="34" charset="0"/>
+              <a:buChar char="•"/>
+            </a:pPr>
+            <a:r>
+              <a:rPr lang="ru-RU" dirty="0" smtClean="0">
+                <a:latin typeface="Bebas Neue Pro Exp Rg" panose="020B0506020202050201" pitchFamily="34" charset="-52"/>
+              </a:rPr>
+              <a:t>Двойная распределенная четность</a:t>
+            </a:r>
+          </a:p>
+          <a:p>
+            <a:pPr marL="285750" indent="-285750" algn="l">
+              <a:buFont typeface="Arial" panose="020B0604020202020204" pitchFamily="34" charset="0"/>
+              <a:buChar char="•"/>
+            </a:pPr>
+            <a:r>
+              <a:rPr lang="ru-RU" dirty="0" smtClean="0">
+                <a:latin typeface="Bebas Neue Pro Exp Rg" panose="020B0506020202050201" pitchFamily="34" charset="-52"/>
+              </a:rPr>
+              <a:t>Полезный </a:t>
+            </a:r>
+            <a:r>
+              <a:rPr lang="ru-RU" dirty="0">
+                <a:latin typeface="Bebas Neue Pro Exp Rg" panose="020B0506020202050201" pitchFamily="34" charset="-52"/>
+              </a:rPr>
+              <a:t>объем – </a:t>
+            </a:r>
+            <a:r>
+              <a:rPr lang="en-US" dirty="0" smtClean="0">
+                <a:latin typeface="Bebas Neue Pro Exp Rg" panose="020B0506020202050201" pitchFamily="34" charset="-52"/>
+              </a:rPr>
+              <a:t>N-</a:t>
+            </a:r>
+            <a:r>
+              <a:rPr lang="ru-RU" dirty="0" smtClean="0">
+                <a:latin typeface="Bebas Neue Pro Exp Rg" panose="020B0506020202050201" pitchFamily="34" charset="-52"/>
+              </a:rPr>
+              <a:t>2</a:t>
+            </a:r>
+            <a:r>
+              <a:rPr lang="en-US" dirty="0" smtClean="0">
+                <a:latin typeface="Bebas Neue Pro Exp Rg" panose="020B0506020202050201" pitchFamily="34" charset="-52"/>
+              </a:rPr>
+              <a:t> </a:t>
+            </a:r>
+            <a:r>
+              <a:rPr lang="ru-RU" dirty="0" smtClean="0">
+                <a:latin typeface="Bebas Neue Pro Exp Rg" panose="020B0506020202050201" pitchFamily="34" charset="-52"/>
+              </a:rPr>
+              <a:t>дисков</a:t>
+            </a:r>
+            <a:endParaRPr lang="en-US" dirty="0">
+              <a:latin typeface="Bebas Neue Pro Exp Rg" panose="020B0506020202050201" pitchFamily="34" charset="-52"/>
+            </a:endParaRPr>
+          </a:p>
+          <a:p>
+            <a:pPr marL="285750" indent="-285750" algn="l">
+              <a:buFont typeface="Arial" panose="020B0604020202020204" pitchFamily="34" charset="0"/>
+              <a:buChar char="•"/>
+            </a:pPr>
+            <a:r>
+              <a:rPr lang="ru-RU" dirty="0" smtClean="0">
+                <a:latin typeface="Bebas Neue Pro Exp Rg" panose="020B0506020202050201" pitchFamily="34" charset="-52"/>
+              </a:rPr>
+              <a:t>Скорость чтения увеличена, скорость записи сильно снижена</a:t>
+            </a:r>
+          </a:p>
+          <a:p>
+            <a:pPr marL="285750" indent="-285750" algn="l">
+              <a:buFont typeface="Arial" panose="020B0604020202020204" pitchFamily="34" charset="0"/>
+              <a:buChar char="•"/>
+            </a:pPr>
+            <a:r>
+              <a:rPr lang="ru-RU" dirty="0" smtClean="0">
+                <a:latin typeface="Bebas Neue Pro Exp Rg" panose="020B0506020202050201" pitchFamily="34" charset="-52"/>
+              </a:rPr>
+              <a:t>Выдерживает отказ 2 дисков</a:t>
+            </a:r>
+          </a:p>
+          <a:p>
+            <a:pPr marL="285750" indent="-285750" algn="l">
+              <a:buFont typeface="Arial" panose="020B0604020202020204" pitchFamily="34" charset="0"/>
+              <a:buChar char="•"/>
+            </a:pPr>
+            <a:r>
+              <a:rPr lang="ru-RU" dirty="0" smtClean="0">
+                <a:latin typeface="Bebas Neue Pro Exp Rg" panose="020B0506020202050201" pitchFamily="34" charset="-52"/>
+              </a:rPr>
+              <a:t>Минимум 4 диска</a:t>
+            </a:r>
+            <a:endParaRPr lang="ru-RU" dirty="0">
+              <a:latin typeface="Bebas Neue Pro Exp Rg" panose="020B0506020202050201" pitchFamily="34" charset="-52"/>
+            </a:endParaRPr>
+          </a:p>
+          <a:p>
+            <a:pPr marL="285750" indent="-285750" algn="l">
+              <a:buFont typeface="Arial" panose="020B0604020202020204" pitchFamily="34" charset="0"/>
+              <a:buChar char="•"/>
+            </a:pPr>
+            <a:endParaRPr lang="en-US" dirty="0">
+              <a:latin typeface="Bebas Neue Pro Exp Rg" panose="020B0506020202050201" pitchFamily="34" charset="-52"/>
+            </a:endParaRPr>
+          </a:p>
+        </p:txBody>
+      </p:sp>
+      <p:pic>
+        <p:nvPicPr>
+          <p:cNvPr id="5" name="Объект 4"/>
+          <p:cNvPicPr>
+            <a:picLocks noGrp="1" noChangeAspect="1"/>
+          </p:cNvPicPr>
+          <p:nvPr>
+            <p:ph idx="1"/>
+          </p:nvPr>
+        </p:nvPicPr>
+        <p:blipFill>
+          <a:blip r:embed="rId2">
+            <a:extLst>
+              <a:ext uri="{28A0092B-C50C-407E-A947-70E740481C1C}">
+                <a14:useLocalDpi xmlns:a14="http://schemas.microsoft.com/office/drawing/2010/main" val="0"/>
+              </a:ext>
+            </a:extLst>
+          </a:blip>
+          <a:stretch>
+            <a:fillRect/>
+          </a:stretch>
+        </p:blipFill>
+        <p:spPr>
+          <a:xfrm>
+            <a:off x="6620669" y="1809750"/>
+            <a:ext cx="3524250" cy="2857500"/>
+          </a:xfrm>
+        </p:spPr>
+      </p:pic>
+    </p:spTree>
+    <p:extLst>
+      <p:ext uri="{BB962C8B-B14F-4D97-AF65-F5344CB8AC3E}">
+        <p14:creationId xmlns:p14="http://schemas.microsoft.com/office/powerpoint/2010/main" val="3126641287"/>
+      </p:ext>
+    </p:extLst>
+  </p:cSld>
+  <p:clrMapOvr>
+    <a:masterClrMapping/>
   </p:clrMapOvr>
   <p:timing>
     <p:tnLst>
@@ -13519,15 +19416,6 @@
 </file>
 
 <file path=customXml/item1.xml><?xml version="1.0" encoding="utf-8"?>
-<?mso-contentType ?>
-<FormTemplates xmlns="http://schemas.microsoft.com/sharepoint/v3/contenttype/forms">
-  <Display>DocumentLibraryForm</Display>
-  <Edit>DocumentLibraryForm</Edit>
-  <New>DocumentLibraryForm</New>
-</FormTemplates>
-</file>
-
-<file path=customXml/item2.xml><?xml version="1.0" encoding="utf-8"?>
 <p:properties xmlns:p="http://schemas.microsoft.com/office/2006/metadata/properties" xmlns:xsi="http://www.w3.org/2001/XMLSchema-instance" xmlns:pc="http://schemas.microsoft.com/office/infopath/2007/PartnerControls">
   <documentManagement>
     <MediaServiceKeyPoints xmlns="71af3243-3dd4-4a8d-8c0d-dd76da1f02a5" xsi:nil="true"/>
@@ -13535,7 +19423,7 @@
 </p:properties>
 </file>
 
-<file path=customXml/item3.xml><?xml version="1.0" encoding="utf-8"?>
+<file path=customXml/item2.xml><?xml version="1.0" encoding="utf-8"?>
 <ct:contentTypeSchema xmlns:ct="http://schemas.microsoft.com/office/2006/metadata/contentType" xmlns:ma="http://schemas.microsoft.com/office/2006/metadata/properties/metaAttributes" ct:_="" ma:_="" ma:contentTypeName="Document" ma:contentTypeID="0x01010079F111ED35F8CC479449609E8A0923A6" ma:contentTypeVersion="11" ma:contentTypeDescription="Create a new document." ma:contentTypeScope="" ma:versionID="9677210f24a1be23c92c90fd886aa0aa">
   <xsd:schema xmlns:xsd="http://www.w3.org/2001/XMLSchema" xmlns:xs="http://www.w3.org/2001/XMLSchema" xmlns:p="http://schemas.microsoft.com/office/2006/metadata/properties" xmlns:ns2="71af3243-3dd4-4a8d-8c0d-dd76da1f02a5" xmlns:ns3="16c05727-aa75-4e4a-9b5f-8a80a1165891" targetNamespace="http://schemas.microsoft.com/office/2006/metadata/properties" ma:root="true" ma:fieldsID="60e05723c5c1908df1a1a4ebf11d344e" ns2:_="" ns3:_="">
     <xsd:import namespace="71af3243-3dd4-4a8d-8c0d-dd76da1f02a5"/>
@@ -13746,25 +19634,33 @@
 </ct:contentTypeSchema>
 </file>
 
+<file path=customXml/item3.xml><?xml version="1.0" encoding="utf-8"?>
+<?mso-contentType ?>
+<FormTemplates xmlns="http://schemas.microsoft.com/sharepoint/v3/contenttype/forms">
+  <Display>DocumentLibraryForm</Display>
+  <Edit>DocumentLibraryForm</Edit>
+  <New>DocumentLibraryForm</New>
+</FormTemplates>
+</file>
+
 <file path=customXml/itemProps1.xml><?xml version="1.0" encoding="utf-8"?>
-<ds:datastoreItem xmlns:ds="http://schemas.openxmlformats.org/officeDocument/2006/customXml" ds:itemID="{33315AA3-EAE3-44ED-8368-BAC2FFFB4817}">
+<ds:datastoreItem xmlns:ds="http://schemas.openxmlformats.org/officeDocument/2006/customXml" ds:itemID="{D7023227-530E-4024-91EF-312A851A758C}">
   <ds:schemaRefs>
-    <ds:schemaRef ds:uri="http://schemas.microsoft.com/sharepoint/v3/contenttype/forms"/>
+    <ds:schemaRef ds:uri="http://schemas.microsoft.com/office/2006/metadata/properties"/>
+    <ds:schemaRef ds:uri="http://schemas.microsoft.com/office/2006/documentManagement/types"/>
+    <ds:schemaRef ds:uri="http://purl.org/dc/terms/"/>
+    <ds:schemaRef ds:uri="http://purl.org/dc/elements/1.1/"/>
+    <ds:schemaRef ds:uri="http://schemas.microsoft.com/office/infopath/2007/PartnerControls"/>
+    <ds:schemaRef ds:uri="http://schemas.openxmlformats.org/package/2006/metadata/core-properties"/>
+    <ds:schemaRef ds:uri="http://purl.org/dc/dcmitype/"/>
+    <ds:schemaRef ds:uri="16c05727-aa75-4e4a-9b5f-8a80a1165891"/>
+    <ds:schemaRef ds:uri="71af3243-3dd4-4a8d-8c0d-dd76da1f02a5"/>
+    <ds:schemaRef ds:uri="http://www.w3.org/XML/1998/namespace"/>
   </ds:schemaRefs>
 </ds:datastoreItem>
 </file>
 
 <file path=customXml/itemProps2.xml><?xml version="1.0" encoding="utf-8"?>
-<ds:datastoreItem xmlns:ds="http://schemas.openxmlformats.org/officeDocument/2006/customXml" ds:itemID="{D7023227-530E-4024-91EF-312A851A758C}">
-  <ds:schemaRefs>
-    <ds:schemaRef ds:uri="http://schemas.microsoft.com/office/2006/metadata/properties"/>
-    <ds:schemaRef ds:uri="http://schemas.microsoft.com/office/infopath/2007/PartnerControls"/>
-    <ds:schemaRef ds:uri="71af3243-3dd4-4a8d-8c0d-dd76da1f02a5"/>
-  </ds:schemaRefs>
-</ds:datastoreItem>
-</file>
-
-<file path=customXml/itemProps3.xml><?xml version="1.0" encoding="utf-8"?>
 <ds:datastoreItem xmlns:ds="http://schemas.openxmlformats.org/officeDocument/2006/customXml" ds:itemID="{627C19A7-3107-4CB2-BD0D-F7C79BE028CC}">
   <ds:schemaRefs>
     <ds:schemaRef ds:uri="http://schemas.microsoft.com/office/2006/metadata/contentType"/>
@@ -13781,4 +19677,12 @@
     <ds:schemaRef ds:uri="http://schemas.microsoft.com/internal/obd"/>
   </ds:schemaRefs>
 </ds:datastoreItem>
+</file>
+
+<file path=customXml/itemProps3.xml><?xml version="1.0" encoding="utf-8"?>
+<ds:datastoreItem xmlns:ds="http://schemas.openxmlformats.org/officeDocument/2006/customXml" ds:itemID="{33315AA3-EAE3-44ED-8368-BAC2FFFB4817}">
+  <ds:schemaRefs>
+    <ds:schemaRef ds:uri="http://schemas.microsoft.com/sharepoint/v3/contenttype/forms"/>
+  </ds:schemaRefs>
+</ds:datastoreItem>
 </file>